--- a/Проектная работа ЯП.pptx
+++ b/Проектная работа ЯП.pptx
@@ -124,12 +124,12 @@
   <p:extLst>
     <p:ext uri="{EFAFB233-063F-42B5-8137-9DF3F51BA10A}">
       <p15:sldGuideLst xmlns:p15="http://schemas.microsoft.com/office/powerpoint/2012/main">
-        <p15:guide id="1" orient="horz" pos="2159" userDrawn="1">
+        <p15:guide id="1" orient="horz" pos="2160" userDrawn="1">
           <p15:clr>
             <a:srgbClr val="A4A3A4"/>
           </p15:clr>
         </p15:guide>
-        <p15:guide id="2" pos="3840" userDrawn="1">
+        <p15:guide id="2" pos="3871" userDrawn="1">
           <p15:clr>
             <a:srgbClr val="A4A3A4"/>
           </p15:clr>
@@ -3722,7 +3722,7 @@
               <a:rPr lang="ru-RU" altLang="en-US">
                 <a:sym typeface="+mn-ea"/>
               </a:rPr>
-              <a:t>выход с превышением доступного времени.</a:t>
+              <a:t>выход проходом в установленное время.</a:t>
             </a:r>
             <a:endParaRPr lang="ru-RU" altLang="en-US"/>
           </a:p>
@@ -3743,16 +3743,7 @@
               <a:rPr lang="ru-RU" altLang="en-US">
                 <a:sym typeface="+mn-ea"/>
               </a:rPr>
-              <a:t> осуществляем вход и выход </a:t>
-            </a:r>
-            <a:endParaRPr lang="ru-RU" altLang="en-US"/>
-          </a:p>
-          <a:p>
-            <a:r>
-              <a:rPr lang="ru-RU" altLang="en-US">
-                <a:sym typeface="+mn-ea"/>
-              </a:rPr>
-              <a:t>гостя, наблюдаем</a:t>
+              <a:t> осуществляем вход и выход, наблюдаем</a:t>
             </a:r>
             <a:r>
               <a:rPr lang="en-US" altLang="en-US">
@@ -3769,7 +3760,7 @@
       </p:sp>
       <p:pic>
         <p:nvPicPr>
-          <p:cNvPr id="6" name="Изображение 5"/>
+          <p:cNvPr id="5" name="Изображение 4"/>
           <p:cNvPicPr>
             <a:picLocks noChangeAspect="1"/>
           </p:cNvPicPr>
@@ -3783,8 +3774,8 @@
         </p:blipFill>
         <p:spPr>
           <a:xfrm>
-            <a:off x="1388745" y="3894455"/>
-            <a:ext cx="1565275" cy="2557145"/>
+            <a:off x="949325" y="3300730"/>
+            <a:ext cx="1920240" cy="3139440"/>
           </a:xfrm>
           <a:prstGeom prst="rect">
             <a:avLst/>
@@ -3793,7 +3784,7 @@
       </p:pic>
       <p:pic>
         <p:nvPicPr>
-          <p:cNvPr id="4" name="Изображение 3"/>
+          <p:cNvPr id="8" name="Изображение 7"/>
           <p:cNvPicPr>
             <a:picLocks noChangeAspect="1"/>
           </p:cNvPicPr>
@@ -3807,8 +3798,56 @@
         </p:blipFill>
         <p:spPr>
           <a:xfrm>
-            <a:off x="3390265" y="4315460"/>
-            <a:ext cx="8002270" cy="891540"/>
+            <a:off x="3413760" y="3300730"/>
+            <a:ext cx="3678555" cy="1496695"/>
+          </a:xfrm>
+          <a:prstGeom prst="rect">
+            <a:avLst/>
+          </a:prstGeom>
+        </p:spPr>
+      </p:pic>
+      <p:pic>
+        <p:nvPicPr>
+          <p:cNvPr id="9" name="Изображение 8"/>
+          <p:cNvPicPr>
+            <a:picLocks noChangeAspect="1"/>
+          </p:cNvPicPr>
+          <p:nvPr/>
+        </p:nvPicPr>
+        <p:blipFill>
+          <a:blip r:embed="rId3"/>
+          <a:stretch>
+            <a:fillRect/>
+          </a:stretch>
+        </p:blipFill>
+        <p:spPr>
+          <a:xfrm>
+            <a:off x="3413760" y="4879340"/>
+            <a:ext cx="3679190" cy="1475105"/>
+          </a:xfrm>
+          <a:prstGeom prst="rect">
+            <a:avLst/>
+          </a:prstGeom>
+        </p:spPr>
+      </p:pic>
+      <p:pic>
+        <p:nvPicPr>
+          <p:cNvPr id="10" name="Изображение 9"/>
+          <p:cNvPicPr>
+            <a:picLocks noChangeAspect="1"/>
+          </p:cNvPicPr>
+          <p:nvPr/>
+        </p:nvPicPr>
+        <p:blipFill>
+          <a:blip r:embed="rId4"/>
+          <a:stretch>
+            <a:fillRect/>
+          </a:stretch>
+        </p:blipFill>
+        <p:spPr>
+          <a:xfrm>
+            <a:off x="495300" y="6513830"/>
+            <a:ext cx="10820400" cy="266700"/>
           </a:xfrm>
           <a:prstGeom prst="rect">
             <a:avLst/>
@@ -3911,56 +3950,13 @@
               <a:rPr lang="ru-RU" altLang="en-US">
                 <a:sym typeface="+mn-ea"/>
               </a:rPr>
-              <a:t>Создаем гостевой профиль, осуществляем вход, и попытку выхода с использованием неправильного идентификатора.</a:t>
-            </a:r>
-            <a:endParaRPr lang="ru-RU" altLang="en-US">
-              <a:sym typeface="+mn-ea"/>
-            </a:endParaRPr>
-          </a:p>
-          <a:p>
-            <a:r>
-              <a:rPr lang="ru-RU" altLang="en-US">
+              <a:t>Создаем гостевой профиль, осуществляем вход, и попытку выхода специально указав минимальновозможное время пребывания получаем</a:t>
+            </a:r>
+            <a:r>
+              <a:rPr lang="en-US" altLang="ru-RU">
                 <a:sym typeface="+mn-ea"/>
               </a:rPr>
-              <a:t>в случае с входом, получаем сообщение о том, что </a:t>
-            </a:r>
-            <a:endParaRPr lang="ru-RU" altLang="en-US">
-              <a:sym typeface="+mn-ea"/>
-            </a:endParaRPr>
-          </a:p>
-          <a:p>
-            <a:r>
-              <a:rPr lang="ru-RU" altLang="en-US">
-                <a:sym typeface="+mn-ea"/>
-              </a:rPr>
-              <a:t>человек уже получил пропуск.</a:t>
-            </a:r>
-            <a:endParaRPr lang="ru-RU" altLang="en-US">
-              <a:sym typeface="+mn-ea"/>
-            </a:endParaRPr>
-          </a:p>
-          <a:p>
-            <a:endParaRPr lang="ru-RU" altLang="en-US">
-              <a:sym typeface="+mn-ea"/>
-            </a:endParaRPr>
-          </a:p>
-          <a:p>
-            <a:r>
-              <a:rPr lang="ru-RU" altLang="en-US">
-                <a:sym typeface="+mn-ea"/>
-              </a:rPr>
-              <a:t>при попытке выйти, получаем сообщении о несоответ</a:t>
-            </a:r>
-            <a:endParaRPr lang="ru-RU" altLang="en-US">
-              <a:sym typeface="+mn-ea"/>
-            </a:endParaRPr>
-          </a:p>
-          <a:p>
-            <a:r>
-              <a:rPr lang="ru-RU" altLang="en-US">
-                <a:sym typeface="+mn-ea"/>
-              </a:rPr>
-              <a:t>ствии данных</a:t>
+              <a:t>:</a:t>
             </a:r>
             <a:endParaRPr lang="ru-RU" altLang="en-US"/>
           </a:p>
@@ -3974,7 +3970,7 @@
       </p:sp>
       <p:pic>
         <p:nvPicPr>
-          <p:cNvPr id="4" name="Изображение 3"/>
+          <p:cNvPr id="5" name="Изображение 4"/>
           <p:cNvPicPr>
             <a:picLocks noChangeAspect="1"/>
           </p:cNvPicPr>
@@ -3988,56 +3984,8 @@
         </p:blipFill>
         <p:spPr>
           <a:xfrm>
-            <a:off x="9216390" y="3429000"/>
-            <a:ext cx="1615440" cy="2639060"/>
-          </a:xfrm>
-          <a:prstGeom prst="rect">
-            <a:avLst/>
-          </a:prstGeom>
-        </p:spPr>
-      </p:pic>
-      <p:pic>
-        <p:nvPicPr>
-          <p:cNvPr id="7" name="Изображение 6"/>
-          <p:cNvPicPr>
-            <a:picLocks noChangeAspect="1"/>
-          </p:cNvPicPr>
-          <p:nvPr/>
-        </p:nvPicPr>
-        <p:blipFill>
-          <a:blip r:embed="rId2"/>
-          <a:stretch>
-            <a:fillRect/>
-          </a:stretch>
-        </p:blipFill>
-        <p:spPr>
-          <a:xfrm>
-            <a:off x="707390" y="4572000"/>
-            <a:ext cx="5438775" cy="469265"/>
-          </a:xfrm>
-          <a:prstGeom prst="rect">
-            <a:avLst/>
-          </a:prstGeom>
-        </p:spPr>
-      </p:pic>
-      <p:pic>
-        <p:nvPicPr>
-          <p:cNvPr id="8" name="Изображение 7"/>
-          <p:cNvPicPr>
-            <a:picLocks noChangeAspect="1"/>
-          </p:cNvPicPr>
-          <p:nvPr/>
-        </p:nvPicPr>
-        <p:blipFill>
-          <a:blip r:embed="rId3"/>
-          <a:stretch>
-            <a:fillRect/>
-          </a:stretch>
-        </p:blipFill>
-        <p:spPr>
-          <a:xfrm>
-            <a:off x="707390" y="6177280"/>
-            <a:ext cx="5680710" cy="534035"/>
+            <a:off x="3376930" y="4156075"/>
+            <a:ext cx="5057140" cy="1696720"/>
           </a:xfrm>
           <a:prstGeom prst="rect">
             <a:avLst/>
@@ -4518,15 +4466,38 @@
           </a:p>
         </p:txBody>
       </p:sp>
+      <p:sp>
+        <p:nvSpPr>
+          <p:cNvPr id="3" name="Замещающее содержимое 2"/>
+          <p:cNvSpPr/>
+          <p:nvPr>
+            <p:ph idx="1"/>
+          </p:nvPr>
+        </p:nvSpPr>
+        <p:spPr>
+          <a:xfrm>
+            <a:off x="647700" y="2165985"/>
+            <a:ext cx="7802880" cy="4011295"/>
+          </a:xfrm>
+        </p:spPr>
+        <p:txBody>
+          <a:bodyPr/>
+          <a:p>
+            <a:r>
+              <a:rPr lang="ru-RU" altLang="en-US"/>
+              <a:t>   </a:t>
+            </a:r>
+            <a:endParaRPr lang="ru-RU" altLang="en-US"/>
+          </a:p>
+        </p:txBody>
+      </p:sp>
       <p:pic>
         <p:nvPicPr>
-          <p:cNvPr id="4" name="Замещающее содержимое 3"/>
+          <p:cNvPr id="7" name="Изображение 6"/>
           <p:cNvPicPr>
             <a:picLocks noChangeAspect="1"/>
           </p:cNvPicPr>
-          <p:nvPr>
-            <p:ph idx="1"/>
-          </p:nvPr>
+          <p:nvPr/>
         </p:nvPicPr>
         <p:blipFill>
           <a:blip r:embed="rId1"/>
@@ -4536,8 +4507,8 @@
         </p:blipFill>
         <p:spPr>
           <a:xfrm>
-            <a:off x="1059815" y="2480945"/>
-            <a:ext cx="4143375" cy="2724150"/>
+            <a:off x="1048385" y="1090930"/>
+            <a:ext cx="3615055" cy="4916170"/>
           </a:xfrm>
           <a:prstGeom prst="rect">
             <a:avLst/>
@@ -4546,7 +4517,7 @@
       </p:pic>
       <p:pic>
         <p:nvPicPr>
-          <p:cNvPr id="5" name="Изображение 4"/>
+          <p:cNvPr id="8" name="Изображение 7"/>
           <p:cNvPicPr>
             <a:picLocks noChangeAspect="1"/>
           </p:cNvPicPr>
@@ -4560,8 +4531,8 @@
         </p:blipFill>
         <p:spPr>
           <a:xfrm>
-            <a:off x="6892290" y="1835785"/>
-            <a:ext cx="4152900" cy="3619500"/>
+            <a:off x="7553325" y="1090930"/>
+            <a:ext cx="3609975" cy="4926330"/>
           </a:xfrm>
           <a:prstGeom prst="rect">
             <a:avLst/>
@@ -4767,43 +4738,43 @@
           <a:bodyPr/>
           <a:p>
             <a:r>
-              <a:rPr lang="ru-RU" altLang="en-US"/>
+              <a:rPr lang="ru-RU" altLang="en-US" sz="2000"/>
               <a:t>Тест №1</a:t>
             </a:r>
             <a:r>
-              <a:rPr lang="en-US" altLang="en-US"/>
+              <a:rPr lang="en-US" altLang="en-US" sz="2000"/>
               <a:t>: </a:t>
             </a:r>
             <a:r>
-              <a:rPr lang="ru-RU" altLang="en-US"/>
+              <a:rPr lang="ru-RU" altLang="en-US" sz="2000"/>
               <a:t>осуществление входа и выхода сотрудника</a:t>
             </a:r>
-            <a:endParaRPr lang="ru-RU" altLang="en-US"/>
-          </a:p>
-          <a:p>
-            <a:r>
-              <a:rPr lang="ru-RU" altLang="en-US"/>
+            <a:endParaRPr lang="ru-RU" altLang="en-US" sz="2000"/>
+          </a:p>
+          <a:p>
+            <a:r>
+              <a:rPr lang="ru-RU" altLang="en-US" sz="2000"/>
               <a:t>возьмем существующего сотрудника и парковкой</a:t>
             </a:r>
             <a:r>
-              <a:rPr lang="en-US" altLang="en-US"/>
+              <a:rPr lang="en-US" altLang="en-US" sz="2000"/>
               <a:t>:</a:t>
             </a:r>
-            <a:endParaRPr lang="en-US" altLang="en-US"/>
-          </a:p>
-          <a:p>
-            <a:r>
-              <a:rPr lang="ru-RU" altLang="en-US"/>
+            <a:endParaRPr lang="en-US" altLang="en-US" sz="2000"/>
+          </a:p>
+          <a:p>
+            <a:r>
+              <a:rPr lang="ru-RU" altLang="en-US" sz="2000"/>
               <a:t>после ввода данных и подтвержения входа получаем ответ о том, что сотрудник вошёл на предприятие, после повторного повторения,</a:t>
             </a:r>
-            <a:endParaRPr lang="ru-RU" altLang="en-US"/>
-          </a:p>
-          <a:p>
-            <a:r>
-              <a:rPr lang="ru-RU" altLang="en-US"/>
+            <a:endParaRPr lang="ru-RU" altLang="en-US" sz="2000"/>
+          </a:p>
+          <a:p>
+            <a:r>
+              <a:rPr lang="ru-RU" altLang="en-US" sz="2000"/>
               <a:t>получаем информацию о выходе, а также строка в базе данных пополнилась данными о времени входа и выхода.</a:t>
             </a:r>
-            <a:endParaRPr lang="ru-RU" altLang="en-US"/>
+            <a:endParaRPr lang="ru-RU" altLang="en-US" sz="2000"/>
           </a:p>
           <a:p>
             <a:endParaRPr lang="ru-RU" altLang="en-US"/>
@@ -4827,7 +4798,7 @@
       </p:sp>
       <p:pic>
         <p:nvPicPr>
-          <p:cNvPr id="5" name="Изображение 4"/>
+          <p:cNvPr id="4" name="Изображение 3"/>
           <p:cNvPicPr>
             <a:picLocks noChangeAspect="1"/>
           </p:cNvPicPr>
@@ -4841,8 +4812,8 @@
         </p:blipFill>
         <p:spPr>
           <a:xfrm>
-            <a:off x="876935" y="4116705"/>
-            <a:ext cx="7212330" cy="290195"/>
+            <a:off x="942975" y="3751580"/>
+            <a:ext cx="3131820" cy="1517015"/>
           </a:xfrm>
           <a:prstGeom prst="rect">
             <a:avLst/>
@@ -4851,7 +4822,7 @@
       </p:pic>
       <p:pic>
         <p:nvPicPr>
-          <p:cNvPr id="9" name="Изображение 8"/>
+          <p:cNvPr id="7" name="Изображение 6"/>
           <p:cNvPicPr>
             <a:picLocks noChangeAspect="1"/>
           </p:cNvPicPr>
@@ -4865,8 +4836,8 @@
         </p:blipFill>
         <p:spPr>
           <a:xfrm>
-            <a:off x="876935" y="5619115"/>
-            <a:ext cx="7211695" cy="368300"/>
+            <a:off x="7737475" y="3702685"/>
+            <a:ext cx="3293745" cy="1565910"/>
           </a:xfrm>
           <a:prstGeom prst="rect">
             <a:avLst/>
@@ -4875,7 +4846,7 @@
       </p:pic>
       <p:pic>
         <p:nvPicPr>
-          <p:cNvPr id="10" name="Изображение 9"/>
+          <p:cNvPr id="8" name="Изображение 7"/>
           <p:cNvPicPr>
             <a:picLocks noChangeAspect="1"/>
           </p:cNvPicPr>
@@ -4889,8 +4860,8 @@
         </p:blipFill>
         <p:spPr>
           <a:xfrm>
-            <a:off x="8888730" y="3891915"/>
-            <a:ext cx="2143125" cy="2095500"/>
+            <a:off x="347980" y="6306185"/>
+            <a:ext cx="11115675" cy="304800"/>
           </a:xfrm>
           <a:prstGeom prst="rect">
             <a:avLst/>
@@ -4899,7 +4870,7 @@
       </p:pic>
       <p:pic>
         <p:nvPicPr>
-          <p:cNvPr id="11" name="Изображение 10"/>
+          <p:cNvPr id="12" name="Изображение 11"/>
           <p:cNvPicPr>
             <a:picLocks noChangeAspect="1"/>
           </p:cNvPicPr>
@@ -4913,8 +4884,8 @@
         </p:blipFill>
         <p:spPr>
           <a:xfrm>
-            <a:off x="647700" y="4475480"/>
-            <a:ext cx="7682865" cy="1075690"/>
+            <a:off x="4946015" y="3071495"/>
+            <a:ext cx="1920240" cy="3042920"/>
           </a:xfrm>
           <a:prstGeom prst="rect">
             <a:avLst/>
@@ -4972,7 +4943,12 @@
             <p:ph idx="1"/>
           </p:nvPr>
         </p:nvSpPr>
-        <p:spPr/>
+        <p:spPr>
+          <a:xfrm>
+            <a:off x="647700" y="1499870"/>
+            <a:ext cx="10515600" cy="4677410"/>
+          </a:xfrm>
+        </p:spPr>
         <p:txBody>
           <a:bodyPr/>
           <a:p>
@@ -4993,7 +4969,7 @@
           <a:p>
             <a:r>
               <a:rPr lang="ru-RU" altLang="en-US"/>
-              <a:t>Возьмем того же сотрудника, однако сделаем ошибку в почте.</a:t>
+              <a:t>Возьмем подставное лицо и попробуем зайти под его данными.</a:t>
             </a:r>
             <a:endParaRPr lang="ru-RU" altLang="en-US"/>
           </a:p>
@@ -5008,7 +4984,7 @@
       </p:sp>
       <p:pic>
         <p:nvPicPr>
-          <p:cNvPr id="5" name="Изображение 4"/>
+          <p:cNvPr id="4" name="Изображение 3"/>
           <p:cNvPicPr>
             <a:picLocks noChangeAspect="1"/>
           </p:cNvPicPr>
@@ -5022,8 +4998,8 @@
         </p:blipFill>
         <p:spPr>
           <a:xfrm>
-            <a:off x="647700" y="3696970"/>
-            <a:ext cx="8916670" cy="290195"/>
+            <a:off x="5295900" y="3832225"/>
+            <a:ext cx="4072255" cy="2566035"/>
           </a:xfrm>
           <a:prstGeom prst="rect">
             <a:avLst/>
@@ -5032,7 +5008,7 @@
       </p:pic>
       <p:pic>
         <p:nvPicPr>
-          <p:cNvPr id="6" name="Изображение 5"/>
+          <p:cNvPr id="10" name="Изображение 9"/>
           <p:cNvPicPr>
             <a:picLocks noChangeAspect="1"/>
           </p:cNvPicPr>
@@ -5046,56 +5022,8 @@
         </p:blipFill>
         <p:spPr>
           <a:xfrm>
-            <a:off x="647700" y="4932045"/>
-            <a:ext cx="8916670" cy="289560"/>
-          </a:xfrm>
-          <a:prstGeom prst="rect">
-            <a:avLst/>
-          </a:prstGeom>
-        </p:spPr>
-      </p:pic>
-      <p:pic>
-        <p:nvPicPr>
-          <p:cNvPr id="7" name="Изображение 6"/>
-          <p:cNvPicPr>
-            <a:picLocks noChangeAspect="1"/>
-          </p:cNvPicPr>
-          <p:nvPr/>
-        </p:nvPicPr>
-        <p:blipFill>
-          <a:blip r:embed="rId3"/>
-          <a:stretch>
-            <a:fillRect/>
-          </a:stretch>
-        </p:blipFill>
-        <p:spPr>
-          <a:xfrm>
-            <a:off x="9717405" y="3696970"/>
-            <a:ext cx="2143125" cy="2095500"/>
-          </a:xfrm>
-          <a:prstGeom prst="rect">
-            <a:avLst/>
-          </a:prstGeom>
-        </p:spPr>
-      </p:pic>
-      <p:pic>
-        <p:nvPicPr>
-          <p:cNvPr id="8" name="Изображение 7"/>
-          <p:cNvPicPr>
-            <a:picLocks noChangeAspect="1"/>
-          </p:cNvPicPr>
-          <p:nvPr/>
-        </p:nvPicPr>
-        <p:blipFill>
-          <a:blip r:embed="rId4"/>
-          <a:stretch>
-            <a:fillRect/>
-          </a:stretch>
-        </p:blipFill>
-        <p:spPr>
-          <a:xfrm>
-            <a:off x="647700" y="4229735"/>
-            <a:ext cx="5012055" cy="460375"/>
+            <a:off x="2620010" y="3509645"/>
+            <a:ext cx="1920240" cy="3211195"/>
           </a:xfrm>
           <a:prstGeom prst="rect">
             <a:avLst/>
@@ -5130,7 +5058,12 @@
             <p:ph type="title"/>
           </p:nvPr>
         </p:nvSpPr>
-        <p:spPr/>
+        <p:spPr>
+          <a:xfrm>
+            <a:off x="647700" y="0"/>
+            <a:ext cx="10515600" cy="1325563"/>
+          </a:xfrm>
+        </p:spPr>
         <p:txBody>
           <a:bodyPr/>
           <a:p>
@@ -5153,9 +5086,16 @@
             <p:ph idx="1"/>
           </p:nvPr>
         </p:nvSpPr>
-        <p:spPr/>
-        <p:txBody>
-          <a:bodyPr/>
+        <p:spPr>
+          <a:xfrm>
+            <a:off x="647700" y="879475"/>
+            <a:ext cx="10515600" cy="5297805"/>
+          </a:xfrm>
+        </p:spPr>
+        <p:txBody>
+          <a:bodyPr>
+            <a:normAutofit lnSpcReduction="10000"/>
+          </a:bodyPr>
           <a:p>
             <a:r>
               <a:rPr lang="ru-RU" altLang="en-US"/>
@@ -5167,49 +5107,59 @@
             </a:r>
             <a:r>
               <a:rPr lang="ru-RU" altLang="en-US"/>
-              <a:t>Создание гостевого пропуска, вход</a:t>
+              <a:t>Проверка правильности заполнения полей</a:t>
+            </a:r>
+            <a:endParaRPr lang="ru-RU" altLang="en-US"/>
+          </a:p>
+          <a:p>
+            <a:r>
+              <a:rPr lang="ru-RU" altLang="en-US"/>
+              <a:t>1) </a:t>
             </a:r>
             <a:r>
               <a:rPr lang="en-US" altLang="en-US"/>
-              <a:t>/</a:t>
+              <a:t>ID </a:t>
             </a:r>
             <a:r>
               <a:rPr lang="ru-RU" altLang="en-US"/>
-              <a:t>выход в установленный срок.</a:t>
+              <a:t>сотрудника - цифровая последовательность символов, короче 10 ед.</a:t>
             </a:r>
             <a:endParaRPr lang="ru-RU" altLang="en-US"/>
           </a:p>
           <a:p>
+            <a:endParaRPr lang="ru-RU" altLang="en-US"/>
+          </a:p>
+          <a:p>
+            <a:endParaRPr lang="ru-RU" altLang="en-US"/>
+          </a:p>
+          <a:p>
             <a:r>
               <a:rPr lang="ru-RU" altLang="en-US"/>
-              <a:t>Заполняем данные гостя</a:t>
-            </a:r>
-            <a:r>
-              <a:rPr lang="en-US" altLang="en-US"/>
-              <a:t>:</a:t>
-            </a:r>
+              <a:t>2)персональные данные сотрудника имеют буквенную запись</a:t>
+            </a:r>
+            <a:endParaRPr lang="ru-RU" altLang="en-US"/>
+          </a:p>
+          <a:p>
+            <a:endParaRPr lang="ru-RU" altLang="en-US"/>
+          </a:p>
+          <a:p>
+            <a:endParaRPr lang="ru-RU" altLang="en-US"/>
+          </a:p>
+          <a:p>
+            <a:endParaRPr lang="ru-RU" altLang="en-US"/>
+          </a:p>
+          <a:p>
             <a:r>
               <a:rPr lang="ru-RU" altLang="en-US"/>
-              <a:t> осуществляем вход и выход </a:t>
+              <a:t>3) для выполнения входа необходимо заполнение всех полей</a:t>
             </a:r>
             <a:endParaRPr lang="ru-RU" altLang="en-US"/>
-          </a:p>
-          <a:p>
-            <a:r>
-              <a:rPr lang="ru-RU" altLang="en-US"/>
-              <a:t>гостя, согласно установленным временым рамкам, наблюдаем</a:t>
-            </a:r>
-            <a:r>
-              <a:rPr lang="en-US" altLang="en-US"/>
-              <a:t>:</a:t>
-            </a:r>
-            <a:endParaRPr lang="en-US" altLang="en-US"/>
           </a:p>
         </p:txBody>
       </p:sp>
       <p:pic>
         <p:nvPicPr>
-          <p:cNvPr id="6" name="Изображение 5"/>
+          <p:cNvPr id="5" name="Изображение 4"/>
           <p:cNvPicPr>
             <a:picLocks noChangeAspect="1"/>
           </p:cNvPicPr>
@@ -5223,8 +5173,8 @@
         </p:blipFill>
         <p:spPr>
           <a:xfrm>
-            <a:off x="1388745" y="3894455"/>
-            <a:ext cx="1565275" cy="2557145"/>
+            <a:off x="1893570" y="1837690"/>
+            <a:ext cx="2598420" cy="1181100"/>
           </a:xfrm>
           <a:prstGeom prst="rect">
             <a:avLst/>
@@ -5233,7 +5183,7 @@
       </p:pic>
       <p:pic>
         <p:nvPicPr>
-          <p:cNvPr id="4" name="Изображение 3"/>
+          <p:cNvPr id="7" name="Изображение 6"/>
           <p:cNvPicPr>
             <a:picLocks noChangeAspect="1"/>
           </p:cNvPicPr>
@@ -5247,8 +5197,56 @@
         </p:blipFill>
         <p:spPr>
           <a:xfrm>
-            <a:off x="3679190" y="4474845"/>
-            <a:ext cx="6525260" cy="1084580"/>
+            <a:off x="4898390" y="1837690"/>
+            <a:ext cx="4351020" cy="1181100"/>
+          </a:xfrm>
+          <a:prstGeom prst="rect">
+            <a:avLst/>
+          </a:prstGeom>
+        </p:spPr>
+      </p:pic>
+      <p:pic>
+        <p:nvPicPr>
+          <p:cNvPr id="8" name="Изображение 7"/>
+          <p:cNvPicPr>
+            <a:picLocks noChangeAspect="1"/>
+          </p:cNvPicPr>
+          <p:nvPr/>
+        </p:nvPicPr>
+        <p:blipFill>
+          <a:blip r:embed="rId3"/>
+          <a:stretch>
+            <a:fillRect/>
+          </a:stretch>
+        </p:blipFill>
+        <p:spPr>
+          <a:xfrm>
+            <a:off x="3247390" y="3530600"/>
+            <a:ext cx="4434840" cy="1181100"/>
+          </a:xfrm>
+          <a:prstGeom prst="rect">
+            <a:avLst/>
+          </a:prstGeom>
+        </p:spPr>
+      </p:pic>
+      <p:pic>
+        <p:nvPicPr>
+          <p:cNvPr id="9" name="Изображение 8"/>
+          <p:cNvPicPr>
+            <a:picLocks noChangeAspect="1"/>
+          </p:cNvPicPr>
+          <p:nvPr/>
+        </p:nvPicPr>
+        <p:blipFill>
+          <a:blip r:embed="rId4"/>
+          <a:stretch>
+            <a:fillRect/>
+          </a:stretch>
+        </p:blipFill>
+        <p:spPr>
+          <a:xfrm>
+            <a:off x="4196080" y="5508625"/>
+            <a:ext cx="2537460" cy="1181100"/>
           </a:xfrm>
           <a:prstGeom prst="rect">
             <a:avLst/>

--- a/Проектная работа ЯП.pptx
+++ b/Проектная работа ЯП.pptx
@@ -4318,7 +4318,15 @@
             </a:r>
             <a:r>
               <a:rPr lang="ru-RU" altLang="en-US"/>
-              <a:t>состоит из полей ввода эл. почты сотрудника, его имени, а также наличия транспортного средства. Алгоритм проверяет соответствие введеной почты, с данными внутри базы данных, таким образом осуществляется идентификация персонала, в случае наличия т.с, сотруднику предоставляется свободное парковочное место, если они отсутствуют, об этом будет сказано. При прохождении терминала охраны, Фиксируется время входа и выхода соответственно.</a:t>
+              <a:t>состоит из полей ввода </a:t>
+            </a:r>
+            <a:r>
+              <a:rPr lang="en-US" altLang="en-US"/>
+              <a:t>ID </a:t>
+            </a:r>
+            <a:r>
+              <a:rPr lang="ru-RU" altLang="en-US"/>
+              <a:t>сотрудника, который присваевается на входе, его имени, а также наличия транспортного средства. Алгоритм проверяет соответствие введеной почты, с данными внутри базы данных, таким образом осуществляется идентификация персонала, в случае наличия т.с, сотруднику предоставляется свободное парковочное место, если они отсутствуют, об этом будет сказано. При прохождении терминала охраны, Фиксируется время входа и выхода соответственно.</a:t>
             </a:r>
             <a:endParaRPr lang="ru-RU" altLang="en-US"/>
           </a:p>
@@ -4416,7 +4424,7 @@
           <a:p>
             <a:r>
               <a:rPr lang="ru-RU" altLang="en-US"/>
-              <a:t>Терминал Учета Гостей - в случае посещения предприятия лицом, не являющимся сотрудником, он может воспользоваться гостевым пропуском, в терминале учета сотрудников, необходимо выбрать опцию «Меню Гостя», там необходимо оставить личные данные и контактную информацию, после заполнения всех полей, и осуществления входа,  фиксируется время, всем гостям разрешено находится на территории предприятия фиксированное кол-во времени ( так для примера в програме используется лимит в 10 секунд реального временени, в случае просрочки гостевого пропуска, будет высвечено предупреждение, и просьба обратиться к охранному руководству. Гости также обладают возможностью пользования парковочными местами, однако их число и приоритет пользования ниже чем у сотрудников.</a:t>
+              <a:t>Терминал Учета Гостей - в случае посещения предприятия лицом, не являющимся сотрудником, он может воспользоваться гостевым пропуском, в терминале учета сотрудников, необходимо выбрать опцию «Меню Гостя», там необходимо оставить личные данные и время,которое планируется провести на территории, после заполнения всех полей, и осуществления входа,  фиксируется время, всем гостям разрешено находится на территории предприятия фиксированное кол-во времени, в случае просрочки гостевого пропуска, будет высвечено предупреждение, и просьба обратиться к охранному руководству. Гости также обладают возможностью пользования парковочными местами, однако их число и приоритет пользования ниже чем у сотрудников.</a:t>
             </a:r>
             <a:endParaRPr lang="ru-RU" altLang="en-US"/>
           </a:p>

--- a/Проектная работа ЯП.pptx
+++ b/Проектная работа ЯП.pptx
@@ -5,24 +5,25 @@
     <p:sldMasterId id="2147483648" r:id="rId1"/>
   </p:sldMasterIdLst>
   <p:notesMasterIdLst>
-    <p:notesMasterId r:id="rId15"/>
+    <p:notesMasterId r:id="rId16"/>
   </p:notesMasterIdLst>
   <p:handoutMasterIdLst>
-    <p:handoutMasterId r:id="rId16"/>
+    <p:handoutMasterId r:id="rId17"/>
   </p:handoutMasterIdLst>
   <p:sldIdLst>
     <p:sldId id="256" r:id="rId3"/>
     <p:sldId id="257" r:id="rId4"/>
     <p:sldId id="258" r:id="rId5"/>
-    <p:sldId id="259" r:id="rId6"/>
-    <p:sldId id="260" r:id="rId7"/>
-    <p:sldId id="261" r:id="rId8"/>
-    <p:sldId id="262" r:id="rId9"/>
-    <p:sldId id="263" r:id="rId10"/>
-    <p:sldId id="264" r:id="rId11"/>
-    <p:sldId id="265" r:id="rId12"/>
-    <p:sldId id="266" r:id="rId13"/>
-    <p:sldId id="269" r:id="rId14"/>
+    <p:sldId id="270" r:id="rId6"/>
+    <p:sldId id="259" r:id="rId7"/>
+    <p:sldId id="260" r:id="rId8"/>
+    <p:sldId id="261" r:id="rId9"/>
+    <p:sldId id="262" r:id="rId10"/>
+    <p:sldId id="263" r:id="rId11"/>
+    <p:sldId id="264" r:id="rId12"/>
+    <p:sldId id="265" r:id="rId13"/>
+    <p:sldId id="266" r:id="rId14"/>
+    <p:sldId id="269" r:id="rId15"/>
   </p:sldIdLst>
   <p:sldSz cx="12192000" cy="6858000"/>
   <p:notesSz cx="7103745" cy="10234295"/>
@@ -653,7 +654,7 @@
 
 <file path=ppt/slideLayouts/slideLayout1.xml><?xml version="1.0" encoding="utf-8"?>
 <p:sldLayout xmlns:a="http://schemas.openxmlformats.org/drawingml/2006/main" xmlns:r="http://schemas.openxmlformats.org/officeDocument/2006/relationships" xmlns:p="http://schemas.openxmlformats.org/presentationml/2006/main" type="title" preserve="1">
-  <p:cSld name="Title Slide">
+  <p:cSld name="Титульный слайд">
     <p:spTree>
       <p:nvGrpSpPr>
         <p:cNvPr id="1" name=""/>
@@ -670,7 +671,7 @@
       </p:grpSpPr>
       <p:sp>
         <p:nvSpPr>
-          <p:cNvPr id="2" name="Title 1"/>
+          <p:cNvPr id="2" name="Заголовок 1"/>
           <p:cNvSpPr>
             <a:spLocks noGrp="1"/>
           </p:cNvSpPr>
@@ -680,100 +681,29 @@
         </p:nvSpPr>
         <p:spPr>
           <a:xfrm>
-            <a:off x="1524000" y="1322962"/>
-            <a:ext cx="9144000" cy="2187001"/>
+            <a:off x="1524000" y="1122363"/>
+            <a:ext cx="9144000" cy="2387600"/>
           </a:xfrm>
         </p:spPr>
         <p:txBody>
-          <a:bodyPr anchor="b">
-            <a:normAutofit/>
-          </a:bodyPr>
+          <a:bodyPr anchor="b"/>
           <a:lstStyle>
             <a:lvl1pPr algn="ctr">
-              <a:lnSpc>
-                <a:spcPct val="130000"/>
-              </a:lnSpc>
-              <a:defRPr sz="6000">
-                <a:effectLst/>
-                <a:latin typeface="Calibri Light" panose="020F0302020204030204" pitchFamily="34" charset="0"/>
-              </a:defRPr>
+              <a:defRPr sz="4500"/>
             </a:lvl1pPr>
           </a:lstStyle>
           <a:p>
             <a:r>
-              <a:rPr lang="en-US" dirty="0" smtClean="0"/>
-              <a:t>Click to edit Master title style</a:t>
-            </a:r>
-            <a:endParaRPr lang="en-US" dirty="0"/>
-          </a:p>
-        </p:txBody>
-      </p:sp>
-      <p:sp>
-        <p:nvSpPr>
-          <p:cNvPr id="4" name="Date Placeholder  3"/>
-          <p:cNvSpPr>
-            <a:spLocks noGrp="1"/>
-          </p:cNvSpPr>
-          <p:nvPr>
-            <p:ph type="dt" sz="half" idx="10"/>
-          </p:nvPr>
-        </p:nvSpPr>
-        <p:spPr/>
-        <p:txBody>
-          <a:bodyPr/>
-          <a:lstStyle/>
-          <a:p>
-            <a:fld id="{760FBDFE-C587-4B4C-A407-44438C67B59E}" type="datetimeFigureOut">
-              <a:rPr lang="en-US" smtClean="0"/>
-            </a:fld>
-            <a:endParaRPr lang="en-US"/>
-          </a:p>
-        </p:txBody>
-      </p:sp>
-      <p:sp>
-        <p:nvSpPr>
-          <p:cNvPr id="5" name="Footer Placeholder 4"/>
-          <p:cNvSpPr>
-            <a:spLocks noGrp="1"/>
-          </p:cNvSpPr>
-          <p:nvPr>
-            <p:ph type="ftr" sz="quarter" idx="11"/>
-          </p:nvPr>
-        </p:nvSpPr>
-        <p:spPr/>
-        <p:txBody>
-          <a:bodyPr/>
-          <a:lstStyle/>
-          <a:p>
-            <a:endParaRPr lang="en-US"/>
-          </a:p>
-        </p:txBody>
-      </p:sp>
-      <p:sp>
-        <p:nvSpPr>
-          <p:cNvPr id="6" name="Slide Number Placeholder 5"/>
-          <p:cNvSpPr>
-            <a:spLocks noGrp="1"/>
-          </p:cNvSpPr>
-          <p:nvPr>
-            <p:ph type="sldNum" sz="quarter" idx="12"/>
-          </p:nvPr>
-        </p:nvSpPr>
-        <p:spPr/>
-        <p:txBody>
-          <a:bodyPr/>
-          <a:lstStyle/>
-          <a:p>
-            <a:fld id="{49AE70B2-8BF9-45C0-BB95-33D1B9D3A854}" type="slidenum">
-              <a:rPr lang="en-US" smtClean="0"/>
-            </a:fld>
-            <a:endParaRPr lang="en-US"/>
-          </a:p>
-        </p:txBody>
-      </p:sp>
-      <p:sp>
-        <p:nvSpPr>
-          <p:cNvPr id="3" name="Subtitle 2"/>
+              <a:rPr lang="ru-RU" smtClean="0"/>
+              <a:t>Образец заголовка</a:t>
+            </a:r>
+            <a:endParaRPr lang="ru-RU"/>
+          </a:p>
+        </p:txBody>
+      </p:sp>
+      <p:sp>
+        <p:nvSpPr>
+          <p:cNvPr id="3" name="Подзаголовок 2"/>
           <p:cNvSpPr>
             <a:spLocks noGrp="1"/>
           </p:cNvSpPr>
@@ -788,63 +718,114 @@
           </a:xfrm>
         </p:spPr>
         <p:txBody>
-          <a:bodyPr>
-            <a:normAutofit/>
-          </a:bodyPr>
+          <a:bodyPr/>
           <a:lstStyle>
             <a:lvl1pPr marL="0" indent="0" algn="ctr">
               <a:buNone/>
-              <a:defRPr sz="2400">
-                <a:solidFill>
-                  <a:schemeClr val="tx1">
-                    <a:lumMod val="75000"/>
-                    <a:lumOff val="25000"/>
-                  </a:schemeClr>
-                </a:solidFill>
-                <a:effectLst/>
-                <a:latin typeface="Calibri Light" panose="020F0302020204030204" pitchFamily="34" charset="0"/>
-                <a:ea typeface="+mj-ea"/>
-              </a:defRPr>
+              <a:defRPr sz="1800"/>
             </a:lvl1pPr>
-            <a:lvl2pPr marL="457200" indent="0" algn="ctr">
-              <a:buNone/>
-              <a:defRPr sz="2000"/>
+            <a:lvl2pPr marL="342900" indent="0" algn="ctr">
+              <a:buNone/>
+              <a:defRPr sz="1500"/>
             </a:lvl2pPr>
-            <a:lvl3pPr marL="914400" indent="0" algn="ctr">
-              <a:buNone/>
-              <a:defRPr sz="1800"/>
+            <a:lvl3pPr marL="685800" indent="0" algn="ctr">
+              <a:buNone/>
+              <a:defRPr sz="1350"/>
             </a:lvl3pPr>
-            <a:lvl4pPr marL="1371600" indent="0" algn="ctr">
-              <a:buNone/>
-              <a:defRPr sz="1600"/>
+            <a:lvl4pPr marL="1028700" indent="0" algn="ctr">
+              <a:buNone/>
+              <a:defRPr sz="1200"/>
             </a:lvl4pPr>
-            <a:lvl5pPr marL="1828800" indent="0" algn="ctr">
-              <a:buNone/>
-              <a:defRPr sz="1600"/>
+            <a:lvl5pPr marL="1371600" indent="0" algn="ctr">
+              <a:buNone/>
+              <a:defRPr sz="1200"/>
             </a:lvl5pPr>
-            <a:lvl6pPr marL="2286000" indent="0" algn="ctr">
-              <a:buNone/>
-              <a:defRPr sz="1600"/>
+            <a:lvl6pPr marL="1714500" indent="0" algn="ctr">
+              <a:buNone/>
+              <a:defRPr sz="1200"/>
             </a:lvl6pPr>
-            <a:lvl7pPr marL="2743200" indent="0" algn="ctr">
-              <a:buNone/>
-              <a:defRPr sz="1600"/>
+            <a:lvl7pPr marL="2057400" indent="0" algn="ctr">
+              <a:buNone/>
+              <a:defRPr sz="1200"/>
             </a:lvl7pPr>
-            <a:lvl8pPr marL="3200400" indent="0" algn="ctr">
-              <a:buNone/>
-              <a:defRPr sz="1600"/>
+            <a:lvl8pPr marL="2400300" indent="0" algn="ctr">
+              <a:buNone/>
+              <a:defRPr sz="1200"/>
             </a:lvl8pPr>
-            <a:lvl9pPr marL="3657600" indent="0" algn="ctr">
-              <a:buNone/>
-              <a:defRPr sz="1600"/>
+            <a:lvl9pPr marL="2743200" indent="0" algn="ctr">
+              <a:buNone/>
+              <a:defRPr sz="1200"/>
             </a:lvl9pPr>
           </a:lstStyle>
           <a:p>
             <a:r>
-              <a:rPr lang="en-US" dirty="0" smtClean="0"/>
-              <a:t>Click to edit Master subtitle style</a:t>
-            </a:r>
-            <a:endParaRPr lang="en-US" dirty="0"/>
+              <a:rPr lang="ru-RU" smtClean="0"/>
+              <a:t>Образец подзаголовка</a:t>
+            </a:r>
+            <a:endParaRPr lang="ru-RU"/>
+          </a:p>
+        </p:txBody>
+      </p:sp>
+      <p:sp>
+        <p:nvSpPr>
+          <p:cNvPr id="4" name="Дата 3"/>
+          <p:cNvSpPr>
+            <a:spLocks noGrp="1"/>
+          </p:cNvSpPr>
+          <p:nvPr>
+            <p:ph type="dt" sz="half" idx="10"/>
+          </p:nvPr>
+        </p:nvSpPr>
+        <p:spPr/>
+        <p:txBody>
+          <a:bodyPr/>
+          <a:lstStyle/>
+          <a:p>
+            <a:fld id="{760FBDFE-C587-4B4C-A407-44438C67B59E}" type="datetimeFigureOut">
+              <a:rPr lang="en-US" smtClean="0"/>
+            </a:fld>
+            <a:endParaRPr lang="en-US"/>
+          </a:p>
+        </p:txBody>
+      </p:sp>
+      <p:sp>
+        <p:nvSpPr>
+          <p:cNvPr id="5" name="Нижний колонтитул 4"/>
+          <p:cNvSpPr>
+            <a:spLocks noGrp="1"/>
+          </p:cNvSpPr>
+          <p:nvPr>
+            <p:ph type="ftr" sz="quarter" idx="11"/>
+          </p:nvPr>
+        </p:nvSpPr>
+        <p:spPr/>
+        <p:txBody>
+          <a:bodyPr/>
+          <a:lstStyle/>
+          <a:p>
+            <a:endParaRPr lang="en-US"/>
+          </a:p>
+        </p:txBody>
+      </p:sp>
+      <p:sp>
+        <p:nvSpPr>
+          <p:cNvPr id="6" name="Номер слайда 5"/>
+          <p:cNvSpPr>
+            <a:spLocks noGrp="1"/>
+          </p:cNvSpPr>
+          <p:nvPr>
+            <p:ph type="sldNum" sz="quarter" idx="12"/>
+          </p:nvPr>
+        </p:nvSpPr>
+        <p:spPr/>
+        <p:txBody>
+          <a:bodyPr/>
+          <a:lstStyle/>
+          <a:p>
+            <a:fld id="{49AE70B2-8BF9-45C0-BB95-33D1B9D3A854}" type="slidenum">
+              <a:rPr lang="en-US" smtClean="0"/>
+            </a:fld>
+            <a:endParaRPr lang="en-US"/>
           </a:p>
         </p:txBody>
       </p:sp>
@@ -853,12 +834,13 @@
   <p:clrMapOvr>
     <a:masterClrMapping/>
   </p:clrMapOvr>
+  <p:hf sldNum="0" hdr="0" ftr="0" dt="0"/>
 </p:sldLayout>
 </file>
 
 <file path=ppt/slideLayouts/slideLayout10.xml><?xml version="1.0" encoding="utf-8"?>
-<p:sldLayout xmlns:a="http://schemas.openxmlformats.org/drawingml/2006/main" xmlns:r="http://schemas.openxmlformats.org/officeDocument/2006/relationships" xmlns:p="http://schemas.openxmlformats.org/presentationml/2006/main" preserve="1" userDrawn="1">
-  <p:cSld name="Content">
+<p:sldLayout xmlns:a="http://schemas.openxmlformats.org/drawingml/2006/main" xmlns:r="http://schemas.openxmlformats.org/officeDocument/2006/relationships" xmlns:p="http://schemas.openxmlformats.org/presentationml/2006/main" type="vertTx" preserve="1">
+  <p:cSld name="Заголовок и вертикальный текст">
     <p:spTree>
       <p:nvGrpSpPr>
         <p:cNvPr id="1" name=""/>
@@ -875,7 +857,86 @@
       </p:grpSpPr>
       <p:sp>
         <p:nvSpPr>
-          <p:cNvPr id="3" name="Date Placeholder 2"/>
+          <p:cNvPr id="2" name="Заголовок 1"/>
+          <p:cNvSpPr>
+            <a:spLocks noGrp="1"/>
+          </p:cNvSpPr>
+          <p:nvPr>
+            <p:ph type="title"/>
+          </p:nvPr>
+        </p:nvSpPr>
+        <p:spPr/>
+        <p:txBody>
+          <a:bodyPr/>
+          <a:lstStyle/>
+          <a:p>
+            <a:r>
+              <a:rPr lang="ru-RU" smtClean="0"/>
+              <a:t>Образец заголовка</a:t>
+            </a:r>
+            <a:endParaRPr lang="ru-RU"/>
+          </a:p>
+        </p:txBody>
+      </p:sp>
+      <p:sp>
+        <p:nvSpPr>
+          <p:cNvPr id="3" name="Вертикальный текст 2"/>
+          <p:cNvSpPr>
+            <a:spLocks noGrp="1"/>
+          </p:cNvSpPr>
+          <p:nvPr>
+            <p:ph type="body" orient="vert" idx="1"/>
+          </p:nvPr>
+        </p:nvSpPr>
+        <p:spPr/>
+        <p:txBody>
+          <a:bodyPr vert="eaVert"/>
+          <a:lstStyle/>
+          <a:p>
+            <a:pPr lvl="0"/>
+            <a:r>
+              <a:rPr lang="ru-RU" smtClean="0"/>
+              <a:t>Образец текста</a:t>
+            </a:r>
+            <a:endParaRPr lang="ru-RU" smtClean="0"/>
+          </a:p>
+          <a:p>
+            <a:pPr lvl="1"/>
+            <a:r>
+              <a:rPr lang="ru-RU" smtClean="0"/>
+              <a:t>Второй уровень</a:t>
+            </a:r>
+            <a:endParaRPr lang="ru-RU" smtClean="0"/>
+          </a:p>
+          <a:p>
+            <a:pPr lvl="2"/>
+            <a:r>
+              <a:rPr lang="ru-RU" smtClean="0"/>
+              <a:t>Третий уровень</a:t>
+            </a:r>
+            <a:endParaRPr lang="ru-RU" smtClean="0"/>
+          </a:p>
+          <a:p>
+            <a:pPr lvl="3"/>
+            <a:r>
+              <a:rPr lang="ru-RU" smtClean="0"/>
+              <a:t>Четвертый уровень</a:t>
+            </a:r>
+            <a:endParaRPr lang="ru-RU" smtClean="0"/>
+          </a:p>
+          <a:p>
+            <a:pPr lvl="4"/>
+            <a:r>
+              <a:rPr lang="ru-RU" smtClean="0"/>
+              <a:t>Пятый уровень</a:t>
+            </a:r>
+            <a:endParaRPr lang="ru-RU"/>
+          </a:p>
+        </p:txBody>
+      </p:sp>
+      <p:sp>
+        <p:nvSpPr>
+          <p:cNvPr id="4" name="Дата 3"/>
           <p:cNvSpPr>
             <a:spLocks noGrp="1"/>
           </p:cNvSpPr>
@@ -888,122 +949,51 @@
           <a:bodyPr/>
           <a:lstStyle/>
           <a:p>
-            <a:fld id="{760FBDFE-C587-4B4C-A407-44438C67B59E}" type="datetimeFigureOut">
-              <a:rPr lang="en-US" smtClean="0"/>
+            <a:pPr lvl="0"/>
+            <a:endParaRPr lang="en-US"/>
+          </a:p>
+        </p:txBody>
+      </p:sp>
+      <p:sp>
+        <p:nvSpPr>
+          <p:cNvPr id="5" name="Нижний колонтитул 4"/>
+          <p:cNvSpPr>
+            <a:spLocks noGrp="1"/>
+          </p:cNvSpPr>
+          <p:nvPr>
+            <p:ph type="ftr" sz="quarter" idx="11"/>
+          </p:nvPr>
+        </p:nvSpPr>
+        <p:spPr/>
+        <p:txBody>
+          <a:bodyPr/>
+          <a:lstStyle/>
+          <a:p>
+            <a:pPr lvl="0"/>
+            <a:endParaRPr lang="en-US"/>
+          </a:p>
+        </p:txBody>
+      </p:sp>
+      <p:sp>
+        <p:nvSpPr>
+          <p:cNvPr id="6" name="Номер слайда 5"/>
+          <p:cNvSpPr>
+            <a:spLocks noGrp="1"/>
+          </p:cNvSpPr>
+          <p:nvPr>
+            <p:ph type="sldNum" sz="quarter" idx="12"/>
+          </p:nvPr>
+        </p:nvSpPr>
+        <p:spPr/>
+        <p:txBody>
+          <a:bodyPr/>
+          <a:lstStyle/>
+          <a:p>
+            <a:pPr lvl="0"/>
+            <a:fld id="{9A0DB2DC-4C9A-4742-B13C-FB6460FD3503}" type="slidenum">
+              <a:rPr lang="en-US"/>
             </a:fld>
             <a:endParaRPr lang="en-US"/>
-          </a:p>
-        </p:txBody>
-      </p:sp>
-      <p:sp>
-        <p:nvSpPr>
-          <p:cNvPr id="4" name="Footer Placeholder 3"/>
-          <p:cNvSpPr>
-            <a:spLocks noGrp="1"/>
-          </p:cNvSpPr>
-          <p:nvPr>
-            <p:ph type="ftr" sz="quarter" idx="11"/>
-          </p:nvPr>
-        </p:nvSpPr>
-        <p:spPr/>
-        <p:txBody>
-          <a:bodyPr/>
-          <a:lstStyle/>
-          <a:p>
-            <a:endParaRPr lang="en-US"/>
-          </a:p>
-        </p:txBody>
-      </p:sp>
-      <p:sp>
-        <p:nvSpPr>
-          <p:cNvPr id="5" name="Slide Number Placeholder 4"/>
-          <p:cNvSpPr>
-            <a:spLocks noGrp="1"/>
-          </p:cNvSpPr>
-          <p:nvPr>
-            <p:ph type="sldNum" sz="quarter" idx="12"/>
-          </p:nvPr>
-        </p:nvSpPr>
-        <p:spPr/>
-        <p:txBody>
-          <a:bodyPr/>
-          <a:lstStyle/>
-          <a:p>
-            <a:fld id="{49AE70B2-8BF9-45C0-BB95-33D1B9D3A854}" type="slidenum">
-              <a:rPr lang="en-US" smtClean="0"/>
-            </a:fld>
-            <a:endParaRPr lang="en-US"/>
-          </a:p>
-        </p:txBody>
-      </p:sp>
-      <p:sp>
-        <p:nvSpPr>
-          <p:cNvPr id="7" name="Content Placeholder 6"/>
-          <p:cNvSpPr>
-            <a:spLocks noGrp="1"/>
-          </p:cNvSpPr>
-          <p:nvPr>
-            <p:ph sz="quarter" idx="13"/>
-          </p:nvPr>
-        </p:nvSpPr>
-        <p:spPr>
-          <a:xfrm>
-            <a:off x="838200" y="551543"/>
-            <a:ext cx="10515600" cy="5558971"/>
-          </a:xfrm>
-        </p:spPr>
-        <p:txBody>
-          <a:bodyPr/>
-          <a:lstStyle/>
-          <a:p>
-            <a:pPr lvl="0"/>
-            <a:r>
-              <a:rPr lang="en-US" dirty="0">
-                <a:sym typeface="+mn-ea"/>
-              </a:rPr>
-              <a:t>Click to edit Master text styles</a:t>
-            </a:r>
-            <a:endParaRPr lang="en-US" dirty="0"/>
-          </a:p>
-          <a:p>
-            <a:pPr lvl="1"/>
-            <a:r>
-              <a:rPr lang="en-US" dirty="0">
-                <a:sym typeface="+mn-ea"/>
-              </a:rPr>
-              <a:t>Second level</a:t>
-            </a:r>
-            <a:endParaRPr lang="en-US" dirty="0"/>
-          </a:p>
-          <a:p>
-            <a:pPr lvl="2"/>
-            <a:r>
-              <a:rPr lang="en-US" dirty="0">
-                <a:sym typeface="+mn-ea"/>
-              </a:rPr>
-              <a:t>Third level</a:t>
-            </a:r>
-            <a:endParaRPr lang="en-US" dirty="0"/>
-          </a:p>
-          <a:p>
-            <a:pPr lvl="3"/>
-            <a:r>
-              <a:rPr lang="en-US" dirty="0">
-                <a:sym typeface="+mn-ea"/>
-              </a:rPr>
-              <a:t>Fourth level</a:t>
-            </a:r>
-            <a:endParaRPr lang="en-US" dirty="0"/>
-          </a:p>
-          <a:p>
-            <a:pPr lvl="4"/>
-            <a:r>
-              <a:rPr lang="en-US" dirty="0">
-                <a:sym typeface="+mn-ea"/>
-              </a:rPr>
-              <a:t>Fifth level</a:t>
-            </a:r>
-            <a:endParaRPr lang="en-US" dirty="0"/>
           </a:p>
         </p:txBody>
       </p:sp>
@@ -1012,12 +1002,13 @@
   <p:clrMapOvr>
     <a:masterClrMapping/>
   </p:clrMapOvr>
+  <p:hf sldNum="0" hdr="0" ftr="0" dt="0"/>
 </p:sldLayout>
 </file>
 
-<file path=ppt/slideLayouts/slideLayout2.xml><?xml version="1.0" encoding="utf-8"?>
-<p:sldLayout xmlns:a="http://schemas.openxmlformats.org/drawingml/2006/main" xmlns:r="http://schemas.openxmlformats.org/officeDocument/2006/relationships" xmlns:p="http://schemas.openxmlformats.org/presentationml/2006/main" type="obj" preserve="1">
-  <p:cSld name="Title and Content">
+<file path=ppt/slideLayouts/slideLayout11.xml><?xml version="1.0" encoding="utf-8"?>
+<p:sldLayout xmlns:a="http://schemas.openxmlformats.org/drawingml/2006/main" xmlns:r="http://schemas.openxmlformats.org/officeDocument/2006/relationships" xmlns:p="http://schemas.openxmlformats.org/presentationml/2006/main" type="vertTitleAndTx" preserve="1">
+  <p:cSld name="Вертикальный заголовок и текст">
     <p:spTree>
       <p:nvGrpSpPr>
         <p:cNvPr id="1" name=""/>
@@ -1034,168 +1025,96 @@
       </p:grpSpPr>
       <p:sp>
         <p:nvSpPr>
-          <p:cNvPr id="2" name="Title 1"/>
-          <p:cNvSpPr>
-            <a:spLocks noGrp="1"/>
-          </p:cNvSpPr>
-          <p:nvPr>
-            <p:ph type="title"/>
+          <p:cNvPr id="2" name="Вертикальный заголовок 1"/>
+          <p:cNvSpPr>
+            <a:spLocks noGrp="1"/>
+          </p:cNvSpPr>
+          <p:nvPr>
+            <p:ph type="title" orient="vert"/>
           </p:nvPr>
         </p:nvSpPr>
         <p:spPr>
           <a:xfrm>
-            <a:off x="647700" y="258445"/>
-            <a:ext cx="10515600" cy="1325563"/>
+            <a:off x="8839200" y="274638"/>
+            <a:ext cx="2743200" cy="5851525"/>
           </a:xfrm>
         </p:spPr>
         <p:txBody>
-          <a:bodyPr anchor="ctr" anchorCtr="0">
-            <a:normAutofit/>
-          </a:bodyPr>
-          <a:lstStyle>
-            <a:lvl1pPr>
-              <a:defRPr sz="4400" b="1">
-                <a:effectLst/>
-                <a:latin typeface="Calibri Light" panose="020F0302020204030204" pitchFamily="34" charset="0"/>
-              </a:defRPr>
-            </a:lvl1pPr>
-          </a:lstStyle>
-          <a:p>
-            <a:r>
-              <a:rPr lang="en-US" dirty="0" smtClean="0"/>
-              <a:t>Click to edit Master title style</a:t>
-            </a:r>
-            <a:endParaRPr lang="en-US" dirty="0"/>
-          </a:p>
-        </p:txBody>
-      </p:sp>
-      <p:sp>
-        <p:nvSpPr>
-          <p:cNvPr id="3" name="Content Placeholder 2"/>
-          <p:cNvSpPr>
-            <a:spLocks noGrp="1"/>
-          </p:cNvSpPr>
-          <p:nvPr>
-            <p:ph idx="1"/>
+          <a:bodyPr vert="eaVert"/>
+          <a:lstStyle/>
+          <a:p>
+            <a:r>
+              <a:rPr lang="ru-RU" smtClean="0"/>
+              <a:t>Образец заголовка</a:t>
+            </a:r>
+            <a:endParaRPr lang="ru-RU"/>
+          </a:p>
+        </p:txBody>
+      </p:sp>
+      <p:sp>
+        <p:nvSpPr>
+          <p:cNvPr id="3" name="Вертикальный текст 2"/>
+          <p:cNvSpPr>
+            <a:spLocks noGrp="1"/>
+          </p:cNvSpPr>
+          <p:nvPr>
+            <p:ph type="body" orient="vert" idx="1"/>
           </p:nvPr>
         </p:nvSpPr>
         <p:spPr>
           <a:xfrm>
-            <a:off x="647700" y="1825625"/>
-            <a:ext cx="10515600" cy="4351338"/>
+            <a:off x="609600" y="274638"/>
+            <a:ext cx="8070573" cy="5851525"/>
           </a:xfrm>
         </p:spPr>
         <p:txBody>
-          <a:bodyPr>
-            <a:normAutofit/>
-          </a:bodyPr>
-          <a:lstStyle>
-            <a:lvl1pPr>
-              <a:defRPr sz="2800">
-                <a:solidFill>
-                  <a:schemeClr val="tx1">
-                    <a:lumMod val="75000"/>
-                    <a:lumOff val="25000"/>
-                  </a:schemeClr>
-                </a:solidFill>
-                <a:latin typeface="Calibri Light" panose="020F0302020204030204" pitchFamily="34" charset="0"/>
-                <a:cs typeface="Calibri Light" panose="020F0302020204030204" pitchFamily="34" charset="0"/>
-              </a:defRPr>
-            </a:lvl1pPr>
-            <a:lvl2pPr>
-              <a:defRPr sz="2400">
-                <a:solidFill>
-                  <a:schemeClr val="tx1">
-                    <a:lumMod val="75000"/>
-                    <a:lumOff val="25000"/>
-                  </a:schemeClr>
-                </a:solidFill>
-                <a:latin typeface="Calibri Light" panose="020F0302020204030204" pitchFamily="34" charset="0"/>
-                <a:cs typeface="Calibri Light" panose="020F0302020204030204" pitchFamily="34" charset="0"/>
-              </a:defRPr>
-            </a:lvl2pPr>
-            <a:lvl3pPr>
-              <a:defRPr sz="2000">
-                <a:solidFill>
-                  <a:schemeClr val="tx1">
-                    <a:lumMod val="75000"/>
-                    <a:lumOff val="25000"/>
-                  </a:schemeClr>
-                </a:solidFill>
-                <a:latin typeface="Calibri Light" panose="020F0302020204030204" pitchFamily="34" charset="0"/>
-                <a:cs typeface="Calibri Light" panose="020F0302020204030204" pitchFamily="34" charset="0"/>
-              </a:defRPr>
-            </a:lvl3pPr>
-            <a:lvl4pPr>
-              <a:defRPr sz="1800">
-                <a:solidFill>
-                  <a:schemeClr val="tx1">
-                    <a:lumMod val="75000"/>
-                    <a:lumOff val="25000"/>
-                  </a:schemeClr>
-                </a:solidFill>
-                <a:latin typeface="Calibri Light" panose="020F0302020204030204" pitchFamily="34" charset="0"/>
-                <a:cs typeface="Calibri Light" panose="020F0302020204030204" pitchFamily="34" charset="0"/>
-              </a:defRPr>
-            </a:lvl4pPr>
-            <a:lvl5pPr>
-              <a:defRPr sz="1800">
-                <a:solidFill>
-                  <a:schemeClr val="tx1">
-                    <a:lumMod val="75000"/>
-                    <a:lumOff val="25000"/>
-                  </a:schemeClr>
-                </a:solidFill>
-                <a:latin typeface="Calibri Light" panose="020F0302020204030204" pitchFamily="34" charset="0"/>
-                <a:cs typeface="Calibri Light" panose="020F0302020204030204" pitchFamily="34" charset="0"/>
-              </a:defRPr>
-            </a:lvl5pPr>
-          </a:lstStyle>
+          <a:bodyPr vert="eaVert"/>
+          <a:lstStyle/>
           <a:p>
             <a:pPr lvl="0"/>
             <a:r>
-              <a:rPr lang="en-US" dirty="0" smtClean="0"/>
-              <a:t>Click to edit Master text styles</a:t>
-            </a:r>
-            <a:endParaRPr lang="en-US" dirty="0" smtClean="0"/>
+              <a:rPr lang="ru-RU" smtClean="0"/>
+              <a:t>Образец текста</a:t>
+            </a:r>
+            <a:endParaRPr lang="ru-RU" smtClean="0"/>
           </a:p>
           <a:p>
             <a:pPr lvl="1"/>
             <a:r>
-              <a:rPr lang="en-US" dirty="0"/>
-              <a:t>Second level </a:t>
-            </a:r>
-            <a:endParaRPr lang="en-US" dirty="0"/>
+              <a:rPr lang="ru-RU" smtClean="0"/>
+              <a:t>Второй уровень</a:t>
+            </a:r>
+            <a:endParaRPr lang="ru-RU" smtClean="0"/>
           </a:p>
           <a:p>
             <a:pPr lvl="2"/>
             <a:r>
-              <a:rPr lang="en-US" dirty="0"/>
-              <a:t>Third level</a:t>
-            </a:r>
-            <a:endParaRPr lang="en-US" dirty="0"/>
+              <a:rPr lang="ru-RU" smtClean="0"/>
+              <a:t>Третий уровень</a:t>
+            </a:r>
+            <a:endParaRPr lang="ru-RU" smtClean="0"/>
           </a:p>
           <a:p>
             <a:pPr lvl="3"/>
             <a:r>
-              <a:rPr lang="en-US" dirty="0"/>
-              <a:t>Fourth level</a:t>
-            </a:r>
-            <a:endParaRPr lang="en-US" dirty="0"/>
+              <a:rPr lang="ru-RU" smtClean="0"/>
+              <a:t>Четвертый уровень</a:t>
+            </a:r>
+            <a:endParaRPr lang="ru-RU" smtClean="0"/>
           </a:p>
           <a:p>
             <a:pPr lvl="4"/>
             <a:r>
-              <a:rPr lang="en-US" dirty="0"/>
-              <a:t>Fifth level</a:t>
-            </a:r>
-            <a:endParaRPr lang="en-US" dirty="0"/>
-          </a:p>
-        </p:txBody>
-      </p:sp>
-      <p:sp>
-        <p:nvSpPr>
-          <p:cNvPr id="4" name="Date Placeholder 3"/>
+              <a:rPr lang="ru-RU" smtClean="0"/>
+              <a:t>Пятый уровень</a:t>
+            </a:r>
+            <a:endParaRPr lang="ru-RU"/>
+          </a:p>
+        </p:txBody>
+      </p:sp>
+      <p:sp>
+        <p:nvSpPr>
+          <p:cNvPr id="4" name="Дата 3"/>
           <p:cNvSpPr>
             <a:spLocks noGrp="1"/>
           </p:cNvSpPr>
@@ -1217,7 +1136,7 @@
       </p:sp>
       <p:sp>
         <p:nvSpPr>
-          <p:cNvPr id="5" name="Footer Placeholder 4"/>
+          <p:cNvPr id="5" name="Нижний колонтитул 4"/>
           <p:cNvSpPr>
             <a:spLocks noGrp="1"/>
           </p:cNvSpPr>
@@ -1236,7 +1155,7 @@
       </p:sp>
       <p:sp>
         <p:nvSpPr>
-          <p:cNvPr id="6" name="Slide Number Placeholder  5"/>
+          <p:cNvPr id="6" name="Номер слайда 5"/>
           <p:cNvSpPr>
             <a:spLocks noGrp="1"/>
           </p:cNvSpPr>
@@ -1261,12 +1180,13 @@
   <p:clrMapOvr>
     <a:masterClrMapping/>
   </p:clrMapOvr>
+  <p:hf sldNum="0" hdr="0" ftr="0" dt="0"/>
 </p:sldLayout>
 </file>
 
-<file path=ppt/slideLayouts/slideLayout3.xml><?xml version="1.0" encoding="utf-8"?>
-<p:sldLayout xmlns:a="http://schemas.openxmlformats.org/drawingml/2006/main" xmlns:r="http://schemas.openxmlformats.org/officeDocument/2006/relationships" xmlns:p="http://schemas.openxmlformats.org/presentationml/2006/main" type="secHead" preserve="1">
-  <p:cSld name="Section Header">
+<file path=ppt/slideLayouts/slideLayout2.xml><?xml version="1.0" encoding="utf-8"?>
+<p:sldLayout xmlns:a="http://schemas.openxmlformats.org/drawingml/2006/main" xmlns:r="http://schemas.openxmlformats.org/officeDocument/2006/relationships" xmlns:p="http://schemas.openxmlformats.org/presentationml/2006/main" type="obj" preserve="1">
+  <p:cSld name="Заголовок и объект">
     <p:spTree>
       <p:nvGrpSpPr>
         <p:cNvPr id="1" name=""/>
@@ -1283,7 +1203,7 @@
       </p:grpSpPr>
       <p:sp>
         <p:nvSpPr>
-          <p:cNvPr id="2" name="Title 1"/>
+          <p:cNvPr id="2" name="Заголовок 1"/>
           <p:cNvSpPr>
             <a:spLocks noGrp="1"/>
           </p:cNvSpPr>
@@ -1291,161 +1211,78 @@
             <p:ph type="title"/>
           </p:nvPr>
         </p:nvSpPr>
-        <p:spPr>
-          <a:xfrm>
-            <a:off x="831850" y="3750945"/>
-            <a:ext cx="9843135" cy="811530"/>
-          </a:xfrm>
-        </p:spPr>
-        <p:txBody>
-          <a:bodyPr anchor="b">
-            <a:noAutofit/>
-          </a:bodyPr>
-          <a:lstStyle>
-            <a:lvl1pPr>
-              <a:defRPr sz="6000">
-                <a:effectLst/>
-              </a:defRPr>
-            </a:lvl1pPr>
-          </a:lstStyle>
-          <a:p>
-            <a:r>
-              <a:rPr lang="en-US" dirty="0" smtClean="0">
-                <a:sym typeface="+mn-ea"/>
-              </a:rPr>
-              <a:t>Click to edit Master title style</a:t>
-            </a:r>
-            <a:endParaRPr lang="en-US" dirty="0" smtClean="0">
-              <a:sym typeface="+mn-ea"/>
-            </a:endParaRPr>
-          </a:p>
-        </p:txBody>
-      </p:sp>
-      <p:sp>
-        <p:nvSpPr>
-          <p:cNvPr id="3" name="Text Placeholder 2"/>
-          <p:cNvSpPr>
-            <a:spLocks noGrp="1"/>
-          </p:cNvSpPr>
-          <p:nvPr>
-            <p:ph type="body" idx="1"/>
-          </p:nvPr>
-        </p:nvSpPr>
-        <p:spPr>
-          <a:xfrm>
-            <a:off x="831850" y="4610028"/>
-            <a:ext cx="7321550" cy="647555"/>
-          </a:xfrm>
-        </p:spPr>
-        <p:txBody>
-          <a:bodyPr>
-            <a:noAutofit/>
-          </a:bodyPr>
-          <a:lstStyle>
-            <a:lvl1pPr marL="0" indent="0">
-              <a:buNone/>
-              <a:defRPr sz="2400">
-                <a:solidFill>
-                  <a:schemeClr val="bg1">
-                    <a:lumMod val="50000"/>
-                  </a:schemeClr>
-                </a:solidFill>
-              </a:defRPr>
-            </a:lvl1pPr>
-            <a:lvl2pPr marL="457200" indent="0">
-              <a:buNone/>
-              <a:defRPr sz="2000">
-                <a:solidFill>
-                  <a:schemeClr val="tx1">
-                    <a:tint val="75000"/>
-                  </a:schemeClr>
-                </a:solidFill>
-              </a:defRPr>
-            </a:lvl2pPr>
-            <a:lvl3pPr marL="914400" indent="0">
-              <a:buNone/>
-              <a:defRPr sz="1800">
-                <a:solidFill>
-                  <a:schemeClr val="tx1">
-                    <a:tint val="75000"/>
-                  </a:schemeClr>
-                </a:solidFill>
-              </a:defRPr>
-            </a:lvl3pPr>
-            <a:lvl4pPr marL="1371600" indent="0">
-              <a:buNone/>
-              <a:defRPr sz="1600">
-                <a:solidFill>
-                  <a:schemeClr val="tx1">
-                    <a:tint val="75000"/>
-                  </a:schemeClr>
-                </a:solidFill>
-              </a:defRPr>
-            </a:lvl4pPr>
-            <a:lvl5pPr marL="1828800" indent="0">
-              <a:buNone/>
-              <a:defRPr sz="1600">
-                <a:solidFill>
-                  <a:schemeClr val="tx1">
-                    <a:tint val="75000"/>
-                  </a:schemeClr>
-                </a:solidFill>
-              </a:defRPr>
-            </a:lvl5pPr>
-            <a:lvl6pPr marL="2286000" indent="0">
-              <a:buNone/>
-              <a:defRPr sz="1600">
-                <a:solidFill>
-                  <a:schemeClr val="tx1">
-                    <a:tint val="75000"/>
-                  </a:schemeClr>
-                </a:solidFill>
-              </a:defRPr>
-            </a:lvl6pPr>
-            <a:lvl7pPr marL="2743200" indent="0">
-              <a:buNone/>
-              <a:defRPr sz="1600">
-                <a:solidFill>
-                  <a:schemeClr val="tx1">
-                    <a:tint val="75000"/>
-                  </a:schemeClr>
-                </a:solidFill>
-              </a:defRPr>
-            </a:lvl7pPr>
-            <a:lvl8pPr marL="3200400" indent="0">
-              <a:buNone/>
-              <a:defRPr sz="1600">
-                <a:solidFill>
-                  <a:schemeClr val="tx1">
-                    <a:tint val="75000"/>
-                  </a:schemeClr>
-                </a:solidFill>
-              </a:defRPr>
-            </a:lvl8pPr>
-            <a:lvl9pPr marL="3657600" indent="0">
-              <a:buNone/>
-              <a:defRPr sz="1600">
-                <a:solidFill>
-                  <a:schemeClr val="tx1">
-                    <a:tint val="75000"/>
-                  </a:schemeClr>
-                </a:solidFill>
-              </a:defRPr>
-            </a:lvl9pPr>
-          </a:lstStyle>
+        <p:spPr/>
+        <p:txBody>
+          <a:bodyPr/>
+          <a:lstStyle/>
+          <a:p>
+            <a:r>
+              <a:rPr lang="ru-RU" smtClean="0"/>
+              <a:t>Образец заголовка</a:t>
+            </a:r>
+            <a:endParaRPr lang="ru-RU"/>
+          </a:p>
+        </p:txBody>
+      </p:sp>
+      <p:sp>
+        <p:nvSpPr>
+          <p:cNvPr id="3" name="Объект 2"/>
+          <p:cNvSpPr>
+            <a:spLocks noGrp="1"/>
+          </p:cNvSpPr>
+          <p:nvPr>
+            <p:ph idx="1"/>
+          </p:nvPr>
+        </p:nvSpPr>
+        <p:spPr/>
+        <p:txBody>
+          <a:bodyPr/>
+          <a:lstStyle/>
           <a:p>
             <a:pPr lvl="0"/>
             <a:r>
-              <a:rPr lang="en-US" dirty="0"/>
-              <a:t>Click to edit Master text styles</a:t>
-            </a:r>
-            <a:endParaRPr lang="en-US" dirty="0"/>
-          </a:p>
-        </p:txBody>
-      </p:sp>
-      <p:sp>
-        <p:nvSpPr>
-          <p:cNvPr id="4" name="Slide Number Placeholder 3"/>
+              <a:rPr lang="ru-RU" smtClean="0"/>
+              <a:t>Образец текста</a:t>
+            </a:r>
+            <a:endParaRPr lang="ru-RU" smtClean="0"/>
+          </a:p>
+          <a:p>
+            <a:pPr lvl="1"/>
+            <a:r>
+              <a:rPr lang="ru-RU" smtClean="0"/>
+              <a:t>Второй уровень</a:t>
+            </a:r>
+            <a:endParaRPr lang="ru-RU" smtClean="0"/>
+          </a:p>
+          <a:p>
+            <a:pPr lvl="2"/>
+            <a:r>
+              <a:rPr lang="ru-RU" smtClean="0"/>
+              <a:t>Третий уровень</a:t>
+            </a:r>
+            <a:endParaRPr lang="ru-RU" smtClean="0"/>
+          </a:p>
+          <a:p>
+            <a:pPr lvl="3"/>
+            <a:r>
+              <a:rPr lang="ru-RU" smtClean="0"/>
+              <a:t>Четвертый уровень</a:t>
+            </a:r>
+            <a:endParaRPr lang="ru-RU" smtClean="0"/>
+          </a:p>
+          <a:p>
+            <a:pPr lvl="4"/>
+            <a:r>
+              <a:rPr lang="ru-RU" smtClean="0"/>
+              <a:t>Пятый уровень</a:t>
+            </a:r>
+            <a:endParaRPr lang="ru-RU"/>
+          </a:p>
+        </p:txBody>
+      </p:sp>
+      <p:sp>
+        <p:nvSpPr>
+          <p:cNvPr id="4" name="Дата 3"/>
           <p:cNvSpPr>
             <a:spLocks noGrp="1"/>
           </p:cNvSpPr>
@@ -1467,7 +1304,7 @@
       </p:sp>
       <p:sp>
         <p:nvSpPr>
-          <p:cNvPr id="5" name="Footer Placeholder 4"/>
+          <p:cNvPr id="5" name="Нижний колонтитул 4"/>
           <p:cNvSpPr>
             <a:spLocks noGrp="1"/>
           </p:cNvSpPr>
@@ -1486,7 +1323,7 @@
       </p:sp>
       <p:sp>
         <p:nvSpPr>
-          <p:cNvPr id="6" name="Slide Number Placeholder 5"/>
+          <p:cNvPr id="6" name="Номер слайда 5"/>
           <p:cNvSpPr>
             <a:spLocks noGrp="1"/>
           </p:cNvSpPr>
@@ -1511,12 +1348,13 @@
   <p:clrMapOvr>
     <a:masterClrMapping/>
   </p:clrMapOvr>
+  <p:hf sldNum="0" hdr="0" ftr="0" dt="0"/>
 </p:sldLayout>
 </file>
 
-<file path=ppt/slideLayouts/slideLayout4.xml><?xml version="1.0" encoding="utf-8"?>
-<p:sldLayout xmlns:a="http://schemas.openxmlformats.org/drawingml/2006/main" xmlns:r="http://schemas.openxmlformats.org/officeDocument/2006/relationships" xmlns:p="http://schemas.openxmlformats.org/presentationml/2006/main" type="twoObj" preserve="1">
-  <p:cSld name="Two Content">
+<file path=ppt/slideLayouts/slideLayout3.xml><?xml version="1.0" encoding="utf-8"?>
+<p:sldLayout xmlns:a="http://schemas.openxmlformats.org/drawingml/2006/main" xmlns:r="http://schemas.openxmlformats.org/officeDocument/2006/relationships" xmlns:p="http://schemas.openxmlformats.org/presentationml/2006/main" type="secHead" preserve="1">
+  <p:cSld name="Заголовок раздела">
     <p:spTree>
       <p:nvGrpSpPr>
         <p:cNvPr id="1" name=""/>
@@ -1533,7 +1371,7 @@
       </p:grpSpPr>
       <p:sp>
         <p:nvSpPr>
-          <p:cNvPr id="2" name="Title 1"/>
+          <p:cNvPr id="2" name="Заголовок 1"/>
           <p:cNvSpPr>
             <a:spLocks noGrp="1"/>
           </p:cNvSpPr>
@@ -1543,314 +1381,149 @@
         </p:nvSpPr>
         <p:spPr>
           <a:xfrm>
-            <a:off x="647700" y="258445"/>
-            <a:ext cx="10515600" cy="1325563"/>
+            <a:off x="831851" y="1709738"/>
+            <a:ext cx="10515600" cy="2852737"/>
           </a:xfrm>
         </p:spPr>
         <p:txBody>
-          <a:bodyPr>
-            <a:normAutofit/>
-          </a:bodyPr>
+          <a:bodyPr anchor="b"/>
           <a:lstStyle>
             <a:lvl1pPr>
-              <a:defRPr sz="4400" b="0" i="0">
-                <a:effectLst/>
-              </a:defRPr>
+              <a:defRPr sz="4500"/>
             </a:lvl1pPr>
           </a:lstStyle>
           <a:p>
             <a:r>
-              <a:rPr lang="en-US" dirty="0" smtClean="0">
-                <a:sym typeface="+mn-ea"/>
-              </a:rPr>
-              <a:t>Click to edit Master title style</a:t>
-            </a:r>
-            <a:endParaRPr lang="en-US" dirty="0"/>
-          </a:p>
-        </p:txBody>
-      </p:sp>
-      <p:sp>
-        <p:nvSpPr>
-          <p:cNvPr id="3" name="Content Placeholder 2"/>
-          <p:cNvSpPr>
-            <a:spLocks noGrp="1"/>
-          </p:cNvSpPr>
-          <p:nvPr>
-            <p:ph sz="half" idx="1"/>
+              <a:rPr lang="ru-RU" smtClean="0"/>
+              <a:t>Образец заголовка</a:t>
+            </a:r>
+            <a:endParaRPr lang="ru-RU"/>
+          </a:p>
+        </p:txBody>
+      </p:sp>
+      <p:sp>
+        <p:nvSpPr>
+          <p:cNvPr id="3" name="Текст 2"/>
+          <p:cNvSpPr>
+            <a:spLocks noGrp="1"/>
+          </p:cNvSpPr>
+          <p:nvPr>
+            <p:ph type="body" idx="1"/>
           </p:nvPr>
         </p:nvSpPr>
         <p:spPr>
           <a:xfrm>
-            <a:off x="647700" y="1825625"/>
-            <a:ext cx="5181600" cy="4351338"/>
+            <a:off x="831851" y="4589463"/>
+            <a:ext cx="10515600" cy="1500187"/>
           </a:xfrm>
         </p:spPr>
         <p:txBody>
-          <a:bodyPr>
-            <a:normAutofit/>
-          </a:bodyPr>
+          <a:bodyPr/>
           <a:lstStyle>
-            <a:lvl1pPr>
-              <a:lnSpc>
-                <a:spcPct val="150000"/>
-              </a:lnSpc>
-              <a:defRPr sz="2800">
-                <a:solidFill>
-                  <a:schemeClr val="tx1">
-                    <a:lumMod val="75000"/>
-                    <a:lumOff val="25000"/>
-                  </a:schemeClr>
-                </a:solidFill>
-                <a:latin typeface="Calibri Light" panose="020F0302020204030204" pitchFamily="34" charset="0"/>
-                <a:cs typeface="Calibri Light" panose="020F0302020204030204" pitchFamily="34" charset="0"/>
-              </a:defRPr>
-            </a:lvl1pPr>
-            <a:lvl2pPr>
-              <a:lnSpc>
-                <a:spcPct val="150000"/>
-              </a:lnSpc>
-              <a:defRPr sz="2400">
-                <a:solidFill>
-                  <a:schemeClr val="tx1">
-                    <a:lumMod val="75000"/>
-                    <a:lumOff val="25000"/>
-                  </a:schemeClr>
-                </a:solidFill>
-                <a:latin typeface="Calibri Light" panose="020F0302020204030204" pitchFamily="34" charset="0"/>
-                <a:cs typeface="Calibri Light" panose="020F0302020204030204" pitchFamily="34" charset="0"/>
-              </a:defRPr>
-            </a:lvl2pPr>
-            <a:lvl3pPr>
-              <a:lnSpc>
-                <a:spcPct val="150000"/>
-              </a:lnSpc>
-              <a:defRPr sz="2000">
-                <a:solidFill>
-                  <a:schemeClr val="tx1">
-                    <a:lumMod val="75000"/>
-                    <a:lumOff val="25000"/>
-                  </a:schemeClr>
-                </a:solidFill>
-                <a:latin typeface="Calibri Light" panose="020F0302020204030204" pitchFamily="34" charset="0"/>
-                <a:cs typeface="Calibri Light" panose="020F0302020204030204" pitchFamily="34" charset="0"/>
-              </a:defRPr>
-            </a:lvl3pPr>
-            <a:lvl4pPr>
-              <a:lnSpc>
-                <a:spcPct val="150000"/>
-              </a:lnSpc>
+            <a:lvl1pPr marL="0" indent="0">
+              <a:buNone/>
               <a:defRPr sz="1800">
                 <a:solidFill>
                   <a:schemeClr val="tx1">
-                    <a:lumMod val="75000"/>
-                    <a:lumOff val="25000"/>
+                    <a:tint val="75000"/>
                   </a:schemeClr>
                 </a:solidFill>
-                <a:latin typeface="Calibri Light" panose="020F0302020204030204" pitchFamily="34" charset="0"/>
-                <a:cs typeface="Calibri Light" panose="020F0302020204030204" pitchFamily="34" charset="0"/>
               </a:defRPr>
-            </a:lvl4pPr>
-            <a:lvl5pPr>
-              <a:lnSpc>
-                <a:spcPct val="150000"/>
-              </a:lnSpc>
-              <a:defRPr sz="1800">
+            </a:lvl1pPr>
+            <a:lvl2pPr marL="342900" indent="0">
+              <a:buNone/>
+              <a:defRPr sz="1500">
                 <a:solidFill>
                   <a:schemeClr val="tx1">
-                    <a:lumMod val="75000"/>
-                    <a:lumOff val="25000"/>
-                  </a:schemeClr>
-                </a:solidFill>
-                <a:latin typeface="Calibri Light" panose="020F0302020204030204" pitchFamily="34" charset="0"/>
-                <a:cs typeface="Calibri Light" panose="020F0302020204030204" pitchFamily="34" charset="0"/>
-              </a:defRPr>
-            </a:lvl5pPr>
-          </a:lstStyle>
-          <a:p>
-            <a:pPr lvl="0"/>
-            <a:r>
-              <a:rPr lang="en-US" dirty="0"/>
-              <a:t>Click to edit Master text styles</a:t>
-            </a:r>
-            <a:endParaRPr lang="en-US" dirty="0"/>
-          </a:p>
-          <a:p>
-            <a:pPr lvl="1"/>
-            <a:r>
-              <a:rPr lang="en-US" dirty="0"/>
-              <a:t>Second level</a:t>
-            </a:r>
-            <a:endParaRPr lang="en-US" dirty="0"/>
-          </a:p>
-          <a:p>
-            <a:pPr lvl="2"/>
-            <a:r>
-              <a:rPr lang="en-US" dirty="0"/>
-              <a:t>Third level</a:t>
-            </a:r>
-            <a:endParaRPr lang="en-US" dirty="0"/>
-          </a:p>
-          <a:p>
-            <a:pPr lvl="3"/>
-            <a:r>
-              <a:rPr lang="en-US" dirty="0"/>
-              <a:t>Fourth level</a:t>
-            </a:r>
-            <a:endParaRPr lang="en-US" dirty="0"/>
-          </a:p>
-          <a:p>
-            <a:pPr lvl="4"/>
-            <a:r>
-              <a:rPr lang="en-US" dirty="0"/>
-              <a:t>Fifth level</a:t>
-            </a:r>
-            <a:endParaRPr lang="en-US" dirty="0"/>
-          </a:p>
-        </p:txBody>
-      </p:sp>
-      <p:sp>
-        <p:nvSpPr>
-          <p:cNvPr id="4" name="Content Placeholder 3"/>
-          <p:cNvSpPr>
-            <a:spLocks noGrp="1"/>
-          </p:cNvSpPr>
-          <p:nvPr>
-            <p:ph sz="half" idx="2"/>
-          </p:nvPr>
-        </p:nvSpPr>
-        <p:spPr>
-          <a:xfrm>
-            <a:off x="5981700" y="1825625"/>
-            <a:ext cx="5181600" cy="4351338"/>
-          </a:xfrm>
-        </p:spPr>
-        <p:txBody>
-          <a:bodyPr>
-            <a:normAutofit/>
-          </a:bodyPr>
-          <a:lstStyle>
-            <a:lvl1pPr>
-              <a:lnSpc>
-                <a:spcPct val="150000"/>
-              </a:lnSpc>
-              <a:defRPr kumimoji="0" lang="en-US" sz="2800" b="0" i="0" u="none" strike="noStrike" kern="1200" cap="none" spc="0" normalizeH="0" baseline="0" noProof="1" dirty="0">
-                <a:solidFill>
-                  <a:schemeClr val="tx1">
-                    <a:lumMod val="75000"/>
-                    <a:lumOff val="25000"/>
-                  </a:schemeClr>
-                </a:solidFill>
-                <a:latin typeface="Calibri Light" panose="020F0302020204030204" pitchFamily="34" charset="0"/>
-                <a:ea typeface="+mn-ea"/>
-                <a:cs typeface="+mn-cs"/>
-              </a:defRPr>
-            </a:lvl1pPr>
-            <a:lvl2pPr>
-              <a:lnSpc>
-                <a:spcPct val="150000"/>
-              </a:lnSpc>
-              <a:defRPr sz="2400">
-                <a:solidFill>
-                  <a:schemeClr val="tx1">
-                    <a:lumMod val="75000"/>
-                    <a:lumOff val="25000"/>
+                    <a:tint val="75000"/>
                   </a:schemeClr>
                 </a:solidFill>
               </a:defRPr>
             </a:lvl2pPr>
-            <a:lvl3pPr>
-              <a:lnSpc>
-                <a:spcPct val="150000"/>
-              </a:lnSpc>
-              <a:defRPr sz="2000">
+            <a:lvl3pPr marL="685800" indent="0">
+              <a:buNone/>
+              <a:defRPr sz="1350">
                 <a:solidFill>
                   <a:schemeClr val="tx1">
-                    <a:lumMod val="75000"/>
-                    <a:lumOff val="25000"/>
+                    <a:tint val="75000"/>
                   </a:schemeClr>
                 </a:solidFill>
               </a:defRPr>
             </a:lvl3pPr>
-            <a:lvl4pPr>
-              <a:lnSpc>
-                <a:spcPct val="150000"/>
-              </a:lnSpc>
-              <a:defRPr sz="2000">
+            <a:lvl4pPr marL="1028700" indent="0">
+              <a:buNone/>
+              <a:defRPr sz="1200">
                 <a:solidFill>
                   <a:schemeClr val="tx1">
-                    <a:lumMod val="75000"/>
-                    <a:lumOff val="25000"/>
+                    <a:tint val="75000"/>
                   </a:schemeClr>
                 </a:solidFill>
               </a:defRPr>
             </a:lvl4pPr>
-            <a:lvl5pPr>
-              <a:lnSpc>
-                <a:spcPct val="150000"/>
-              </a:lnSpc>
-              <a:defRPr sz="2000">
+            <a:lvl5pPr marL="1371600" indent="0">
+              <a:buNone/>
+              <a:defRPr sz="1200">
                 <a:solidFill>
                   <a:schemeClr val="tx1">
-                    <a:lumMod val="75000"/>
-                    <a:lumOff val="25000"/>
+                    <a:tint val="75000"/>
                   </a:schemeClr>
                 </a:solidFill>
               </a:defRPr>
             </a:lvl5pPr>
+            <a:lvl6pPr marL="1714500" indent="0">
+              <a:buNone/>
+              <a:defRPr sz="1200">
+                <a:solidFill>
+                  <a:schemeClr val="tx1">
+                    <a:tint val="75000"/>
+                  </a:schemeClr>
+                </a:solidFill>
+              </a:defRPr>
+            </a:lvl6pPr>
+            <a:lvl7pPr marL="2057400" indent="0">
+              <a:buNone/>
+              <a:defRPr sz="1200">
+                <a:solidFill>
+                  <a:schemeClr val="tx1">
+                    <a:tint val="75000"/>
+                  </a:schemeClr>
+                </a:solidFill>
+              </a:defRPr>
+            </a:lvl7pPr>
+            <a:lvl8pPr marL="2400300" indent="0">
+              <a:buNone/>
+              <a:defRPr sz="1200">
+                <a:solidFill>
+                  <a:schemeClr val="tx1">
+                    <a:tint val="75000"/>
+                  </a:schemeClr>
+                </a:solidFill>
+              </a:defRPr>
+            </a:lvl8pPr>
+            <a:lvl9pPr marL="2743200" indent="0">
+              <a:buNone/>
+              <a:defRPr sz="1200">
+                <a:solidFill>
+                  <a:schemeClr val="tx1">
+                    <a:tint val="75000"/>
+                  </a:schemeClr>
+                </a:solidFill>
+              </a:defRPr>
+            </a:lvl9pPr>
           </a:lstStyle>
           <a:p>
             <a:pPr lvl="0"/>
             <a:r>
-              <a:rPr lang="en-US" dirty="0"/>
-              <a:t>Click to edit Master text styles</a:t>
-            </a:r>
-            <a:endParaRPr lang="en-US" dirty="0"/>
-          </a:p>
-          <a:p>
-            <a:pPr lvl="1"/>
-            <a:r>
-              <a:rPr lang="en-US" dirty="0">
-                <a:sym typeface="+mn-ea"/>
-              </a:rPr>
-              <a:t>Second level</a:t>
-            </a:r>
-            <a:endParaRPr lang="en-US" dirty="0"/>
-          </a:p>
-          <a:p>
-            <a:pPr lvl="2"/>
-            <a:r>
-              <a:rPr lang="en-US" dirty="0">
-                <a:sym typeface="+mn-ea"/>
-              </a:rPr>
-              <a:t>Third level</a:t>
-            </a:r>
-            <a:endParaRPr lang="en-US" dirty="0"/>
-          </a:p>
-          <a:p>
-            <a:pPr lvl="3"/>
-            <a:r>
-              <a:rPr lang="en-US" dirty="0">
-                <a:sym typeface="+mn-ea"/>
-              </a:rPr>
-              <a:t>Fourth level</a:t>
-            </a:r>
-            <a:endParaRPr lang="en-US" dirty="0"/>
-          </a:p>
-          <a:p>
-            <a:pPr lvl="4"/>
-            <a:r>
-              <a:rPr lang="en-US" dirty="0">
-                <a:sym typeface="+mn-ea"/>
-              </a:rPr>
-              <a:t>Fifth level</a:t>
-            </a:r>
-            <a:endParaRPr lang="en-US" dirty="0"/>
-          </a:p>
-        </p:txBody>
-      </p:sp>
-      <p:sp>
-        <p:nvSpPr>
-          <p:cNvPr id="5" name="Date Placeholder 4"/>
+              <a:rPr lang="ru-RU" smtClean="0"/>
+              <a:t>Образец текста</a:t>
+            </a:r>
+            <a:endParaRPr lang="ru-RU" smtClean="0"/>
+          </a:p>
+        </p:txBody>
+      </p:sp>
+      <p:sp>
+        <p:nvSpPr>
+          <p:cNvPr id="4" name="Дата 3"/>
           <p:cNvSpPr>
             <a:spLocks noGrp="1"/>
           </p:cNvSpPr>
@@ -1872,7 +1545,7 @@
       </p:sp>
       <p:sp>
         <p:nvSpPr>
-          <p:cNvPr id="6" name="Footer Placeholder 5"/>
+          <p:cNvPr id="5" name="Нижний колонтитул 4"/>
           <p:cNvSpPr>
             <a:spLocks noGrp="1"/>
           </p:cNvSpPr>
@@ -1891,7 +1564,7 @@
       </p:sp>
       <p:sp>
         <p:nvSpPr>
-          <p:cNvPr id="7" name="Slide Number Placeholder 6"/>
+          <p:cNvPr id="6" name="Номер слайда 5"/>
           <p:cNvSpPr>
             <a:spLocks noGrp="1"/>
           </p:cNvSpPr>
@@ -1916,12 +1589,13 @@
   <p:clrMapOvr>
     <a:masterClrMapping/>
   </p:clrMapOvr>
+  <p:hf sldNum="0" hdr="0" ftr="0" dt="0"/>
 </p:sldLayout>
 </file>
 
-<file path=ppt/slideLayouts/slideLayout5.xml><?xml version="1.0" encoding="utf-8"?>
-<p:sldLayout xmlns:a="http://schemas.openxmlformats.org/drawingml/2006/main" xmlns:r="http://schemas.openxmlformats.org/officeDocument/2006/relationships" xmlns:p="http://schemas.openxmlformats.org/presentationml/2006/main" type="twoTxTwoObj" preserve="1">
-  <p:cSld name="Comparison">
+<file path=ppt/slideLayouts/slideLayout4.xml><?xml version="1.0" encoding="utf-8"?>
+<p:sldLayout xmlns:a="http://schemas.openxmlformats.org/drawingml/2006/main" xmlns:r="http://schemas.openxmlformats.org/officeDocument/2006/relationships" xmlns:p="http://schemas.openxmlformats.org/presentationml/2006/main" type="twoObj" preserve="1">
+  <p:cSld name="Два объекта">
     <p:spTree>
       <p:nvGrpSpPr>
         <p:cNvPr id="1" name=""/>
@@ -1938,303 +1612,152 @@
       </p:grpSpPr>
       <p:sp>
         <p:nvSpPr>
-          <p:cNvPr id="2" name="Title 1"/>
+          <p:cNvPr id="2" name="Заголовок 1"/>
           <p:cNvSpPr>
             <a:spLocks noGrp="1"/>
           </p:cNvSpPr>
           <p:nvPr>
             <p:ph type="title"/>
+          </p:nvPr>
+        </p:nvSpPr>
+        <p:spPr/>
+        <p:txBody>
+          <a:bodyPr/>
+          <a:lstStyle/>
+          <a:p>
+            <a:r>
+              <a:rPr lang="ru-RU" smtClean="0"/>
+              <a:t>Образец заголовка</a:t>
+            </a:r>
+            <a:endParaRPr lang="ru-RU"/>
+          </a:p>
+        </p:txBody>
+      </p:sp>
+      <p:sp>
+        <p:nvSpPr>
+          <p:cNvPr id="3" name="Объект 2"/>
+          <p:cNvSpPr>
+            <a:spLocks noGrp="1"/>
+          </p:cNvSpPr>
+          <p:nvPr>
+            <p:ph sz="half" idx="1"/>
           </p:nvPr>
         </p:nvSpPr>
         <p:spPr>
           <a:xfrm>
-            <a:off x="839788" y="365125"/>
-            <a:ext cx="10515600" cy="1325563"/>
+            <a:off x="609600" y="1600200"/>
+            <a:ext cx="5376672" cy="4525963"/>
           </a:xfrm>
         </p:spPr>
         <p:txBody>
           <a:bodyPr/>
-          <a:lstStyle>
-            <a:lvl1pPr>
-              <a:defRPr sz="4400"/>
-            </a:lvl1pPr>
-          </a:lstStyle>
-          <a:p>
-            <a:r>
-              <a:rPr lang="en-US" dirty="0" smtClean="0">
-                <a:sym typeface="+mn-ea"/>
-              </a:rPr>
-              <a:t>Click to edit Master title style</a:t>
-            </a:r>
-            <a:endParaRPr lang="en-US"/>
-          </a:p>
-        </p:txBody>
-      </p:sp>
-      <p:sp>
-        <p:nvSpPr>
-          <p:cNvPr id="3" name="Text Placeholder 2"/>
-          <p:cNvSpPr>
-            <a:spLocks noGrp="1"/>
-          </p:cNvSpPr>
-          <p:nvPr>
-            <p:ph type="body" idx="1"/>
+          <a:lstStyle/>
+          <a:p>
+            <a:pPr lvl="0"/>
+            <a:r>
+              <a:rPr lang="ru-RU" smtClean="0"/>
+              <a:t>Образец текста</a:t>
+            </a:r>
+            <a:endParaRPr lang="ru-RU" smtClean="0"/>
+          </a:p>
+          <a:p>
+            <a:pPr lvl="1"/>
+            <a:r>
+              <a:rPr lang="ru-RU" smtClean="0"/>
+              <a:t>Второй уровень</a:t>
+            </a:r>
+            <a:endParaRPr lang="ru-RU" smtClean="0"/>
+          </a:p>
+          <a:p>
+            <a:pPr lvl="2"/>
+            <a:r>
+              <a:rPr lang="ru-RU" smtClean="0"/>
+              <a:t>Третий уровень</a:t>
+            </a:r>
+            <a:endParaRPr lang="ru-RU" smtClean="0"/>
+          </a:p>
+          <a:p>
+            <a:pPr lvl="3"/>
+            <a:r>
+              <a:rPr lang="ru-RU" smtClean="0"/>
+              <a:t>Четвертый уровень</a:t>
+            </a:r>
+            <a:endParaRPr lang="ru-RU" smtClean="0"/>
+          </a:p>
+          <a:p>
+            <a:pPr lvl="4"/>
+            <a:r>
+              <a:rPr lang="ru-RU" smtClean="0"/>
+              <a:t>Пятый уровень</a:t>
+            </a:r>
+            <a:endParaRPr lang="ru-RU"/>
+          </a:p>
+        </p:txBody>
+      </p:sp>
+      <p:sp>
+        <p:nvSpPr>
+          <p:cNvPr id="4" name="Объект 3"/>
+          <p:cNvSpPr>
+            <a:spLocks noGrp="1"/>
+          </p:cNvSpPr>
+          <p:nvPr>
+            <p:ph sz="half" idx="2"/>
           </p:nvPr>
         </p:nvSpPr>
         <p:spPr>
           <a:xfrm>
-            <a:off x="839788" y="1744961"/>
-            <a:ext cx="5157787" cy="823912"/>
+            <a:off x="6205728" y="1600200"/>
+            <a:ext cx="5376672" cy="4525963"/>
           </a:xfrm>
         </p:spPr>
         <p:txBody>
-          <a:bodyPr anchor="b"/>
-          <a:lstStyle>
-            <a:lvl1pPr marL="0" indent="0">
-              <a:buNone/>
-              <a:defRPr sz="2400" b="1">
-                <a:latin typeface="Calibri Light" panose="020F0302020204030204" pitchFamily="34" charset="0"/>
-                <a:cs typeface="Calibri Light" panose="020F0302020204030204" pitchFamily="34" charset="0"/>
-              </a:defRPr>
-            </a:lvl1pPr>
-            <a:lvl2pPr marL="457200" indent="0">
-              <a:buNone/>
-              <a:defRPr sz="2000" b="1"/>
-            </a:lvl2pPr>
-            <a:lvl3pPr marL="914400" indent="0">
-              <a:buNone/>
-              <a:defRPr sz="1800" b="1"/>
-            </a:lvl3pPr>
-            <a:lvl4pPr marL="1371600" indent="0">
-              <a:buNone/>
-              <a:defRPr sz="1600" b="1"/>
-            </a:lvl4pPr>
-            <a:lvl5pPr marL="1828800" indent="0">
-              <a:buNone/>
-              <a:defRPr sz="1600" b="1"/>
-            </a:lvl5pPr>
-            <a:lvl6pPr marL="2286000" indent="0">
-              <a:buNone/>
-              <a:defRPr sz="1600" b="1"/>
-            </a:lvl6pPr>
-            <a:lvl7pPr marL="2743200" indent="0">
-              <a:buNone/>
-              <a:defRPr sz="1600" b="1"/>
-            </a:lvl7pPr>
-            <a:lvl8pPr marL="3200400" indent="0">
-              <a:buNone/>
-              <a:defRPr sz="1600" b="1"/>
-            </a:lvl8pPr>
-            <a:lvl9pPr marL="3657600" indent="0">
-              <a:buNone/>
-              <a:defRPr sz="1600" b="1"/>
-            </a:lvl9pPr>
-          </a:lstStyle>
+          <a:bodyPr/>
+          <a:lstStyle/>
           <a:p>
             <a:pPr lvl="0"/>
             <a:r>
-              <a:rPr lang="en-US" dirty="0"/>
-              <a:t>Click to edit Master text styles</a:t>
-            </a:r>
-            <a:endParaRPr lang="en-US" dirty="0"/>
-          </a:p>
-        </p:txBody>
-      </p:sp>
-      <p:sp>
-        <p:nvSpPr>
-          <p:cNvPr id="4" name="Content Placeholder 3"/>
-          <p:cNvSpPr>
-            <a:spLocks noGrp="1"/>
-          </p:cNvSpPr>
-          <p:nvPr>
-            <p:ph sz="half" idx="2"/>
-          </p:nvPr>
-        </p:nvSpPr>
-        <p:spPr>
-          <a:xfrm>
-            <a:off x="839788" y="2615609"/>
-            <a:ext cx="5157787" cy="3574054"/>
-          </a:xfrm>
-        </p:spPr>
-        <p:txBody>
-          <a:bodyPr/>
-          <a:lstStyle/>
-          <a:p>
-            <a:pPr lvl="0"/>
-            <a:r>
-              <a:rPr lang="en-US" dirty="0"/>
-              <a:t>Click to edit Master text styles</a:t>
-            </a:r>
-            <a:endParaRPr lang="en-US" dirty="0"/>
+              <a:rPr lang="ru-RU" smtClean="0"/>
+              <a:t>Образец текста</a:t>
+            </a:r>
+            <a:endParaRPr lang="ru-RU" smtClean="0"/>
           </a:p>
           <a:p>
             <a:pPr lvl="1"/>
             <a:r>
-              <a:rPr lang="en-US" dirty="0"/>
-              <a:t>Second level</a:t>
-            </a:r>
-            <a:endParaRPr lang="en-US" dirty="0"/>
+              <a:rPr lang="ru-RU" smtClean="0"/>
+              <a:t>Второй уровень</a:t>
+            </a:r>
+            <a:endParaRPr lang="ru-RU" smtClean="0"/>
           </a:p>
           <a:p>
             <a:pPr lvl="2"/>
             <a:r>
-              <a:rPr lang="en-US" dirty="0"/>
-              <a:t>Third level</a:t>
-            </a:r>
-            <a:endParaRPr lang="en-US" dirty="0"/>
+              <a:rPr lang="ru-RU" smtClean="0"/>
+              <a:t>Третий уровень</a:t>
+            </a:r>
+            <a:endParaRPr lang="ru-RU" smtClean="0"/>
           </a:p>
           <a:p>
             <a:pPr lvl="3"/>
             <a:r>
-              <a:rPr lang="en-US" dirty="0"/>
-              <a:t>Fourth level</a:t>
-            </a:r>
-            <a:endParaRPr lang="en-US" dirty="0"/>
+              <a:rPr lang="ru-RU" smtClean="0"/>
+              <a:t>Четвертый уровень</a:t>
+            </a:r>
+            <a:endParaRPr lang="ru-RU" smtClean="0"/>
           </a:p>
           <a:p>
             <a:pPr lvl="4"/>
             <a:r>
-              <a:rPr lang="en-US" dirty="0"/>
-              <a:t>Fifth level</a:t>
-            </a:r>
-            <a:endParaRPr lang="en-US" dirty="0"/>
-          </a:p>
-        </p:txBody>
-      </p:sp>
-      <p:sp>
-        <p:nvSpPr>
-          <p:cNvPr id="5" name="文本占位符 4"/>
-          <p:cNvSpPr>
-            <a:spLocks noGrp="1"/>
-          </p:cNvSpPr>
-          <p:nvPr>
-            <p:ph type="body" sz="quarter" idx="3"/>
-          </p:nvPr>
-        </p:nvSpPr>
-        <p:spPr>
-          <a:xfrm>
-            <a:off x="6172200" y="1744961"/>
-            <a:ext cx="5183188" cy="823912"/>
-          </a:xfrm>
-        </p:spPr>
-        <p:txBody>
-          <a:bodyPr anchor="b"/>
-          <a:lstStyle>
-            <a:lvl1pPr marL="0" indent="0">
-              <a:buNone/>
-              <a:defRPr sz="2400" b="1">
-                <a:latin typeface="Calibri Light" panose="020F0302020204030204" pitchFamily="34" charset="0"/>
-                <a:cs typeface="Calibri Light" panose="020F0302020204030204" pitchFamily="34" charset="0"/>
-              </a:defRPr>
-            </a:lvl1pPr>
-            <a:lvl2pPr marL="457200" indent="0">
-              <a:buNone/>
-              <a:defRPr sz="2000" b="1"/>
-            </a:lvl2pPr>
-            <a:lvl3pPr marL="914400" indent="0">
-              <a:buNone/>
-              <a:defRPr sz="1800" b="1"/>
-            </a:lvl3pPr>
-            <a:lvl4pPr marL="1371600" indent="0">
-              <a:buNone/>
-              <a:defRPr sz="1600" b="1"/>
-            </a:lvl4pPr>
-            <a:lvl5pPr marL="1828800" indent="0">
-              <a:buNone/>
-              <a:defRPr sz="1600" b="1"/>
-            </a:lvl5pPr>
-            <a:lvl6pPr marL="2286000" indent="0">
-              <a:buNone/>
-              <a:defRPr sz="1600" b="1"/>
-            </a:lvl6pPr>
-            <a:lvl7pPr marL="2743200" indent="0">
-              <a:buNone/>
-              <a:defRPr sz="1600" b="1"/>
-            </a:lvl7pPr>
-            <a:lvl8pPr marL="3200400" indent="0">
-              <a:buNone/>
-              <a:defRPr sz="1600" b="1"/>
-            </a:lvl8pPr>
-            <a:lvl9pPr marL="3657600" indent="0">
-              <a:buNone/>
-              <a:defRPr sz="1600" b="1"/>
-            </a:lvl9pPr>
-          </a:lstStyle>
-          <a:p>
-            <a:pPr lvl="0"/>
-            <a:r>
-              <a:rPr lang="en-US" dirty="0"/>
-              <a:t>Click to edit Master text styles</a:t>
-            </a:r>
-            <a:endParaRPr lang="en-US" dirty="0"/>
-          </a:p>
-        </p:txBody>
-      </p:sp>
-      <p:sp>
-        <p:nvSpPr>
-          <p:cNvPr id="6" name="内容占位符 5"/>
-          <p:cNvSpPr>
-            <a:spLocks noGrp="1"/>
-          </p:cNvSpPr>
-          <p:nvPr>
-            <p:ph sz="quarter" idx="4"/>
-          </p:nvPr>
-        </p:nvSpPr>
-        <p:spPr>
-          <a:xfrm>
-            <a:off x="6172200" y="2615609"/>
-            <a:ext cx="5183188" cy="3574054"/>
-          </a:xfrm>
-        </p:spPr>
-        <p:txBody>
-          <a:bodyPr/>
-          <a:lstStyle/>
-          <a:p>
-            <a:pPr lvl="0"/>
-            <a:r>
-              <a:rPr lang="en-US" dirty="0">
-                <a:sym typeface="+mn-ea"/>
-              </a:rPr>
-              <a:t>Click to edit Master text styles</a:t>
-            </a:r>
-            <a:endParaRPr lang="en-US" dirty="0"/>
-          </a:p>
-          <a:p>
-            <a:pPr lvl="1"/>
-            <a:r>
-              <a:rPr lang="en-US" dirty="0"/>
-              <a:t>Second level</a:t>
-            </a:r>
-            <a:endParaRPr lang="en-US" dirty="0"/>
-          </a:p>
-          <a:p>
-            <a:pPr lvl="2"/>
-            <a:r>
-              <a:rPr lang="en-US" dirty="0"/>
-              <a:t>Third level</a:t>
-            </a:r>
-            <a:endParaRPr lang="en-US" dirty="0"/>
-          </a:p>
-          <a:p>
-            <a:pPr lvl="3"/>
-            <a:r>
-              <a:rPr lang="en-US" dirty="0"/>
-              <a:t>Fourth level</a:t>
-            </a:r>
-            <a:endParaRPr lang="en-US" dirty="0"/>
-          </a:p>
-          <a:p>
-            <a:pPr lvl="4"/>
-            <a:r>
-              <a:rPr lang="en-US" dirty="0"/>
-              <a:t>Fifth level</a:t>
-            </a:r>
-            <a:endParaRPr lang="en-US" dirty="0"/>
-          </a:p>
-        </p:txBody>
-      </p:sp>
-      <p:sp>
-        <p:nvSpPr>
-          <p:cNvPr id="7" name="Date Placeholder 6"/>
+              <a:rPr lang="ru-RU" smtClean="0"/>
+              <a:t>Пятый уровень</a:t>
+            </a:r>
+            <a:endParaRPr lang="ru-RU"/>
+          </a:p>
+        </p:txBody>
+      </p:sp>
+      <p:sp>
+        <p:nvSpPr>
+          <p:cNvPr id="5" name="Дата 4"/>
           <p:cNvSpPr>
             <a:spLocks noGrp="1"/>
           </p:cNvSpPr>
@@ -2256,7 +1779,7 @@
       </p:sp>
       <p:sp>
         <p:nvSpPr>
-          <p:cNvPr id="8" name="Footer Placeholder 7"/>
+          <p:cNvPr id="6" name="Нижний колонтитул 5"/>
           <p:cNvSpPr>
             <a:spLocks noGrp="1"/>
           </p:cNvSpPr>
@@ -2275,7 +1798,7 @@
       </p:sp>
       <p:sp>
         <p:nvSpPr>
-          <p:cNvPr id="9" name="Slide Number Placeholder 8"/>
+          <p:cNvPr id="7" name="Номер слайда 6"/>
           <p:cNvSpPr>
             <a:spLocks noGrp="1"/>
           </p:cNvSpPr>
@@ -2300,12 +1823,13 @@
   <p:clrMapOvr>
     <a:masterClrMapping/>
   </p:clrMapOvr>
+  <p:hf sldNum="0" hdr="0" ftr="0" dt="0"/>
 </p:sldLayout>
 </file>
 
-<file path=ppt/slideLayouts/slideLayout6.xml><?xml version="1.0" encoding="utf-8"?>
-<p:sldLayout xmlns:a="http://schemas.openxmlformats.org/drawingml/2006/main" xmlns:r="http://schemas.openxmlformats.org/officeDocument/2006/relationships" xmlns:p="http://schemas.openxmlformats.org/presentationml/2006/main" type="titleOnly" preserve="1">
-  <p:cSld name="Title Only">
+<file path=ppt/slideLayouts/slideLayout5.xml><?xml version="1.0" encoding="utf-8"?>
+<p:sldLayout xmlns:a="http://schemas.openxmlformats.org/drawingml/2006/main" xmlns:r="http://schemas.openxmlformats.org/officeDocument/2006/relationships" xmlns:p="http://schemas.openxmlformats.org/presentationml/2006/main" type="twoTxTwoObj" preserve="1">
+  <p:cSld name="Сравнение">
     <p:spTree>
       <p:nvGrpSpPr>
         <p:cNvPr id="1" name=""/>
@@ -2322,7 +1846,7 @@
       </p:grpSpPr>
       <p:sp>
         <p:nvSpPr>
-          <p:cNvPr id="2" name="Title 1"/>
+          <p:cNvPr id="2" name="Заголовок 1"/>
           <p:cNvSpPr>
             <a:spLocks noGrp="1"/>
           </p:cNvSpPr>
@@ -2332,35 +1856,279 @@
         </p:nvSpPr>
         <p:spPr>
           <a:xfrm>
-            <a:off x="838200" y="2766219"/>
+            <a:off x="839788" y="365125"/>
             <a:ext cx="10515600" cy="1325563"/>
           </a:xfrm>
         </p:spPr>
         <p:txBody>
-          <a:bodyPr>
-            <a:normAutofit/>
-          </a:bodyPr>
+          <a:bodyPr/>
+          <a:lstStyle/>
+          <a:p>
+            <a:r>
+              <a:rPr lang="ru-RU" smtClean="0"/>
+              <a:t>Образец заголовка</a:t>
+            </a:r>
+            <a:endParaRPr lang="ru-RU"/>
+          </a:p>
+        </p:txBody>
+      </p:sp>
+      <p:sp>
+        <p:nvSpPr>
+          <p:cNvPr id="3" name="Текст 2"/>
+          <p:cNvSpPr>
+            <a:spLocks noGrp="1"/>
+          </p:cNvSpPr>
+          <p:nvPr>
+            <p:ph type="body" idx="1"/>
+          </p:nvPr>
+        </p:nvSpPr>
+        <p:spPr>
+          <a:xfrm>
+            <a:off x="839788" y="1681163"/>
+            <a:ext cx="5157787" cy="823912"/>
+          </a:xfrm>
+        </p:spPr>
+        <p:txBody>
+          <a:bodyPr anchor="b"/>
           <a:lstStyle>
-            <a:lvl1pPr algn="ctr">
-              <a:defRPr sz="4400" b="0">
-                <a:effectLst/>
-                <a:latin typeface="Calibri Light" panose="020F0302020204030204" pitchFamily="34" charset="0"/>
-                <a:cs typeface="Calibri Light" panose="020F0302020204030204" pitchFamily="34" charset="0"/>
-              </a:defRPr>
+            <a:lvl1pPr marL="0" indent="0">
+              <a:buNone/>
+              <a:defRPr sz="1800" b="1"/>
             </a:lvl1pPr>
+            <a:lvl2pPr marL="342900" indent="0">
+              <a:buNone/>
+              <a:defRPr sz="1500" b="1"/>
+            </a:lvl2pPr>
+            <a:lvl3pPr marL="685800" indent="0">
+              <a:buNone/>
+              <a:defRPr sz="1350" b="1"/>
+            </a:lvl3pPr>
+            <a:lvl4pPr marL="1028700" indent="0">
+              <a:buNone/>
+              <a:defRPr sz="1200" b="1"/>
+            </a:lvl4pPr>
+            <a:lvl5pPr marL="1371600" indent="0">
+              <a:buNone/>
+              <a:defRPr sz="1200" b="1"/>
+            </a:lvl5pPr>
+            <a:lvl6pPr marL="1714500" indent="0">
+              <a:buNone/>
+              <a:defRPr sz="1200" b="1"/>
+            </a:lvl6pPr>
+            <a:lvl7pPr marL="2057400" indent="0">
+              <a:buNone/>
+              <a:defRPr sz="1200" b="1"/>
+            </a:lvl7pPr>
+            <a:lvl8pPr marL="2400300" indent="0">
+              <a:buNone/>
+              <a:defRPr sz="1200" b="1"/>
+            </a:lvl8pPr>
+            <a:lvl9pPr marL="2743200" indent="0">
+              <a:buNone/>
+              <a:defRPr sz="1200" b="1"/>
+            </a:lvl9pPr>
           </a:lstStyle>
           <a:p>
-            <a:r>
-              <a:rPr lang="en-US" dirty="0"/>
-              <a:t>Click to edit Master title style</a:t>
-            </a:r>
-            <a:endParaRPr lang="en-US" dirty="0"/>
-          </a:p>
-        </p:txBody>
-      </p:sp>
-      <p:sp>
-        <p:nvSpPr>
-          <p:cNvPr id="3" name="Date Placeholder 2"/>
+            <a:pPr lvl="0"/>
+            <a:r>
+              <a:rPr lang="ru-RU" smtClean="0"/>
+              <a:t>Образец текста</a:t>
+            </a:r>
+            <a:endParaRPr lang="ru-RU" smtClean="0"/>
+          </a:p>
+        </p:txBody>
+      </p:sp>
+      <p:sp>
+        <p:nvSpPr>
+          <p:cNvPr id="4" name="Объект 3"/>
+          <p:cNvSpPr>
+            <a:spLocks noGrp="1"/>
+          </p:cNvSpPr>
+          <p:nvPr>
+            <p:ph sz="half" idx="2"/>
+          </p:nvPr>
+        </p:nvSpPr>
+        <p:spPr>
+          <a:xfrm>
+            <a:off x="839788" y="2505075"/>
+            <a:ext cx="5157787" cy="3684588"/>
+          </a:xfrm>
+        </p:spPr>
+        <p:txBody>
+          <a:bodyPr/>
+          <a:lstStyle/>
+          <a:p>
+            <a:pPr lvl="0"/>
+            <a:r>
+              <a:rPr lang="ru-RU" smtClean="0"/>
+              <a:t>Образец текста</a:t>
+            </a:r>
+            <a:endParaRPr lang="ru-RU" smtClean="0"/>
+          </a:p>
+          <a:p>
+            <a:pPr lvl="1"/>
+            <a:r>
+              <a:rPr lang="ru-RU" smtClean="0"/>
+              <a:t>Второй уровень</a:t>
+            </a:r>
+            <a:endParaRPr lang="ru-RU" smtClean="0"/>
+          </a:p>
+          <a:p>
+            <a:pPr lvl="2"/>
+            <a:r>
+              <a:rPr lang="ru-RU" smtClean="0"/>
+              <a:t>Третий уровень</a:t>
+            </a:r>
+            <a:endParaRPr lang="ru-RU" smtClean="0"/>
+          </a:p>
+          <a:p>
+            <a:pPr lvl="3"/>
+            <a:r>
+              <a:rPr lang="ru-RU" smtClean="0"/>
+              <a:t>Четвертый уровень</a:t>
+            </a:r>
+            <a:endParaRPr lang="ru-RU" smtClean="0"/>
+          </a:p>
+          <a:p>
+            <a:pPr lvl="4"/>
+            <a:r>
+              <a:rPr lang="ru-RU" smtClean="0"/>
+              <a:t>Пятый уровень</a:t>
+            </a:r>
+            <a:endParaRPr lang="ru-RU"/>
+          </a:p>
+        </p:txBody>
+      </p:sp>
+      <p:sp>
+        <p:nvSpPr>
+          <p:cNvPr id="5" name="Текст 4"/>
+          <p:cNvSpPr>
+            <a:spLocks noGrp="1"/>
+          </p:cNvSpPr>
+          <p:nvPr>
+            <p:ph type="body" sz="quarter" idx="3"/>
+          </p:nvPr>
+        </p:nvSpPr>
+        <p:spPr>
+          <a:xfrm>
+            <a:off x="6172200" y="1681163"/>
+            <a:ext cx="5183188" cy="823912"/>
+          </a:xfrm>
+        </p:spPr>
+        <p:txBody>
+          <a:bodyPr anchor="b"/>
+          <a:lstStyle>
+            <a:lvl1pPr marL="0" indent="0">
+              <a:buNone/>
+              <a:defRPr sz="1800" b="1"/>
+            </a:lvl1pPr>
+            <a:lvl2pPr marL="342900" indent="0">
+              <a:buNone/>
+              <a:defRPr sz="1500" b="1"/>
+            </a:lvl2pPr>
+            <a:lvl3pPr marL="685800" indent="0">
+              <a:buNone/>
+              <a:defRPr sz="1350" b="1"/>
+            </a:lvl3pPr>
+            <a:lvl4pPr marL="1028700" indent="0">
+              <a:buNone/>
+              <a:defRPr sz="1200" b="1"/>
+            </a:lvl4pPr>
+            <a:lvl5pPr marL="1371600" indent="0">
+              <a:buNone/>
+              <a:defRPr sz="1200" b="1"/>
+            </a:lvl5pPr>
+            <a:lvl6pPr marL="1714500" indent="0">
+              <a:buNone/>
+              <a:defRPr sz="1200" b="1"/>
+            </a:lvl6pPr>
+            <a:lvl7pPr marL="2057400" indent="0">
+              <a:buNone/>
+              <a:defRPr sz="1200" b="1"/>
+            </a:lvl7pPr>
+            <a:lvl8pPr marL="2400300" indent="0">
+              <a:buNone/>
+              <a:defRPr sz="1200" b="1"/>
+            </a:lvl8pPr>
+            <a:lvl9pPr marL="2743200" indent="0">
+              <a:buNone/>
+              <a:defRPr sz="1200" b="1"/>
+            </a:lvl9pPr>
+          </a:lstStyle>
+          <a:p>
+            <a:pPr lvl="0"/>
+            <a:r>
+              <a:rPr lang="ru-RU" smtClean="0"/>
+              <a:t>Образец текста</a:t>
+            </a:r>
+            <a:endParaRPr lang="ru-RU" smtClean="0"/>
+          </a:p>
+        </p:txBody>
+      </p:sp>
+      <p:sp>
+        <p:nvSpPr>
+          <p:cNvPr id="6" name="Объект 5"/>
+          <p:cNvSpPr>
+            <a:spLocks noGrp="1"/>
+          </p:cNvSpPr>
+          <p:nvPr>
+            <p:ph sz="quarter" idx="4"/>
+          </p:nvPr>
+        </p:nvSpPr>
+        <p:spPr>
+          <a:xfrm>
+            <a:off x="6172200" y="2505075"/>
+            <a:ext cx="5183188" cy="3684588"/>
+          </a:xfrm>
+        </p:spPr>
+        <p:txBody>
+          <a:bodyPr/>
+          <a:lstStyle/>
+          <a:p>
+            <a:pPr lvl="0"/>
+            <a:r>
+              <a:rPr lang="ru-RU" smtClean="0"/>
+              <a:t>Образец текста</a:t>
+            </a:r>
+            <a:endParaRPr lang="ru-RU" smtClean="0"/>
+          </a:p>
+          <a:p>
+            <a:pPr lvl="1"/>
+            <a:r>
+              <a:rPr lang="ru-RU" smtClean="0"/>
+              <a:t>Второй уровень</a:t>
+            </a:r>
+            <a:endParaRPr lang="ru-RU" smtClean="0"/>
+          </a:p>
+          <a:p>
+            <a:pPr lvl="2"/>
+            <a:r>
+              <a:rPr lang="ru-RU" smtClean="0"/>
+              <a:t>Третий уровень</a:t>
+            </a:r>
+            <a:endParaRPr lang="ru-RU" smtClean="0"/>
+          </a:p>
+          <a:p>
+            <a:pPr lvl="3"/>
+            <a:r>
+              <a:rPr lang="ru-RU" smtClean="0"/>
+              <a:t>Четвертый уровень</a:t>
+            </a:r>
+            <a:endParaRPr lang="ru-RU" smtClean="0"/>
+          </a:p>
+          <a:p>
+            <a:pPr lvl="4"/>
+            <a:r>
+              <a:rPr lang="ru-RU" smtClean="0"/>
+              <a:t>Пятый уровень</a:t>
+            </a:r>
+            <a:endParaRPr lang="ru-RU"/>
+          </a:p>
+        </p:txBody>
+      </p:sp>
+      <p:sp>
+        <p:nvSpPr>
+          <p:cNvPr id="7" name="Дата 6"/>
           <p:cNvSpPr>
             <a:spLocks noGrp="1"/>
           </p:cNvSpPr>
@@ -2382,7 +2150,7 @@
       </p:sp>
       <p:sp>
         <p:nvSpPr>
-          <p:cNvPr id="4" name="Footer Placeholder 3"/>
+          <p:cNvPr id="8" name="Нижний колонтитул 7"/>
           <p:cNvSpPr>
             <a:spLocks noGrp="1"/>
           </p:cNvSpPr>
@@ -2401,7 +2169,7 @@
       </p:sp>
       <p:sp>
         <p:nvSpPr>
-          <p:cNvPr id="5" name="Slide Number Placeholder 4"/>
+          <p:cNvPr id="9" name="Номер слайда 8"/>
           <p:cNvSpPr>
             <a:spLocks noGrp="1"/>
           </p:cNvSpPr>
@@ -2426,12 +2194,13 @@
   <p:clrMapOvr>
     <a:masterClrMapping/>
   </p:clrMapOvr>
+  <p:hf sldNum="0" hdr="0" ftr="0" dt="0"/>
 </p:sldLayout>
 </file>
 
-<file path=ppt/slideLayouts/slideLayout7.xml><?xml version="1.0" encoding="utf-8"?>
-<p:sldLayout xmlns:a="http://schemas.openxmlformats.org/drawingml/2006/main" xmlns:r="http://schemas.openxmlformats.org/officeDocument/2006/relationships" xmlns:p="http://schemas.openxmlformats.org/presentationml/2006/main" type="blank" preserve="1">
-  <p:cSld name="Blank">
+<file path=ppt/slideLayouts/slideLayout6.xml><?xml version="1.0" encoding="utf-8"?>
+<p:sldLayout xmlns:a="http://schemas.openxmlformats.org/drawingml/2006/main" xmlns:r="http://schemas.openxmlformats.org/officeDocument/2006/relationships" xmlns:p="http://schemas.openxmlformats.org/presentationml/2006/main" type="titleOnly" preserve="1">
+  <p:cSld name="Только заголовок">
     <p:spTree>
       <p:nvGrpSpPr>
         <p:cNvPr id="1" name=""/>
@@ -2448,7 +2217,30 @@
       </p:grpSpPr>
       <p:sp>
         <p:nvSpPr>
-          <p:cNvPr id="2" name="Date Placeholder 1"/>
+          <p:cNvPr id="2" name="Заголовок 1"/>
+          <p:cNvSpPr>
+            <a:spLocks noGrp="1"/>
+          </p:cNvSpPr>
+          <p:nvPr>
+            <p:ph type="title"/>
+          </p:nvPr>
+        </p:nvSpPr>
+        <p:spPr/>
+        <p:txBody>
+          <a:bodyPr/>
+          <a:lstStyle/>
+          <a:p>
+            <a:r>
+              <a:rPr lang="ru-RU" smtClean="0"/>
+              <a:t>Образец заголовка</a:t>
+            </a:r>
+            <a:endParaRPr lang="ru-RU"/>
+          </a:p>
+        </p:txBody>
+      </p:sp>
+      <p:sp>
+        <p:nvSpPr>
+          <p:cNvPr id="3" name="Дата 2"/>
           <p:cNvSpPr>
             <a:spLocks noGrp="1"/>
           </p:cNvSpPr>
@@ -2470,7 +2262,7 @@
       </p:sp>
       <p:sp>
         <p:nvSpPr>
-          <p:cNvPr id="3" name="Footer Placeholder 2"/>
+          <p:cNvPr id="4" name="Нижний колонтитул 3"/>
           <p:cNvSpPr>
             <a:spLocks noGrp="1"/>
           </p:cNvSpPr>
@@ -2489,7 +2281,7 @@
       </p:sp>
       <p:sp>
         <p:nvSpPr>
-          <p:cNvPr id="4" name="Slide Number Placeholder 3"/>
+          <p:cNvPr id="5" name="Номер слайда 4"/>
           <p:cNvSpPr>
             <a:spLocks noGrp="1"/>
           </p:cNvSpPr>
@@ -2514,12 +2306,13 @@
   <p:clrMapOvr>
     <a:masterClrMapping/>
   </p:clrMapOvr>
+  <p:hf sldNum="0" hdr="0" ftr="0" dt="0"/>
 </p:sldLayout>
 </file>
 
-<file path=ppt/slideLayouts/slideLayout8.xml><?xml version="1.0" encoding="utf-8"?>
-<p:sldLayout xmlns:a="http://schemas.openxmlformats.org/drawingml/2006/main" xmlns:r="http://schemas.openxmlformats.org/officeDocument/2006/relationships" xmlns:p="http://schemas.openxmlformats.org/presentationml/2006/main" type="picTx" preserve="1">
-  <p:cSld name="Picture with Caption">
+<file path=ppt/slideLayouts/slideLayout7.xml><?xml version="1.0" encoding="utf-8"?>
+<p:sldLayout xmlns:a="http://schemas.openxmlformats.org/drawingml/2006/main" xmlns:r="http://schemas.openxmlformats.org/officeDocument/2006/relationships" xmlns:p="http://schemas.openxmlformats.org/presentationml/2006/main" type="blank" preserve="1">
+  <p:cSld name="Пустой слайд">
     <p:spTree>
       <p:nvGrpSpPr>
         <p:cNvPr id="1" name=""/>
@@ -2536,177 +2329,7 @@
       </p:grpSpPr>
       <p:sp>
         <p:nvSpPr>
-          <p:cNvPr id="2" name="Title 1"/>
-          <p:cNvSpPr>
-            <a:spLocks noGrp="1"/>
-          </p:cNvSpPr>
-          <p:nvPr>
-            <p:ph type="title"/>
-          </p:nvPr>
-        </p:nvSpPr>
-        <p:spPr>
-          <a:xfrm>
-            <a:off x="646747" y="127000"/>
-            <a:ext cx="4165200" cy="1600200"/>
-          </a:xfrm>
-        </p:spPr>
-        <p:txBody>
-          <a:bodyPr anchor="ctr" anchorCtr="0">
-            <a:normAutofit/>
-          </a:bodyPr>
-          <a:lstStyle>
-            <a:lvl1pPr>
-              <a:defRPr sz="3200" b="0">
-                <a:effectLst/>
-                <a:latin typeface="Calibri Light" panose="020F0302020204030204" pitchFamily="34" charset="0"/>
-                <a:cs typeface="Calibri Light" panose="020F0302020204030204" pitchFamily="34" charset="0"/>
-              </a:defRPr>
-            </a:lvl1pPr>
-          </a:lstStyle>
-          <a:p>
-            <a:r>
-              <a:rPr lang="en-US" dirty="0"/>
-              <a:t>Click to edit Master title style</a:t>
-            </a:r>
-            <a:endParaRPr lang="en-US" dirty="0"/>
-          </a:p>
-        </p:txBody>
-      </p:sp>
-      <p:sp>
-        <p:nvSpPr>
-          <p:cNvPr id="3" name="Picture Placeholder 2"/>
-          <p:cNvSpPr>
-            <a:spLocks noGrp="1" noChangeAspect="1"/>
-          </p:cNvSpPr>
-          <p:nvPr>
-            <p:ph type="pic" idx="1"/>
-          </p:nvPr>
-        </p:nvSpPr>
-        <p:spPr>
-          <a:xfrm>
-            <a:off x="5184000" y="766354"/>
-            <a:ext cx="5817375" cy="5094446"/>
-          </a:xfrm>
-        </p:spPr>
-        <p:txBody>
-          <a:bodyPr/>
-          <a:lstStyle>
-            <a:lvl1pPr marL="0" indent="0">
-              <a:buNone/>
-              <a:defRPr sz="3200"/>
-            </a:lvl1pPr>
-            <a:lvl2pPr marL="457200" indent="0">
-              <a:buNone/>
-              <a:defRPr sz="2800"/>
-            </a:lvl2pPr>
-            <a:lvl3pPr marL="914400" indent="0">
-              <a:buNone/>
-              <a:defRPr sz="2400"/>
-            </a:lvl3pPr>
-            <a:lvl4pPr marL="1371600" indent="0">
-              <a:buNone/>
-              <a:defRPr sz="2000"/>
-            </a:lvl4pPr>
-            <a:lvl5pPr marL="1828800" indent="0">
-              <a:buNone/>
-              <a:defRPr sz="2000"/>
-            </a:lvl5pPr>
-            <a:lvl6pPr marL="2286000" indent="0">
-              <a:buNone/>
-              <a:defRPr sz="2000"/>
-            </a:lvl6pPr>
-            <a:lvl7pPr marL="2743200" indent="0">
-              <a:buNone/>
-              <a:defRPr sz="2000"/>
-            </a:lvl7pPr>
-            <a:lvl8pPr marL="3200400" indent="0">
-              <a:buNone/>
-              <a:defRPr sz="2000"/>
-            </a:lvl8pPr>
-            <a:lvl9pPr marL="3657600" indent="0">
-              <a:buNone/>
-              <a:defRPr sz="2000"/>
-            </a:lvl9pPr>
-          </a:lstStyle>
-          <a:p>
-            <a:endParaRPr lang="en-US" dirty="0"/>
-          </a:p>
-        </p:txBody>
-      </p:sp>
-      <p:sp>
-        <p:nvSpPr>
-          <p:cNvPr id="4" name="Text Placeholder 3"/>
-          <p:cNvSpPr>
-            <a:spLocks noGrp="1"/>
-          </p:cNvSpPr>
-          <p:nvPr>
-            <p:ph type="body" sz="half" idx="2"/>
-          </p:nvPr>
-        </p:nvSpPr>
-        <p:spPr>
-          <a:xfrm>
-            <a:off x="651827" y="2057400"/>
-            <a:ext cx="4165200" cy="3811588"/>
-          </a:xfrm>
-        </p:spPr>
-        <p:txBody>
-          <a:bodyPr>
-            <a:normAutofit/>
-          </a:bodyPr>
-          <a:lstStyle>
-            <a:lvl1pPr marL="0" indent="0">
-              <a:lnSpc>
-                <a:spcPct val="150000"/>
-              </a:lnSpc>
-              <a:buNone/>
-              <a:defRPr sz="1600"/>
-            </a:lvl1pPr>
-            <a:lvl2pPr marL="457200" indent="0">
-              <a:buNone/>
-              <a:defRPr sz="1400"/>
-            </a:lvl2pPr>
-            <a:lvl3pPr marL="914400" indent="0">
-              <a:buNone/>
-              <a:defRPr sz="1200"/>
-            </a:lvl3pPr>
-            <a:lvl4pPr marL="1371600" indent="0">
-              <a:buNone/>
-              <a:defRPr sz="1000"/>
-            </a:lvl4pPr>
-            <a:lvl5pPr marL="1828800" indent="0">
-              <a:buNone/>
-              <a:defRPr sz="1000"/>
-            </a:lvl5pPr>
-            <a:lvl6pPr marL="2286000" indent="0">
-              <a:buNone/>
-              <a:defRPr sz="1000"/>
-            </a:lvl6pPr>
-            <a:lvl7pPr marL="2743200" indent="0">
-              <a:buNone/>
-              <a:defRPr sz="1000"/>
-            </a:lvl7pPr>
-            <a:lvl8pPr marL="3200400" indent="0">
-              <a:buNone/>
-              <a:defRPr sz="1000"/>
-            </a:lvl8pPr>
-            <a:lvl9pPr marL="3657600" indent="0">
-              <a:buNone/>
-              <a:defRPr sz="1000"/>
-            </a:lvl9pPr>
-          </a:lstStyle>
-          <a:p>
-            <a:pPr lvl="0"/>
-            <a:r>
-              <a:rPr lang="en-US" dirty="0"/>
-              <a:t>Click to edit Master text styles</a:t>
-            </a:r>
-            <a:endParaRPr lang="en-US" dirty="0"/>
-          </a:p>
-        </p:txBody>
-      </p:sp>
-      <p:sp>
-        <p:nvSpPr>
-          <p:cNvPr id="5" name="Date Placeholder 4"/>
+          <p:cNvPr id="2" name="Дата 1"/>
           <p:cNvSpPr>
             <a:spLocks noGrp="1"/>
           </p:cNvSpPr>
@@ -2719,16 +2342,16 @@
           <a:bodyPr/>
           <a:lstStyle/>
           <a:p>
-            <a:fld id="{9EFD9D74-47D9-4702-A33C-335B63B48DBF}" type="datetimeFigureOut">
+            <a:fld id="{760FBDFE-C587-4B4C-A407-44438C67B59E}" type="datetimeFigureOut">
               <a:rPr lang="en-US" smtClean="0"/>
             </a:fld>
-            <a:endParaRPr lang="en-US" dirty="0"/>
-          </a:p>
-        </p:txBody>
-      </p:sp>
-      <p:sp>
-        <p:nvSpPr>
-          <p:cNvPr id="6" name="Footer Placeholder 5"/>
+            <a:endParaRPr lang="en-US"/>
+          </a:p>
+        </p:txBody>
+      </p:sp>
+      <p:sp>
+        <p:nvSpPr>
+          <p:cNvPr id="3" name="Нижний колонтитул 2"/>
           <p:cNvSpPr>
             <a:spLocks noGrp="1"/>
           </p:cNvSpPr>
@@ -2741,13 +2364,13 @@
           <a:bodyPr/>
           <a:lstStyle/>
           <a:p>
-            <a:endParaRPr lang="en-US" dirty="0"/>
-          </a:p>
-        </p:txBody>
-      </p:sp>
-      <p:sp>
-        <p:nvSpPr>
-          <p:cNvPr id="7" name="Slide Number Placeholder 6"/>
+            <a:endParaRPr lang="en-US"/>
+          </a:p>
+        </p:txBody>
+      </p:sp>
+      <p:sp>
+        <p:nvSpPr>
+          <p:cNvPr id="4" name="Номер слайда 3"/>
           <p:cNvSpPr>
             <a:spLocks noGrp="1"/>
           </p:cNvSpPr>
@@ -2760,7 +2383,7 @@
           <a:bodyPr/>
           <a:lstStyle/>
           <a:p>
-            <a:fld id="{FABC47A4-756D-490B-A52F-7D9E2C9FC05F}" type="slidenum">
+            <a:fld id="{49AE70B2-8BF9-45C0-BB95-33D1B9D3A854}" type="slidenum">
               <a:rPr lang="en-US" smtClean="0"/>
             </a:fld>
             <a:endParaRPr lang="en-US"/>
@@ -2772,12 +2395,13 @@
   <p:clrMapOvr>
     <a:masterClrMapping/>
   </p:clrMapOvr>
+  <p:hf sldNum="0" hdr="0" ftr="0" dt="0"/>
 </p:sldLayout>
 </file>
 
-<file path=ppt/slideLayouts/slideLayout9.xml><?xml version="1.0" encoding="utf-8"?>
-<p:sldLayout xmlns:a="http://schemas.openxmlformats.org/drawingml/2006/main" xmlns:r="http://schemas.openxmlformats.org/officeDocument/2006/relationships" xmlns:p="http://schemas.openxmlformats.org/presentationml/2006/main" type="vertTitleAndTx" preserve="1">
-  <p:cSld name="Vertical Title and Text">
+<file path=ppt/slideLayouts/slideLayout8.xml><?xml version="1.0" encoding="utf-8"?>
+<p:sldLayout xmlns:a="http://schemas.openxmlformats.org/drawingml/2006/main" xmlns:r="http://schemas.openxmlformats.org/officeDocument/2006/relationships" xmlns:p="http://schemas.openxmlformats.org/presentationml/2006/main" type="objTx" preserve="1">
+  <p:cSld name="Объект с подписью">
     <p:spTree>
       <p:nvGrpSpPr>
         <p:cNvPr id="1" name=""/>
@@ -2794,107 +2418,219 @@
       </p:grpSpPr>
       <p:sp>
         <p:nvSpPr>
-          <p:cNvPr id="2" name="Vertical Title 1"/>
-          <p:cNvSpPr>
-            <a:spLocks noGrp="1"/>
-          </p:cNvSpPr>
-          <p:nvPr>
-            <p:ph type="title" orient="vert"/>
+          <p:cNvPr id="2" name="Заголовок 1"/>
+          <p:cNvSpPr>
+            <a:spLocks noGrp="1"/>
+          </p:cNvSpPr>
+          <p:nvPr>
+            <p:ph type="title"/>
           </p:nvPr>
         </p:nvSpPr>
         <p:spPr>
           <a:xfrm>
-            <a:off x="9824484" y="365125"/>
-            <a:ext cx="1529316" cy="5811838"/>
+            <a:off x="839788" y="457200"/>
+            <a:ext cx="3932237" cy="1600200"/>
           </a:xfrm>
         </p:spPr>
         <p:txBody>
-          <a:bodyPr vert="eaVert">
-            <a:normAutofit/>
-          </a:bodyPr>
+          <a:bodyPr anchor="b"/>
           <a:lstStyle>
             <a:lvl1pPr>
-              <a:defRPr sz="4400"/>
+              <a:defRPr sz="2400"/>
             </a:lvl1pPr>
           </a:lstStyle>
           <a:p>
             <a:r>
-              <a:rPr lang="en-US"/>
-              <a:t>Click to edit Master title style</a:t>
-            </a:r>
-            <a:endParaRPr lang="en-US"/>
-          </a:p>
-        </p:txBody>
-      </p:sp>
-      <p:sp>
-        <p:nvSpPr>
-          <p:cNvPr id="3" name="Vertical Text Placeholder 2"/>
-          <p:cNvSpPr>
-            <a:spLocks noGrp="1"/>
-          </p:cNvSpPr>
-          <p:nvPr>
-            <p:ph type="body" orient="vert" idx="1"/>
+              <a:rPr lang="ru-RU" smtClean="0"/>
+              <a:t>Образец заголовка</a:t>
+            </a:r>
+            <a:endParaRPr lang="ru-RU"/>
+          </a:p>
+        </p:txBody>
+      </p:sp>
+      <p:sp>
+        <p:nvSpPr>
+          <p:cNvPr id="3" name="Объект 2"/>
+          <p:cNvSpPr>
+            <a:spLocks noGrp="1"/>
+          </p:cNvSpPr>
+          <p:nvPr>
+            <p:ph idx="1"/>
           </p:nvPr>
         </p:nvSpPr>
         <p:spPr>
           <a:xfrm>
-            <a:off x="838200" y="365125"/>
-            <a:ext cx="8879958" cy="5811838"/>
+            <a:off x="5183188" y="987425"/>
+            <a:ext cx="6172200" cy="4873625"/>
           </a:xfrm>
         </p:spPr>
         <p:txBody>
-          <a:bodyPr vert="eaVert"/>
+          <a:bodyPr/>
+          <a:lstStyle>
+            <a:lvl1pPr>
+              <a:defRPr sz="2400"/>
+            </a:lvl1pPr>
+            <a:lvl2pPr>
+              <a:defRPr sz="2100"/>
+            </a:lvl2pPr>
+            <a:lvl3pPr>
+              <a:defRPr sz="1800"/>
+            </a:lvl3pPr>
+            <a:lvl4pPr>
+              <a:defRPr sz="1500"/>
+            </a:lvl4pPr>
+            <a:lvl5pPr>
+              <a:defRPr sz="1500"/>
+            </a:lvl5pPr>
+            <a:lvl6pPr>
+              <a:defRPr sz="1500"/>
+            </a:lvl6pPr>
+            <a:lvl7pPr>
+              <a:defRPr sz="1500"/>
+            </a:lvl7pPr>
+            <a:lvl8pPr>
+              <a:defRPr sz="1500"/>
+            </a:lvl8pPr>
+            <a:lvl9pPr>
+              <a:defRPr sz="1500"/>
+            </a:lvl9pPr>
+          </a:lstStyle>
+          <a:p>
+            <a:pPr lvl="0"/>
+            <a:r>
+              <a:rPr lang="ru-RU" smtClean="0"/>
+              <a:t>Образец текста</a:t>
+            </a:r>
+            <a:endParaRPr lang="ru-RU" smtClean="0"/>
+          </a:p>
+          <a:p>
+            <a:pPr lvl="1"/>
+            <a:r>
+              <a:rPr lang="ru-RU" smtClean="0"/>
+              <a:t>Второй уровень</a:t>
+            </a:r>
+            <a:endParaRPr lang="ru-RU" smtClean="0"/>
+          </a:p>
+          <a:p>
+            <a:pPr lvl="2"/>
+            <a:r>
+              <a:rPr lang="ru-RU" smtClean="0"/>
+              <a:t>Третий уровень</a:t>
+            </a:r>
+            <a:endParaRPr lang="ru-RU" smtClean="0"/>
+          </a:p>
+          <a:p>
+            <a:pPr lvl="3"/>
+            <a:r>
+              <a:rPr lang="ru-RU" smtClean="0"/>
+              <a:t>Четвертый уровень</a:t>
+            </a:r>
+            <a:endParaRPr lang="ru-RU" smtClean="0"/>
+          </a:p>
+          <a:p>
+            <a:pPr lvl="4"/>
+            <a:r>
+              <a:rPr lang="ru-RU" smtClean="0"/>
+              <a:t>Пятый уровень</a:t>
+            </a:r>
+            <a:endParaRPr lang="ru-RU"/>
+          </a:p>
+        </p:txBody>
+      </p:sp>
+      <p:sp>
+        <p:nvSpPr>
+          <p:cNvPr id="4" name="Текст 3"/>
+          <p:cNvSpPr>
+            <a:spLocks noGrp="1"/>
+          </p:cNvSpPr>
+          <p:nvPr>
+            <p:ph type="body" sz="half" idx="2"/>
+          </p:nvPr>
+        </p:nvSpPr>
+        <p:spPr>
+          <a:xfrm>
+            <a:off x="839788" y="2057400"/>
+            <a:ext cx="3932237" cy="3811588"/>
+          </a:xfrm>
+        </p:spPr>
+        <p:txBody>
+          <a:bodyPr/>
+          <a:lstStyle>
+            <a:lvl1pPr marL="0" indent="0">
+              <a:buNone/>
+              <a:defRPr sz="1200"/>
+            </a:lvl1pPr>
+            <a:lvl2pPr marL="342900" indent="0">
+              <a:buNone/>
+              <a:defRPr sz="1050"/>
+            </a:lvl2pPr>
+            <a:lvl3pPr marL="685800" indent="0">
+              <a:buNone/>
+              <a:defRPr sz="900"/>
+            </a:lvl3pPr>
+            <a:lvl4pPr marL="1028700" indent="0">
+              <a:buNone/>
+              <a:defRPr sz="750"/>
+            </a:lvl4pPr>
+            <a:lvl5pPr marL="1371600" indent="0">
+              <a:buNone/>
+              <a:defRPr sz="750"/>
+            </a:lvl5pPr>
+            <a:lvl6pPr marL="1714500" indent="0">
+              <a:buNone/>
+              <a:defRPr sz="750"/>
+            </a:lvl6pPr>
+            <a:lvl7pPr marL="2057400" indent="0">
+              <a:buNone/>
+              <a:defRPr sz="750"/>
+            </a:lvl7pPr>
+            <a:lvl8pPr marL="2400300" indent="0">
+              <a:buNone/>
+              <a:defRPr sz="750"/>
+            </a:lvl8pPr>
+            <a:lvl9pPr marL="2743200" indent="0">
+              <a:buNone/>
+              <a:defRPr sz="750"/>
+            </a:lvl9pPr>
+          </a:lstStyle>
+          <a:p>
+            <a:pPr lvl="0"/>
+            <a:r>
+              <a:rPr lang="ru-RU" smtClean="0"/>
+              <a:t>Образец текста</a:t>
+            </a:r>
+            <a:endParaRPr lang="ru-RU" smtClean="0"/>
+          </a:p>
+        </p:txBody>
+      </p:sp>
+      <p:sp>
+        <p:nvSpPr>
+          <p:cNvPr id="5" name="Дата 4"/>
+          <p:cNvSpPr>
+            <a:spLocks noGrp="1"/>
+          </p:cNvSpPr>
+          <p:nvPr>
+            <p:ph type="dt" sz="half" idx="10"/>
+          </p:nvPr>
+        </p:nvSpPr>
+        <p:spPr/>
+        <p:txBody>
+          <a:bodyPr/>
           <a:lstStyle/>
           <a:p>
             <a:pPr lvl="0"/>
-            <a:r>
-              <a:rPr lang="en-US" dirty="0"/>
-              <a:t>Click to edit Master text styles</a:t>
-            </a:r>
-            <a:endParaRPr lang="en-US" dirty="0"/>
-          </a:p>
-          <a:p>
-            <a:pPr lvl="1"/>
-            <a:r>
-              <a:rPr lang="en-US" dirty="0"/>
-              <a:t>Second level</a:t>
-            </a:r>
-            <a:endParaRPr lang="en-US" dirty="0"/>
-          </a:p>
-          <a:p>
-            <a:pPr lvl="2"/>
-            <a:r>
-              <a:rPr lang="en-US" dirty="0"/>
-              <a:t>Third level</a:t>
-            </a:r>
-            <a:endParaRPr lang="en-US" dirty="0"/>
-          </a:p>
-          <a:p>
-            <a:pPr lvl="3"/>
-            <a:r>
-              <a:rPr lang="en-US" dirty="0"/>
-              <a:t>Fourth level</a:t>
-            </a:r>
-            <a:endParaRPr lang="en-US" dirty="0"/>
-          </a:p>
-          <a:p>
-            <a:pPr lvl="4"/>
-            <a:r>
-              <a:rPr lang="en-US" dirty="0"/>
-              <a:t>Fifth level</a:t>
-            </a:r>
-            <a:endParaRPr lang="en-US" dirty="0"/>
-          </a:p>
-        </p:txBody>
-      </p:sp>
-      <p:sp>
-        <p:nvSpPr>
-          <p:cNvPr id="4" name="Date Placeholder 3"/>
-          <p:cNvSpPr>
-            <a:spLocks noGrp="1"/>
-          </p:cNvSpPr>
-          <p:nvPr>
-            <p:ph type="dt" sz="half" idx="10"/>
+            <a:endParaRPr lang="en-US"/>
+          </a:p>
+        </p:txBody>
+      </p:sp>
+      <p:sp>
+        <p:nvSpPr>
+          <p:cNvPr id="6" name="Нижний колонтитул 5"/>
+          <p:cNvSpPr>
+            <a:spLocks noGrp="1"/>
+          </p:cNvSpPr>
+          <p:nvPr>
+            <p:ph type="ftr" sz="quarter" idx="11"/>
           </p:nvPr>
         </p:nvSpPr>
         <p:spPr/>
@@ -2902,21 +2638,19 @@
           <a:bodyPr/>
           <a:lstStyle/>
           <a:p>
-            <a:fld id="{760FBDFE-C587-4B4C-A407-44438C67B59E}" type="datetimeFigureOut">
-              <a:rPr lang="en-US" smtClean="0"/>
-            </a:fld>
+            <a:pPr lvl="0"/>
             <a:endParaRPr lang="en-US"/>
           </a:p>
         </p:txBody>
       </p:sp>
       <p:sp>
         <p:nvSpPr>
-          <p:cNvPr id="5" name="Footer Placeholder 4"/>
-          <p:cNvSpPr>
-            <a:spLocks noGrp="1"/>
-          </p:cNvSpPr>
-          <p:nvPr>
-            <p:ph type="ftr" sz="quarter" idx="11"/>
+          <p:cNvPr id="7" name="Номер слайда 6"/>
+          <p:cNvSpPr>
+            <a:spLocks noGrp="1"/>
+          </p:cNvSpPr>
+          <p:nvPr>
+            <p:ph type="sldNum" sz="quarter" idx="12"/>
           </p:nvPr>
         </p:nvSpPr>
         <p:spPr/>
@@ -2924,27 +2658,9 @@
           <a:bodyPr/>
           <a:lstStyle/>
           <a:p>
-            <a:endParaRPr lang="en-US"/>
-          </a:p>
-        </p:txBody>
-      </p:sp>
-      <p:sp>
-        <p:nvSpPr>
-          <p:cNvPr id="6" name="Slide Number Placeholder 5"/>
-          <p:cNvSpPr>
-            <a:spLocks noGrp="1"/>
-          </p:cNvSpPr>
-          <p:nvPr>
-            <p:ph type="sldNum" sz="quarter" idx="12"/>
-          </p:nvPr>
-        </p:nvSpPr>
-        <p:spPr/>
-        <p:txBody>
-          <a:bodyPr/>
-          <a:lstStyle/>
-          <a:p>
-            <a:fld id="{49AE70B2-8BF9-45C0-BB95-33D1B9D3A854}" type="slidenum">
-              <a:rPr lang="en-US" smtClean="0"/>
+            <a:pPr lvl="0"/>
+            <a:fld id="{9A0DB2DC-4C9A-4742-B13C-FB6460FD3503}" type="slidenum">
+              <a:rPr lang="en-US"/>
             </a:fld>
             <a:endParaRPr lang="en-US"/>
           </a:p>
@@ -2955,20 +2671,13 @@
   <p:clrMapOvr>
     <a:masterClrMapping/>
   </p:clrMapOvr>
+  <p:hf sldNum="0" hdr="0" ftr="0" dt="0"/>
 </p:sldLayout>
 </file>
 
-<file path=ppt/slideMasters/slideMaster1.xml><?xml version="1.0" encoding="utf-8"?>
-<p:sldMaster xmlns:a="http://schemas.openxmlformats.org/drawingml/2006/main" xmlns:r="http://schemas.openxmlformats.org/officeDocument/2006/relationships" xmlns:p="http://schemas.openxmlformats.org/presentationml/2006/main">
-  <p:cSld>
-    <p:bg>
-      <p:bgPr>
-        <a:solidFill>
-          <a:schemeClr val="bg1"/>
-        </a:solidFill>
-        <a:effectLst/>
-      </p:bgPr>
-    </p:bg>
+<file path=ppt/slideLayouts/slideLayout9.xml><?xml version="1.0" encoding="utf-8"?>
+<p:sldLayout xmlns:a="http://schemas.openxmlformats.org/drawingml/2006/main" xmlns:r="http://schemas.openxmlformats.org/officeDocument/2006/relationships" xmlns:p="http://schemas.openxmlformats.org/presentationml/2006/main" type="picTx" preserve="1">
+  <p:cSld name="Рисунок с подписью">
     <p:spTree>
       <p:nvGrpSpPr>
         <p:cNvPr id="1" name=""/>
@@ -2985,7 +2694,7 @@
       </p:grpSpPr>
       <p:sp>
         <p:nvSpPr>
-          <p:cNvPr id="2" name="Title Placeholder 1"/>
+          <p:cNvPr id="2" name="Заголовок 1"/>
           <p:cNvSpPr>
             <a:spLocks noGrp="1"/>
           </p:cNvSpPr>
@@ -2995,140 +2704,357 @@
         </p:nvSpPr>
         <p:spPr>
           <a:xfrm>
-            <a:off x="838200" y="365125"/>
-            <a:ext cx="10515600" cy="1325563"/>
+            <a:off x="839788" y="457200"/>
+            <a:ext cx="3932237" cy="1600200"/>
+          </a:xfrm>
+        </p:spPr>
+        <p:txBody>
+          <a:bodyPr anchor="b"/>
+          <a:lstStyle>
+            <a:lvl1pPr>
+              <a:defRPr sz="2400"/>
+            </a:lvl1pPr>
+          </a:lstStyle>
+          <a:p>
+            <a:r>
+              <a:rPr lang="ru-RU" smtClean="0"/>
+              <a:t>Образец заголовка</a:t>
+            </a:r>
+            <a:endParaRPr lang="ru-RU"/>
+          </a:p>
+        </p:txBody>
+      </p:sp>
+      <p:sp>
+        <p:nvSpPr>
+          <p:cNvPr id="3" name="Рисунок 2"/>
+          <p:cNvSpPr>
+            <a:spLocks noGrp="1"/>
+          </p:cNvSpPr>
+          <p:nvPr>
+            <p:ph type="pic" idx="1"/>
+          </p:nvPr>
+        </p:nvSpPr>
+        <p:spPr>
+          <a:xfrm>
+            <a:off x="5183188" y="987425"/>
+            <a:ext cx="6172200" cy="4873625"/>
+          </a:xfrm>
+        </p:spPr>
+        <p:txBody>
+          <a:bodyPr/>
+          <a:lstStyle>
+            <a:lvl1pPr marL="0" indent="0">
+              <a:buNone/>
+              <a:defRPr sz="2400"/>
+            </a:lvl1pPr>
+            <a:lvl2pPr marL="342900" indent="0">
+              <a:buNone/>
+              <a:defRPr sz="2100"/>
+            </a:lvl2pPr>
+            <a:lvl3pPr marL="685800" indent="0">
+              <a:buNone/>
+              <a:defRPr sz="1800"/>
+            </a:lvl3pPr>
+            <a:lvl4pPr marL="1028700" indent="0">
+              <a:buNone/>
+              <a:defRPr sz="1500"/>
+            </a:lvl4pPr>
+            <a:lvl5pPr marL="1371600" indent="0">
+              <a:buNone/>
+              <a:defRPr sz="1500"/>
+            </a:lvl5pPr>
+            <a:lvl6pPr marL="1714500" indent="0">
+              <a:buNone/>
+              <a:defRPr sz="1500"/>
+            </a:lvl6pPr>
+            <a:lvl7pPr marL="2057400" indent="0">
+              <a:buNone/>
+              <a:defRPr sz="1500"/>
+            </a:lvl7pPr>
+            <a:lvl8pPr marL="2400300" indent="0">
+              <a:buNone/>
+              <a:defRPr sz="1500"/>
+            </a:lvl8pPr>
+            <a:lvl9pPr marL="2743200" indent="0">
+              <a:buNone/>
+              <a:defRPr sz="1500"/>
+            </a:lvl9pPr>
+          </a:lstStyle>
+          <a:p>
+            <a:endParaRPr lang="ru-RU"/>
+          </a:p>
+        </p:txBody>
+      </p:sp>
+      <p:sp>
+        <p:nvSpPr>
+          <p:cNvPr id="4" name="Текст 3"/>
+          <p:cNvSpPr>
+            <a:spLocks noGrp="1"/>
+          </p:cNvSpPr>
+          <p:nvPr>
+            <p:ph type="body" sz="half" idx="2"/>
+          </p:nvPr>
+        </p:nvSpPr>
+        <p:spPr>
+          <a:xfrm>
+            <a:off x="839788" y="2057400"/>
+            <a:ext cx="3932237" cy="3811588"/>
+          </a:xfrm>
+        </p:spPr>
+        <p:txBody>
+          <a:bodyPr/>
+          <a:lstStyle>
+            <a:lvl1pPr marL="0" indent="0">
+              <a:buNone/>
+              <a:defRPr sz="1200"/>
+            </a:lvl1pPr>
+            <a:lvl2pPr marL="342900" indent="0">
+              <a:buNone/>
+              <a:defRPr sz="1050"/>
+            </a:lvl2pPr>
+            <a:lvl3pPr marL="685800" indent="0">
+              <a:buNone/>
+              <a:defRPr sz="900"/>
+            </a:lvl3pPr>
+            <a:lvl4pPr marL="1028700" indent="0">
+              <a:buNone/>
+              <a:defRPr sz="750"/>
+            </a:lvl4pPr>
+            <a:lvl5pPr marL="1371600" indent="0">
+              <a:buNone/>
+              <a:defRPr sz="750"/>
+            </a:lvl5pPr>
+            <a:lvl6pPr marL="1714500" indent="0">
+              <a:buNone/>
+              <a:defRPr sz="750"/>
+            </a:lvl6pPr>
+            <a:lvl7pPr marL="2057400" indent="0">
+              <a:buNone/>
+              <a:defRPr sz="750"/>
+            </a:lvl7pPr>
+            <a:lvl8pPr marL="2400300" indent="0">
+              <a:buNone/>
+              <a:defRPr sz="750"/>
+            </a:lvl8pPr>
+            <a:lvl9pPr marL="2743200" indent="0">
+              <a:buNone/>
+              <a:defRPr sz="750"/>
+            </a:lvl9pPr>
+          </a:lstStyle>
+          <a:p>
+            <a:pPr lvl="0"/>
+            <a:r>
+              <a:rPr lang="ru-RU" smtClean="0"/>
+              <a:t>Образец текста</a:t>
+            </a:r>
+            <a:endParaRPr lang="ru-RU" smtClean="0"/>
+          </a:p>
+        </p:txBody>
+      </p:sp>
+      <p:sp>
+        <p:nvSpPr>
+          <p:cNvPr id="5" name="Дата 4"/>
+          <p:cNvSpPr>
+            <a:spLocks noGrp="1"/>
+          </p:cNvSpPr>
+          <p:nvPr>
+            <p:ph type="dt" sz="half" idx="10"/>
+          </p:nvPr>
+        </p:nvSpPr>
+        <p:spPr/>
+        <p:txBody>
+          <a:bodyPr/>
+          <a:lstStyle/>
+          <a:p>
+            <a:fld id="{9EFD9D74-47D9-4702-A33C-335B63B48DBF}" type="datetimeFigureOut">
+              <a:rPr lang="en-US" smtClean="0"/>
+            </a:fld>
+            <a:endParaRPr lang="en-US" dirty="0"/>
+          </a:p>
+        </p:txBody>
+      </p:sp>
+      <p:sp>
+        <p:nvSpPr>
+          <p:cNvPr id="6" name="Нижний колонтитул 5"/>
+          <p:cNvSpPr>
+            <a:spLocks noGrp="1"/>
+          </p:cNvSpPr>
+          <p:nvPr>
+            <p:ph type="ftr" sz="quarter" idx="11"/>
+          </p:nvPr>
+        </p:nvSpPr>
+        <p:spPr/>
+        <p:txBody>
+          <a:bodyPr/>
+          <a:lstStyle/>
+          <a:p>
+            <a:endParaRPr lang="en-US" dirty="0"/>
+          </a:p>
+        </p:txBody>
+      </p:sp>
+      <p:sp>
+        <p:nvSpPr>
+          <p:cNvPr id="7" name="Номер слайда 6"/>
+          <p:cNvSpPr>
+            <a:spLocks noGrp="1"/>
+          </p:cNvSpPr>
+          <p:nvPr>
+            <p:ph type="sldNum" sz="quarter" idx="12"/>
+          </p:nvPr>
+        </p:nvSpPr>
+        <p:spPr/>
+        <p:txBody>
+          <a:bodyPr/>
+          <a:lstStyle/>
+          <a:p>
+            <a:fld id="{FABC47A4-756D-490B-A52F-7D9E2C9FC05F}" type="slidenum">
+              <a:rPr lang="en-US" smtClean="0"/>
+            </a:fld>
+            <a:endParaRPr lang="en-US"/>
+          </a:p>
+        </p:txBody>
+      </p:sp>
+    </p:spTree>
+  </p:cSld>
+  <p:clrMapOvr>
+    <a:masterClrMapping/>
+  </p:clrMapOvr>
+  <p:hf sldNum="0" hdr="0" ftr="0" dt="0"/>
+</p:sldLayout>
+</file>
+
+<file path=ppt/slideMasters/slideMaster1.xml><?xml version="1.0" encoding="utf-8"?>
+<p:sldMaster xmlns:a="http://schemas.openxmlformats.org/drawingml/2006/main" xmlns:r="http://schemas.openxmlformats.org/officeDocument/2006/relationships" xmlns:p="http://schemas.openxmlformats.org/presentationml/2006/main">
+  <p:cSld>
+    <p:bg>
+      <p:bgPr>
+        <a:solidFill>
+          <a:schemeClr val="bg1">
+            <a:alpha val="100000"/>
+          </a:schemeClr>
+        </a:solidFill>
+        <a:effectLst/>
+      </p:bgPr>
+    </p:bg>
+    <p:spTree>
+      <p:nvGrpSpPr>
+        <p:cNvPr id="1" name=""/>
+        <p:cNvGrpSpPr/>
+        <p:nvPr/>
+      </p:nvGrpSpPr>
+      <p:grpSpPr/>
+      <p:sp>
+        <p:nvSpPr>
+          <p:cNvPr id="1026" name="Заголовок 1025"/>
+          <p:cNvSpPr/>
+          <p:nvPr>
+            <p:ph type="title"/>
+          </p:nvPr>
+        </p:nvSpPr>
+        <p:spPr>
+          <a:xfrm>
+            <a:off x="609600" y="274638"/>
+            <a:ext cx="10972800" cy="1143000"/>
           </a:xfrm>
           <a:prstGeom prst="rect">
             <a:avLst/>
           </a:prstGeom>
+          <a:noFill/>
+          <a:ln w="9525">
+            <a:noFill/>
+          </a:ln>
         </p:spPr>
         <p:txBody>
-          <a:bodyPr vert="horz" lIns="91440" tIns="45720" rIns="91440" bIns="45720" rtlCol="0" anchor="ctr">
-            <a:normAutofit/>
-          </a:bodyPr>
-          <a:lstStyle/>
-          <a:p>
-            <a:r>
-              <a:rPr lang="en-US" dirty="0" smtClean="0"/>
+          <a:bodyPr anchor="ctr" anchorCtr="0"/>
+          <a:p>
+            <a:pPr lvl="0"/>
+            <a:r>
               <a:t>Click to edit Master title style</a:t>
             </a:r>
-            <a:endParaRPr lang="en-US" dirty="0"/>
-          </a:p>
-        </p:txBody>
-      </p:sp>
-      <p:sp>
-        <p:nvSpPr>
-          <p:cNvPr id="3" name="Text Placeholder 2"/>
-          <p:cNvSpPr>
-            <a:spLocks noGrp="1"/>
-          </p:cNvSpPr>
+          </a:p>
+        </p:txBody>
+      </p:sp>
+      <p:sp>
+        <p:nvSpPr>
+          <p:cNvPr id="1027" name="Замещающий текст 1026"/>
+          <p:cNvSpPr/>
           <p:nvPr>
             <p:ph type="body" idx="1"/>
           </p:nvPr>
         </p:nvSpPr>
         <p:spPr>
           <a:xfrm>
-            <a:off x="838200" y="1825625"/>
-            <a:ext cx="10515600" cy="4351338"/>
+            <a:off x="609600" y="1600200"/>
+            <a:ext cx="10972800" cy="4525963"/>
           </a:xfrm>
           <a:prstGeom prst="rect">
             <a:avLst/>
           </a:prstGeom>
+          <a:noFill/>
+          <a:ln w="9525">
+            <a:noFill/>
+          </a:ln>
         </p:spPr>
         <p:txBody>
-          <a:bodyPr vert="horz" lIns="91440" tIns="45720" rIns="91440" bIns="45720" rtlCol="0">
-            <a:normAutofit/>
-          </a:bodyPr>
-          <a:lstStyle/>
-          <a:p>
-            <a:pPr marL="228600" marR="0" lvl="0" indent="-228600" algn="l" defTabSz="914400" rtl="0" eaLnBrk="1" fontAlgn="auto" latinLnBrk="0" hangingPunct="1">
-              <a:lnSpc>
-                <a:spcPct val="90000"/>
-              </a:lnSpc>
-              <a:spcBef>
-                <a:spcPts val="1000"/>
-              </a:spcBef>
-              <a:spcAft>
-                <a:spcPts val="0"/>
-              </a:spcAft>
-              <a:buClrTx/>
-              <a:buSzTx/>
-              <a:buFont typeface="Arial" panose="020B0604020202020204" pitchFamily="34" charset="0"/>
-              <a:buChar char="•"/>
-              <a:defRPr/>
-            </a:pPr>
-            <a:r>
-              <a:rPr lang="en-US" dirty="0" smtClean="0"/>
+          <a:bodyPr/>
+          <a:p>
+            <a:pPr lvl="0"/>
+            <a:r>
               <a:t>Click to edit Master text styles</a:t>
             </a:r>
-            <a:endParaRPr lang="en-US" dirty="0" smtClean="0"/>
           </a:p>
           <a:p>
             <a:pPr lvl="1"/>
             <a:r>
-              <a:rPr lang="en-US" dirty="0" smtClean="0"/>
               <a:t>Second level</a:t>
             </a:r>
-            <a:endParaRPr lang="en-US" dirty="0" smtClean="0"/>
           </a:p>
           <a:p>
             <a:pPr lvl="2"/>
             <a:r>
-              <a:rPr lang="en-US" dirty="0" smtClean="0"/>
               <a:t>Third level</a:t>
             </a:r>
-            <a:endParaRPr lang="en-US" dirty="0"/>
           </a:p>
           <a:p>
             <a:pPr lvl="3"/>
             <a:r>
-              <a:rPr lang="en-US" dirty="0" smtClean="0"/>
               <a:t>Fourth level</a:t>
             </a:r>
-            <a:endParaRPr lang="en-US" dirty="0"/>
           </a:p>
           <a:p>
             <a:pPr lvl="4"/>
             <a:r>
-              <a:rPr lang="en-US" dirty="0" smtClean="0"/>
               <a:t>Fifth level</a:t>
             </a:r>
-            <a:endParaRPr lang="en-US" dirty="0"/>
-          </a:p>
-        </p:txBody>
-      </p:sp>
-      <p:sp>
-        <p:nvSpPr>
-          <p:cNvPr id="4" name="Date Placeholder 3"/>
-          <p:cNvSpPr>
-            <a:spLocks noGrp="1"/>
-          </p:cNvSpPr>
+          </a:p>
+        </p:txBody>
+      </p:sp>
+      <p:sp>
+        <p:nvSpPr>
+          <p:cNvPr id="1028" name="Замещающая дата 1027"/>
+          <p:cNvSpPr/>
           <p:nvPr>
             <p:ph type="dt" sz="half" idx="2"/>
           </p:nvPr>
         </p:nvSpPr>
         <p:spPr>
           <a:xfrm>
-            <a:off x="838200" y="6356350"/>
-            <a:ext cx="2743200" cy="365125"/>
+            <a:off x="609600" y="6245225"/>
+            <a:ext cx="2844800" cy="476250"/>
           </a:xfrm>
           <a:prstGeom prst="rect">
             <a:avLst/>
           </a:prstGeom>
+          <a:noFill/>
+          <a:ln w="9525">
+            <a:noFill/>
+          </a:ln>
         </p:spPr>
         <p:txBody>
-          <a:bodyPr vert="horz" lIns="91440" tIns="45720" rIns="91440" bIns="45720" rtlCol="0" anchor="ctr">
-            <a:normAutofit/>
-          </a:bodyPr>
+          <a:bodyPr/>
           <a:lstStyle>
-            <a:lvl1pPr algn="l">
-              <a:defRPr sz="1200" baseline="0">
-                <a:solidFill>
-                  <a:schemeClr val="tx1">
-                    <a:tint val="75000"/>
-                  </a:schemeClr>
-                </a:solidFill>
-              </a:defRPr>
+            <a:lvl1pPr>
+              <a:defRPr sz="1400"/>
             </a:lvl1pPr>
           </a:lstStyle>
           <a:p>
@@ -3141,38 +3067,30 @@
       </p:sp>
       <p:sp>
         <p:nvSpPr>
-          <p:cNvPr id="5" name="Footer Placeholder 4"/>
-          <p:cNvSpPr>
-            <a:spLocks noGrp="1"/>
-          </p:cNvSpPr>
+          <p:cNvPr id="1029" name="Замещающий нижний колонтитул 1028"/>
+          <p:cNvSpPr/>
           <p:nvPr>
             <p:ph type="ftr" sz="quarter" idx="3"/>
           </p:nvPr>
         </p:nvSpPr>
         <p:spPr>
           <a:xfrm>
-            <a:off x="4038600" y="6356350"/>
-            <a:ext cx="4114800" cy="365125"/>
+            <a:off x="4165600" y="6245225"/>
+            <a:ext cx="3860800" cy="476250"/>
           </a:xfrm>
           <a:prstGeom prst="rect">
             <a:avLst/>
           </a:prstGeom>
+          <a:noFill/>
+          <a:ln w="9525">
+            <a:noFill/>
+          </a:ln>
         </p:spPr>
         <p:txBody>
-          <a:bodyPr vert="horz" lIns="91440" tIns="45720" rIns="91440" bIns="45720" rtlCol="0" anchor="ctr">
-            <a:normAutofit/>
-          </a:bodyPr>
+          <a:bodyPr/>
           <a:lstStyle>
             <a:lvl1pPr algn="ctr">
-              <a:defRPr sz="1200">
-                <a:solidFill>
-                  <a:schemeClr val="tx1">
-                    <a:tint val="75000"/>
-                  </a:schemeClr>
-                </a:solidFill>
-                <a:latin typeface="Calibri Light" panose="020F0302020204030204" pitchFamily="34" charset="0"/>
-                <a:cs typeface="Calibri Light" panose="020F0302020204030204" pitchFamily="34" charset="0"/>
-              </a:defRPr>
+              <a:defRPr sz="1400"/>
             </a:lvl1pPr>
           </a:lstStyle>
           <a:p>
@@ -3182,38 +3100,30 @@
       </p:sp>
       <p:sp>
         <p:nvSpPr>
-          <p:cNvPr id="6" name="Slide Number Placeholder 5"/>
-          <p:cNvSpPr>
-            <a:spLocks noGrp="1"/>
-          </p:cNvSpPr>
+          <p:cNvPr id="1030" name="Замещающий номер слайда 1029"/>
+          <p:cNvSpPr/>
           <p:nvPr>
             <p:ph type="sldNum" sz="quarter" idx="4"/>
           </p:nvPr>
         </p:nvSpPr>
         <p:spPr>
           <a:xfrm>
-            <a:off x="8610600" y="6356350"/>
-            <a:ext cx="2743200" cy="365125"/>
+            <a:off x="8737600" y="6245225"/>
+            <a:ext cx="2844800" cy="476250"/>
           </a:xfrm>
           <a:prstGeom prst="rect">
             <a:avLst/>
           </a:prstGeom>
+          <a:noFill/>
+          <a:ln w="9525">
+            <a:noFill/>
+          </a:ln>
         </p:spPr>
         <p:txBody>
-          <a:bodyPr vert="horz" lIns="91440" tIns="45720" rIns="91440" bIns="45720" rtlCol="0" anchor="ctr">
-            <a:normAutofit/>
-          </a:bodyPr>
+          <a:bodyPr/>
           <a:lstStyle>
             <a:lvl1pPr algn="r">
-              <a:defRPr sz="1200">
-                <a:solidFill>
-                  <a:schemeClr val="tx1">
-                    <a:tint val="75000"/>
-                  </a:schemeClr>
-                </a:solidFill>
-                <a:latin typeface="Calibri Light" panose="020F0302020204030204" pitchFamily="34" charset="0"/>
-                <a:cs typeface="Calibri Light" panose="020F0302020204030204" pitchFamily="34" charset="0"/>
-              </a:defRPr>
+              <a:defRPr sz="1400"/>
             </a:lvl1pPr>
           </a:lstStyle>
           <a:p>
@@ -3238,136 +3148,145 @@
     <p:sldLayoutId id="2147483656" r:id="rId8"/>
     <p:sldLayoutId id="2147483657" r:id="rId9"/>
     <p:sldLayoutId id="2147483658" r:id="rId10"/>
+    <p:sldLayoutId id="2147483659" r:id="rId11"/>
   </p:sldLayoutIdLst>
+  <p:hf sldNum="0" hdr="0" ftr="0" dt="0"/>
   <p:txStyles>
     <p:titleStyle>
-      <a:lvl1pPr algn="l" defTabSz="914400" rtl="0" eaLnBrk="1" latinLnBrk="0" hangingPunct="1">
+      <a:lvl1pPr marL="0" lvl="0" indent="0" algn="ctr" defTabSz="914400" eaLnBrk="1" fontAlgn="base" latinLnBrk="0" hangingPunct="1">
         <a:lnSpc>
-          <a:spcPct val="90000"/>
+          <a:spcPct val="100000"/>
         </a:lnSpc>
         <a:spcBef>
           <a:spcPct val="0"/>
         </a:spcBef>
+        <a:spcAft>
+          <a:spcPct val="0"/>
+        </a:spcAft>
         <a:buNone/>
-        <a:defRPr sz="4000" kern="1200">
+        <a:defRPr sz="4400" b="0" i="0" u="none" kern="1200" baseline="0">
           <a:solidFill>
-            <a:schemeClr val="tx1"/>
+            <a:schemeClr val="tx2"/>
           </a:solidFill>
-          <a:latin typeface="Calibri Light" panose="020F0302020204030204" pitchFamily="34" charset="0"/>
+          <a:latin typeface="+mj-lt"/>
           <a:ea typeface="+mj-ea"/>
           <a:cs typeface="+mj-cs"/>
         </a:defRPr>
       </a:lvl1pPr>
     </p:titleStyle>
     <p:bodyStyle>
-      <a:lvl1pPr marL="0" marR="0" indent="0" algn="l" defTabSz="914400" rtl="0" eaLnBrk="1" fontAlgn="auto" latinLnBrk="0" hangingPunct="1">
+      <a:lvl1pPr marL="342900" lvl="0" indent="-342900" algn="l" defTabSz="914400" eaLnBrk="1" fontAlgn="base" latinLnBrk="0" hangingPunct="1">
         <a:lnSpc>
-          <a:spcPct val="90000"/>
+          <a:spcPct val="100000"/>
         </a:lnSpc>
         <a:spcBef>
-          <a:spcPts val="1000"/>
+          <a:spcPct val="20000"/>
         </a:spcBef>
         <a:spcAft>
-          <a:spcPts val="0"/>
+          <a:spcPct val="0"/>
         </a:spcAft>
-        <a:buClrTx/>
-        <a:buSzTx/>
-        <a:buFont typeface="Arial" panose="020B0604020202020204" pitchFamily="34" charset="0"/>
-        <a:buNone/>
-        <a:defRPr sz="2800" b="0" kern="1200">
+        <a:buChar char="•"/>
+        <a:defRPr sz="3200" b="0" i="0" u="none" kern="1200" baseline="0">
           <a:solidFill>
             <a:schemeClr val="tx1"/>
           </a:solidFill>
-          <a:latin typeface="Calibri Light" panose="020F0302020204030204" pitchFamily="34" charset="0"/>
+          <a:latin typeface="+mn-lt"/>
           <a:ea typeface="+mn-ea"/>
           <a:cs typeface="+mn-cs"/>
         </a:defRPr>
       </a:lvl1pPr>
-      <a:lvl2pPr marL="685800" indent="-228600" algn="l" defTabSz="914400" rtl="0" eaLnBrk="1" latinLnBrk="0" hangingPunct="1">
+      <a:lvl2pPr marL="742950" lvl="1" indent="-285750" algn="l" defTabSz="914400" eaLnBrk="1" fontAlgn="base" latinLnBrk="0" hangingPunct="1">
         <a:lnSpc>
-          <a:spcPct val="90000"/>
+          <a:spcPct val="100000"/>
         </a:lnSpc>
         <a:spcBef>
-          <a:spcPts val="500"/>
+          <a:spcPct val="20000"/>
         </a:spcBef>
-        <a:buFont typeface="Arial" panose="020B0604020202020204" pitchFamily="34" charset="0"/>
-        <a:buChar char="•"/>
-        <a:defRPr sz="2400" kern="1200" baseline="0">
+        <a:spcAft>
+          <a:spcPct val="0"/>
+        </a:spcAft>
+        <a:buChar char="–"/>
+        <a:defRPr sz="2800" b="0" i="0" u="none" kern="1200" baseline="0">
           <a:solidFill>
             <a:schemeClr val="tx1"/>
           </a:solidFill>
-          <a:latin typeface="Calibri Light" panose="020F0302020204030204" pitchFamily="34" charset="0"/>
+          <a:latin typeface="+mn-lt"/>
           <a:ea typeface="+mn-ea"/>
           <a:cs typeface="+mn-cs"/>
         </a:defRPr>
       </a:lvl2pPr>
-      <a:lvl3pPr marL="1143000" indent="-228600" algn="l" defTabSz="914400" rtl="0" eaLnBrk="1" latinLnBrk="0" hangingPunct="1">
+      <a:lvl3pPr marL="1143000" lvl="2" indent="-228600" algn="l" defTabSz="914400" eaLnBrk="1" fontAlgn="base" latinLnBrk="0" hangingPunct="1">
         <a:lnSpc>
-          <a:spcPct val="90000"/>
+          <a:spcPct val="100000"/>
         </a:lnSpc>
         <a:spcBef>
-          <a:spcPts val="500"/>
+          <a:spcPct val="20000"/>
         </a:spcBef>
-        <a:buFont typeface="Arial" panose="020B0604020202020204" pitchFamily="34" charset="0"/>
+        <a:spcAft>
+          <a:spcPct val="0"/>
+        </a:spcAft>
         <a:buChar char="•"/>
-        <a:defRPr sz="2000" kern="1200" baseline="0">
+        <a:defRPr sz="2400" b="0" i="0" u="none" kern="1200" baseline="0">
           <a:solidFill>
             <a:schemeClr val="tx1"/>
           </a:solidFill>
-          <a:effectLst/>
-          <a:latin typeface="Calibri Light" panose="020F0302020204030204" pitchFamily="34" charset="0"/>
+          <a:latin typeface="+mn-lt"/>
           <a:ea typeface="+mn-ea"/>
-          <a:cs typeface="Calibri Light" panose="020F0302020204030204" pitchFamily="34" charset="0"/>
+          <a:cs typeface="+mn-cs"/>
         </a:defRPr>
       </a:lvl3pPr>
-      <a:lvl4pPr marL="1600200" indent="-228600" algn="l" defTabSz="914400" rtl="0" eaLnBrk="1" latinLnBrk="0" hangingPunct="1">
+      <a:lvl4pPr marL="1600200" lvl="3" indent="-228600" algn="l" defTabSz="914400" eaLnBrk="1" fontAlgn="base" latinLnBrk="0" hangingPunct="1">
         <a:lnSpc>
-          <a:spcPct val="90000"/>
+          <a:spcPct val="100000"/>
         </a:lnSpc>
         <a:spcBef>
-          <a:spcPts val="500"/>
+          <a:spcPct val="20000"/>
         </a:spcBef>
-        <a:buFont typeface="Arial" panose="020B0604020202020204" pitchFamily="34" charset="0"/>
-        <a:buChar char="•"/>
-        <a:defRPr sz="1800" kern="1200" baseline="0">
+        <a:spcAft>
+          <a:spcPct val="0"/>
+        </a:spcAft>
+        <a:buChar char="–"/>
+        <a:defRPr sz="2000" b="0" i="0" u="none" kern="1200" baseline="0">
           <a:solidFill>
             <a:schemeClr val="tx1"/>
           </a:solidFill>
-          <a:effectLst/>
-          <a:latin typeface="Calibri Light" panose="020F0302020204030204" pitchFamily="34" charset="0"/>
+          <a:latin typeface="+mn-lt"/>
           <a:ea typeface="+mn-ea"/>
-          <a:cs typeface="Calibri Light" panose="020F0302020204030204" pitchFamily="34" charset="0"/>
+          <a:cs typeface="+mn-cs"/>
         </a:defRPr>
       </a:lvl4pPr>
-      <a:lvl5pPr marL="2057400" indent="-228600" algn="l" defTabSz="914400" rtl="0" eaLnBrk="1" latinLnBrk="0" hangingPunct="1">
+      <a:lvl5pPr marL="2057400" lvl="4" indent="-228600" algn="l" defTabSz="914400" eaLnBrk="1" fontAlgn="base" latinLnBrk="0" hangingPunct="1">
         <a:lnSpc>
-          <a:spcPct val="90000"/>
+          <a:spcPct val="100000"/>
         </a:lnSpc>
         <a:spcBef>
-          <a:spcPts val="500"/>
+          <a:spcPct val="20000"/>
         </a:spcBef>
-        <a:buFont typeface="Arial" panose="020B0604020202020204" pitchFamily="34" charset="0"/>
-        <a:buChar char="•"/>
-        <a:defRPr sz="1800" kern="1200" baseline="0">
+        <a:spcAft>
+          <a:spcPct val="0"/>
+        </a:spcAft>
+        <a:buChar char="»"/>
+        <a:defRPr sz="2000" b="0" i="0" u="none" kern="1200" baseline="0">
           <a:solidFill>
             <a:schemeClr val="tx1"/>
           </a:solidFill>
-          <a:effectLst/>
-          <a:latin typeface="Calibri Light" panose="020F0302020204030204" pitchFamily="34" charset="0"/>
+          <a:latin typeface="+mn-lt"/>
           <a:ea typeface="+mn-ea"/>
-          <a:cs typeface="Calibri Light" panose="020F0302020204030204" pitchFamily="34" charset="0"/>
+          <a:cs typeface="+mn-cs"/>
         </a:defRPr>
       </a:lvl5pPr>
-      <a:lvl6pPr marL="2514600" indent="-228600" algn="l" defTabSz="914400" rtl="0" eaLnBrk="1" latinLnBrk="0" hangingPunct="1">
+      <a:lvl6pPr marL="2514600" lvl="5" indent="-228600" algn="l" defTabSz="914400" eaLnBrk="1" fontAlgn="base" latinLnBrk="0" hangingPunct="1">
         <a:lnSpc>
-          <a:spcPct val="90000"/>
+          <a:spcPct val="100000"/>
         </a:lnSpc>
         <a:spcBef>
-          <a:spcPts val="500"/>
+          <a:spcPct val="20000"/>
         </a:spcBef>
-        <a:buFont typeface="Arial" panose="020B0604020202020204" pitchFamily="34" charset="0"/>
-        <a:buChar char="•"/>
-        <a:defRPr sz="1800" kern="1200">
+        <a:spcAft>
+          <a:spcPct val="0"/>
+        </a:spcAft>
+        <a:buChar char="»"/>
+        <a:defRPr sz="2000" b="0" i="0" u="none" kern="1200" baseline="0">
           <a:solidFill>
             <a:schemeClr val="tx1"/>
           </a:solidFill>
@@ -3376,16 +3295,18 @@
           <a:cs typeface="+mn-cs"/>
         </a:defRPr>
       </a:lvl6pPr>
-      <a:lvl7pPr marL="2971800" indent="-228600" algn="l" defTabSz="914400" rtl="0" eaLnBrk="1" latinLnBrk="0" hangingPunct="1">
+      <a:lvl7pPr marL="2971800" lvl="6" indent="-228600" algn="l" defTabSz="914400" eaLnBrk="1" fontAlgn="base" latinLnBrk="0" hangingPunct="1">
         <a:lnSpc>
-          <a:spcPct val="90000"/>
+          <a:spcPct val="100000"/>
         </a:lnSpc>
         <a:spcBef>
-          <a:spcPts val="500"/>
+          <a:spcPct val="20000"/>
         </a:spcBef>
-        <a:buFont typeface="Arial" panose="020B0604020202020204" pitchFamily="34" charset="0"/>
-        <a:buChar char="•"/>
-        <a:defRPr sz="1800" kern="1200">
+        <a:spcAft>
+          <a:spcPct val="0"/>
+        </a:spcAft>
+        <a:buChar char="»"/>
+        <a:defRPr sz="2000" b="0" i="0" u="none" kern="1200" baseline="0">
           <a:solidFill>
             <a:schemeClr val="tx1"/>
           </a:solidFill>
@@ -3394,16 +3315,18 @@
           <a:cs typeface="+mn-cs"/>
         </a:defRPr>
       </a:lvl7pPr>
-      <a:lvl8pPr marL="3429000" indent="-228600" algn="l" defTabSz="914400" rtl="0" eaLnBrk="1" latinLnBrk="0" hangingPunct="1">
+      <a:lvl8pPr marL="3429000" lvl="7" indent="-228600" algn="l" defTabSz="914400" eaLnBrk="1" fontAlgn="base" latinLnBrk="0" hangingPunct="1">
         <a:lnSpc>
-          <a:spcPct val="90000"/>
+          <a:spcPct val="100000"/>
         </a:lnSpc>
         <a:spcBef>
-          <a:spcPts val="500"/>
+          <a:spcPct val="20000"/>
         </a:spcBef>
-        <a:buFont typeface="Arial" panose="020B0604020202020204" pitchFamily="34" charset="0"/>
-        <a:buChar char="•"/>
-        <a:defRPr sz="1800" kern="1200">
+        <a:spcAft>
+          <a:spcPct val="0"/>
+        </a:spcAft>
+        <a:buChar char="»"/>
+        <a:defRPr sz="2000" b="0" i="0" u="none" kern="1200" baseline="0">
           <a:solidFill>
             <a:schemeClr val="tx1"/>
           </a:solidFill>
@@ -3412,16 +3335,18 @@
           <a:cs typeface="+mn-cs"/>
         </a:defRPr>
       </a:lvl8pPr>
-      <a:lvl9pPr marL="3886200" indent="-228600" algn="l" defTabSz="914400" rtl="0" eaLnBrk="1" latinLnBrk="0" hangingPunct="1">
+      <a:lvl9pPr marL="3886200" lvl="8" indent="-228600" algn="l" defTabSz="914400" eaLnBrk="1" fontAlgn="base" latinLnBrk="0" hangingPunct="1">
         <a:lnSpc>
-          <a:spcPct val="90000"/>
+          <a:spcPct val="100000"/>
         </a:lnSpc>
         <a:spcBef>
-          <a:spcPts val="500"/>
+          <a:spcPct val="20000"/>
         </a:spcBef>
-        <a:buFont typeface="Arial" panose="020B0604020202020204" pitchFamily="34" charset="0"/>
-        <a:buChar char="•"/>
-        <a:defRPr sz="1800" kern="1200">
+        <a:spcAft>
+          <a:spcPct val="0"/>
+        </a:spcAft>
+        <a:buChar char="»"/>
+        <a:defRPr sz="2000" b="0" i="0" u="none" kern="1200" baseline="0">
           <a:solidFill>
             <a:schemeClr val="tx1"/>
           </a:solidFill>
@@ -3432,11 +3357,19 @@
       </a:lvl9pPr>
     </p:bodyStyle>
     <p:otherStyle>
-      <a:defPPr>
-        <a:defRPr lang="en-US"/>
-      </a:defPPr>
-      <a:lvl1pPr marL="0" algn="l" defTabSz="914400" rtl="0" eaLnBrk="1" latinLnBrk="0" hangingPunct="1">
-        <a:defRPr sz="1800" kern="1200">
+      <a:lvl1pPr marL="0" lvl="0" indent="0" algn="l" defTabSz="914400" eaLnBrk="1" fontAlgn="base" latinLnBrk="0" hangingPunct="1">
+        <a:lnSpc>
+          <a:spcPct val="100000"/>
+        </a:lnSpc>
+        <a:spcBef>
+          <a:spcPct val="0"/>
+        </a:spcBef>
+        <a:spcAft>
+          <a:spcPct val="0"/>
+        </a:spcAft>
+        <a:buFont typeface="Arial" panose="020B0604020202020204" pitchFamily="34" charset="0"/>
+        <a:buNone/>
+        <a:defRPr sz="1800" b="0" i="0" u="none" kern="1200" baseline="0">
           <a:solidFill>
             <a:schemeClr val="tx1"/>
           </a:solidFill>
@@ -3445,82 +3378,170 @@
           <a:cs typeface="+mn-cs"/>
         </a:defRPr>
       </a:lvl1pPr>
-      <a:lvl2pPr marL="457200" algn="l" defTabSz="914400" rtl="0" eaLnBrk="1" latinLnBrk="0" hangingPunct="1">
-        <a:defRPr sz="1800" kern="1200">
+      <a:lvl2pPr marL="457200" lvl="1" indent="0" algn="l" defTabSz="914400" eaLnBrk="1" fontAlgn="base" latinLnBrk="0" hangingPunct="1">
+        <a:lnSpc>
+          <a:spcPct val="100000"/>
+        </a:lnSpc>
+        <a:spcBef>
+          <a:spcPct val="0"/>
+        </a:spcBef>
+        <a:spcAft>
+          <a:spcPct val="0"/>
+        </a:spcAft>
+        <a:buFont typeface="Arial" panose="020B0604020202020204" pitchFamily="34" charset="0"/>
+        <a:buNone/>
+        <a:defRPr b="0" i="0" u="none" kern="1200" baseline="0">
           <a:solidFill>
             <a:schemeClr val="tx1"/>
           </a:solidFill>
-          <a:latin typeface="+mn-lt"/>
+          <a:latin typeface="Arial" panose="020B0604020202020204" pitchFamily="34" charset="0"/>
           <a:ea typeface="+mn-ea"/>
           <a:cs typeface="+mn-cs"/>
         </a:defRPr>
       </a:lvl2pPr>
-      <a:lvl3pPr marL="914400" algn="l" defTabSz="914400" rtl="0" eaLnBrk="1" latinLnBrk="0" hangingPunct="1">
-        <a:defRPr sz="1800" kern="1200">
+      <a:lvl3pPr marL="914400" lvl="2" indent="0" algn="l" defTabSz="914400" eaLnBrk="1" fontAlgn="base" latinLnBrk="0" hangingPunct="1">
+        <a:lnSpc>
+          <a:spcPct val="100000"/>
+        </a:lnSpc>
+        <a:spcBef>
+          <a:spcPct val="0"/>
+        </a:spcBef>
+        <a:spcAft>
+          <a:spcPct val="0"/>
+        </a:spcAft>
+        <a:buFont typeface="Arial" panose="020B0604020202020204" pitchFamily="34" charset="0"/>
+        <a:buNone/>
+        <a:defRPr b="0" i="0" u="none" kern="1200" baseline="0">
           <a:solidFill>
             <a:schemeClr val="tx1"/>
           </a:solidFill>
-          <a:latin typeface="+mn-lt"/>
+          <a:latin typeface="Arial" panose="020B0604020202020204" pitchFamily="34" charset="0"/>
           <a:ea typeface="+mn-ea"/>
           <a:cs typeface="+mn-cs"/>
         </a:defRPr>
       </a:lvl3pPr>
-      <a:lvl4pPr marL="1371600" algn="l" defTabSz="914400" rtl="0" eaLnBrk="1" latinLnBrk="0" hangingPunct="1">
-        <a:defRPr sz="1800" kern="1200">
+      <a:lvl4pPr marL="1371600" lvl="3" indent="0" algn="l" defTabSz="914400" eaLnBrk="1" fontAlgn="base" latinLnBrk="0" hangingPunct="1">
+        <a:lnSpc>
+          <a:spcPct val="100000"/>
+        </a:lnSpc>
+        <a:spcBef>
+          <a:spcPct val="0"/>
+        </a:spcBef>
+        <a:spcAft>
+          <a:spcPct val="0"/>
+        </a:spcAft>
+        <a:buFont typeface="Arial" panose="020B0604020202020204" pitchFamily="34" charset="0"/>
+        <a:buNone/>
+        <a:defRPr b="0" i="0" u="none" kern="1200" baseline="0">
           <a:solidFill>
             <a:schemeClr val="tx1"/>
           </a:solidFill>
-          <a:latin typeface="+mn-lt"/>
+          <a:latin typeface="Arial" panose="020B0604020202020204" pitchFamily="34" charset="0"/>
           <a:ea typeface="+mn-ea"/>
           <a:cs typeface="+mn-cs"/>
         </a:defRPr>
       </a:lvl4pPr>
-      <a:lvl5pPr marL="1828800" algn="l" defTabSz="914400" rtl="0" eaLnBrk="1" latinLnBrk="0" hangingPunct="1">
-        <a:defRPr sz="1800" kern="1200">
+      <a:lvl5pPr marL="1828800" lvl="4" indent="0" algn="l" defTabSz="914400" eaLnBrk="1" fontAlgn="base" latinLnBrk="0" hangingPunct="1">
+        <a:lnSpc>
+          <a:spcPct val="100000"/>
+        </a:lnSpc>
+        <a:spcBef>
+          <a:spcPct val="0"/>
+        </a:spcBef>
+        <a:spcAft>
+          <a:spcPct val="0"/>
+        </a:spcAft>
+        <a:buFont typeface="Arial" panose="020B0604020202020204" pitchFamily="34" charset="0"/>
+        <a:buNone/>
+        <a:defRPr b="0" i="0" u="none" kern="1200" baseline="0">
           <a:solidFill>
             <a:schemeClr val="tx1"/>
           </a:solidFill>
-          <a:latin typeface="+mn-lt"/>
+          <a:latin typeface="Arial" panose="020B0604020202020204" pitchFamily="34" charset="0"/>
           <a:ea typeface="+mn-ea"/>
           <a:cs typeface="+mn-cs"/>
         </a:defRPr>
       </a:lvl5pPr>
-      <a:lvl6pPr marL="2286000" algn="l" defTabSz="914400" rtl="0" eaLnBrk="1" latinLnBrk="0" hangingPunct="1">
-        <a:defRPr sz="1800" kern="1200">
+      <a:lvl6pPr marL="2286000" lvl="5" indent="0" algn="l" defTabSz="914400" eaLnBrk="1" fontAlgn="base" latinLnBrk="0" hangingPunct="1">
+        <a:lnSpc>
+          <a:spcPct val="100000"/>
+        </a:lnSpc>
+        <a:spcBef>
+          <a:spcPct val="0"/>
+        </a:spcBef>
+        <a:spcAft>
+          <a:spcPct val="0"/>
+        </a:spcAft>
+        <a:buFont typeface="Arial" panose="020B0604020202020204" pitchFamily="34" charset="0"/>
+        <a:buNone/>
+        <a:defRPr b="0" i="0" u="none" kern="1200" baseline="0">
           <a:solidFill>
             <a:schemeClr val="tx1"/>
           </a:solidFill>
-          <a:latin typeface="+mn-lt"/>
+          <a:latin typeface="Arial" panose="020B0604020202020204" pitchFamily="34" charset="0"/>
           <a:ea typeface="+mn-ea"/>
           <a:cs typeface="+mn-cs"/>
         </a:defRPr>
       </a:lvl6pPr>
-      <a:lvl7pPr marL="2743200" algn="l" defTabSz="914400" rtl="0" eaLnBrk="1" latinLnBrk="0" hangingPunct="1">
-        <a:defRPr sz="1800" kern="1200">
+      <a:lvl7pPr marL="2743200" lvl="6" indent="0" algn="l" defTabSz="914400" eaLnBrk="1" fontAlgn="base" latinLnBrk="0" hangingPunct="1">
+        <a:lnSpc>
+          <a:spcPct val="100000"/>
+        </a:lnSpc>
+        <a:spcBef>
+          <a:spcPct val="0"/>
+        </a:spcBef>
+        <a:spcAft>
+          <a:spcPct val="0"/>
+        </a:spcAft>
+        <a:buFont typeface="Arial" panose="020B0604020202020204" pitchFamily="34" charset="0"/>
+        <a:buNone/>
+        <a:defRPr b="0" i="0" u="none" kern="1200" baseline="0">
           <a:solidFill>
             <a:schemeClr val="tx1"/>
           </a:solidFill>
-          <a:latin typeface="+mn-lt"/>
+          <a:latin typeface="Arial" panose="020B0604020202020204" pitchFamily="34" charset="0"/>
           <a:ea typeface="+mn-ea"/>
           <a:cs typeface="+mn-cs"/>
         </a:defRPr>
       </a:lvl7pPr>
-      <a:lvl8pPr marL="3200400" algn="l" defTabSz="914400" rtl="0" eaLnBrk="1" latinLnBrk="0" hangingPunct="1">
-        <a:defRPr sz="1800" kern="1200">
+      <a:lvl8pPr marL="3200400" lvl="7" indent="0" algn="l" defTabSz="914400" eaLnBrk="1" fontAlgn="base" latinLnBrk="0" hangingPunct="1">
+        <a:lnSpc>
+          <a:spcPct val="100000"/>
+        </a:lnSpc>
+        <a:spcBef>
+          <a:spcPct val="0"/>
+        </a:spcBef>
+        <a:spcAft>
+          <a:spcPct val="0"/>
+        </a:spcAft>
+        <a:buFont typeface="Arial" panose="020B0604020202020204" pitchFamily="34" charset="0"/>
+        <a:buNone/>
+        <a:defRPr b="0" i="0" u="none" kern="1200" baseline="0">
           <a:solidFill>
             <a:schemeClr val="tx1"/>
           </a:solidFill>
-          <a:latin typeface="+mn-lt"/>
+          <a:latin typeface="Arial" panose="020B0604020202020204" pitchFamily="34" charset="0"/>
           <a:ea typeface="+mn-ea"/>
           <a:cs typeface="+mn-cs"/>
         </a:defRPr>
       </a:lvl8pPr>
-      <a:lvl9pPr marL="3657600" algn="l" defTabSz="914400" rtl="0" eaLnBrk="1" latinLnBrk="0" hangingPunct="1">
-        <a:defRPr sz="1800" kern="1200">
+      <a:lvl9pPr marL="3657600" lvl="8" indent="0" algn="l" defTabSz="914400" eaLnBrk="1" fontAlgn="base" latinLnBrk="0" hangingPunct="1">
+        <a:lnSpc>
+          <a:spcPct val="100000"/>
+        </a:lnSpc>
+        <a:spcBef>
+          <a:spcPct val="0"/>
+        </a:spcBef>
+        <a:spcAft>
+          <a:spcPct val="0"/>
+        </a:spcAft>
+        <a:buFont typeface="Arial" panose="020B0604020202020204" pitchFamily="34" charset="0"/>
+        <a:buNone/>
+        <a:defRPr b="0" i="0" u="none" kern="1200" baseline="0">
           <a:solidFill>
             <a:schemeClr val="tx1"/>
           </a:solidFill>
-          <a:latin typeface="+mn-lt"/>
+          <a:latin typeface="Arial" panose="020B0604020202020204" pitchFamily="34" charset="0"/>
           <a:ea typeface="+mn-ea"/>
           <a:cs typeface="+mn-cs"/>
         </a:defRPr>
@@ -3560,7 +3581,7 @@
         <p:spPr/>
         <p:txBody>
           <a:bodyPr>
-            <a:normAutofit/>
+            <a:normAutofit fontScale="90000"/>
           </a:bodyPr>
           <a:lstStyle/>
           <a:p>
@@ -3579,6 +3600,9 @@
               <a:rPr lang="ru-RU" altLang="ru-RU" sz="4445"/>
               <a:t>«Терминал службы безопасности»</a:t>
             </a:r>
+            <a:br>
+              <a:rPr lang="ru-RU" altLang="ru-RU" sz="4445"/>
+            </a:br>
             <a:endParaRPr lang="ru-RU" altLang="ru-RU" sz="4445"/>
           </a:p>
         </p:txBody>
@@ -3599,43 +3623,51 @@
           <a:lstStyle/>
           <a:p>
             <a:pPr algn="r"/>
-            <a:r>
-              <a:rPr lang="ru-RU" altLang="en-US"/>
+            <a:endParaRPr lang="ru-RU" altLang="en-US"/>
+          </a:p>
+          <a:p>
+            <a:pPr algn="r"/>
+            <a:endParaRPr lang="ru-RU" altLang="en-US"/>
+          </a:p>
+          <a:p>
+            <a:pPr algn="r"/>
+            <a:r>
+              <a:rPr lang="ru-RU" altLang="en-US" sz="2400"/>
               <a:t>Подготовил</a:t>
             </a:r>
             <a:r>
-              <a:rPr lang="en-US" altLang="en-US"/>
+              <a:rPr lang="en-US" altLang="en-US" sz="2400"/>
               <a:t>: </a:t>
             </a:r>
             <a:r>
-              <a:rPr lang="ru-RU" altLang="en-US"/>
+              <a:rPr lang="ru-RU" altLang="en-US" sz="2400"/>
               <a:t>студент 1 курса ФГИИБ-ИСИТ-2Б</a:t>
             </a:r>
-            <a:endParaRPr lang="ru-RU" altLang="en-US"/>
+            <a:endParaRPr lang="ru-RU" altLang="en-US" sz="2400"/>
           </a:p>
           <a:p>
             <a:pPr algn="r"/>
             <a:r>
-              <a:rPr lang="ru-RU" altLang="en-US"/>
+              <a:rPr lang="ru-RU" altLang="en-US" sz="2400"/>
               <a:t>Шибаев Андрей</a:t>
             </a:r>
-            <a:endParaRPr lang="ru-RU" altLang="en-US"/>
+            <a:endParaRPr lang="ru-RU" altLang="en-US" sz="2400"/>
           </a:p>
           <a:p>
             <a:pPr algn="r"/>
             <a:r>
-              <a:rPr lang="ru-RU" altLang="en-US"/>
+              <a:rPr lang="ru-RU" altLang="en-US" sz="2400"/>
               <a:t>преподаватель</a:t>
             </a:r>
             <a:r>
-              <a:rPr lang="en-US" altLang="en-US"/>
+              <a:rPr lang="en-US" altLang="en-US" sz="2400"/>
               <a:t>: </a:t>
             </a:r>
             <a:r>
-              <a:rPr lang="ru-RU" altLang="en-US"/>
+              <a:rPr lang="ru-RU" altLang="en-US" sz="2400"/>
               <a:t>Лазуренко Наталья Сергеевна</a:t>
             </a:r>
-            <a:endParaRPr lang="ru-RU" altLang="en-US"/>
+            <a:endParaRPr lang="ru-RU" altLang="en-US" sz="2400"/>
           </a:p>
         </p:txBody>
       </p:sp>
@@ -3648,6 +3680,256 @@
 </file>
 
 <file path=ppt/slides/slide10.xml><?xml version="1.0" encoding="utf-8"?>
+<p:sld xmlns:a="http://schemas.openxmlformats.org/drawingml/2006/main" xmlns:r="http://schemas.openxmlformats.org/officeDocument/2006/relationships" xmlns:p="http://schemas.openxmlformats.org/presentationml/2006/main">
+  <p:cSld>
+    <p:spTree>
+      <p:nvGrpSpPr>
+        <p:cNvPr id="1" name=""/>
+        <p:cNvGrpSpPr/>
+        <p:nvPr/>
+      </p:nvGrpSpPr>
+      <p:grpSpPr/>
+      <p:sp>
+        <p:nvSpPr>
+          <p:cNvPr id="2" name="Заголовок 1"/>
+          <p:cNvSpPr>
+            <a:spLocks noGrp="1"/>
+          </p:cNvSpPr>
+          <p:nvPr>
+            <p:ph type="title"/>
+          </p:nvPr>
+        </p:nvSpPr>
+        <p:spPr>
+          <a:xfrm>
+            <a:off x="647700" y="0"/>
+            <a:ext cx="10515600" cy="1325563"/>
+          </a:xfrm>
+        </p:spPr>
+        <p:txBody>
+          <a:bodyPr/>
+          <a:p>
+            <a:pPr algn="ctr"/>
+            <a:r>
+              <a:rPr lang="ru-RU" altLang="en-US"/>
+              <a:t>Тестирование</a:t>
+            </a:r>
+            <a:endParaRPr lang="ru-RU" altLang="en-US"/>
+          </a:p>
+        </p:txBody>
+      </p:sp>
+      <p:sp>
+        <p:nvSpPr>
+          <p:cNvPr id="3" name="Замещающее содержимое 2"/>
+          <p:cNvSpPr>
+            <a:spLocks noGrp="1"/>
+          </p:cNvSpPr>
+          <p:nvPr>
+            <p:ph idx="1"/>
+          </p:nvPr>
+        </p:nvSpPr>
+        <p:spPr>
+          <a:xfrm>
+            <a:off x="647700" y="879475"/>
+            <a:ext cx="10515600" cy="5297805"/>
+          </a:xfrm>
+        </p:spPr>
+        <p:txBody>
+          <a:bodyPr>
+            <a:normAutofit/>
+          </a:bodyPr>
+          <a:p>
+            <a:pPr marL="0" indent="0">
+              <a:buNone/>
+            </a:pPr>
+            <a:r>
+              <a:rPr lang="ru-RU" altLang="en-US" sz="2400"/>
+              <a:t>Тест №3</a:t>
+            </a:r>
+            <a:r>
+              <a:rPr lang="en-US" altLang="en-US" sz="2400"/>
+              <a:t>: </a:t>
+            </a:r>
+            <a:r>
+              <a:rPr lang="ru-RU" altLang="en-US" sz="2400"/>
+              <a:t>Проверка правильности заполнения полей</a:t>
+            </a:r>
+            <a:endParaRPr lang="ru-RU" altLang="en-US" sz="2400"/>
+          </a:p>
+          <a:p>
+            <a:pPr marL="0" indent="0">
+              <a:buNone/>
+            </a:pPr>
+            <a:r>
+              <a:rPr lang="ru-RU" altLang="en-US" sz="2400"/>
+              <a:t>1) </a:t>
+            </a:r>
+            <a:r>
+              <a:rPr lang="en-US" altLang="en-US" sz="2400"/>
+              <a:t>ID </a:t>
+            </a:r>
+            <a:r>
+              <a:rPr lang="ru-RU" altLang="en-US" sz="2400"/>
+              <a:t>сотрудника - цифровая последовательность символов, короче 10 ед.</a:t>
+            </a:r>
+            <a:endParaRPr lang="ru-RU" altLang="en-US" sz="2400"/>
+          </a:p>
+          <a:p>
+            <a:pPr marL="0" indent="0">
+              <a:buNone/>
+            </a:pPr>
+            <a:endParaRPr lang="ru-RU" altLang="en-US" sz="2400"/>
+          </a:p>
+          <a:p>
+            <a:pPr marL="0" indent="0">
+              <a:buNone/>
+            </a:pPr>
+            <a:endParaRPr lang="ru-RU" altLang="en-US" sz="2400"/>
+          </a:p>
+          <a:p>
+            <a:pPr marL="0" indent="0">
+              <a:buNone/>
+            </a:pPr>
+            <a:r>
+              <a:rPr lang="ru-RU" altLang="en-US" sz="2400"/>
+              <a:t>2)персональные данные сотрудника имеют буквенную запись</a:t>
+            </a:r>
+            <a:endParaRPr lang="ru-RU" altLang="en-US" sz="2400"/>
+          </a:p>
+          <a:p>
+            <a:pPr marL="0" indent="0">
+              <a:buNone/>
+            </a:pPr>
+            <a:endParaRPr lang="ru-RU" altLang="en-US" sz="2400"/>
+          </a:p>
+          <a:p>
+            <a:pPr marL="0" indent="0">
+              <a:buNone/>
+            </a:pPr>
+            <a:endParaRPr lang="ru-RU" altLang="en-US" sz="2400"/>
+          </a:p>
+          <a:p>
+            <a:pPr marL="0" indent="0">
+              <a:buNone/>
+            </a:pPr>
+            <a:endParaRPr lang="ru-RU" altLang="en-US" sz="2400"/>
+          </a:p>
+          <a:p>
+            <a:pPr marL="0" indent="0">
+              <a:buNone/>
+            </a:pPr>
+            <a:r>
+              <a:rPr lang="ru-RU" altLang="en-US" sz="2400"/>
+              <a:t>3) для выполнения входа необходимо заполнение всех полей</a:t>
+            </a:r>
+            <a:endParaRPr lang="ru-RU" altLang="en-US" sz="2400"/>
+          </a:p>
+        </p:txBody>
+      </p:sp>
+      <p:pic>
+        <p:nvPicPr>
+          <p:cNvPr id="5" name="Изображение 4"/>
+          <p:cNvPicPr>
+            <a:picLocks noChangeAspect="1"/>
+          </p:cNvPicPr>
+          <p:nvPr/>
+        </p:nvPicPr>
+        <p:blipFill>
+          <a:blip r:embed="rId1"/>
+          <a:stretch>
+            <a:fillRect/>
+          </a:stretch>
+        </p:blipFill>
+        <p:spPr>
+          <a:xfrm>
+            <a:off x="1893570" y="1837690"/>
+            <a:ext cx="2598420" cy="1181100"/>
+          </a:xfrm>
+          <a:prstGeom prst="rect">
+            <a:avLst/>
+          </a:prstGeom>
+        </p:spPr>
+      </p:pic>
+      <p:pic>
+        <p:nvPicPr>
+          <p:cNvPr id="7" name="Изображение 6"/>
+          <p:cNvPicPr>
+            <a:picLocks noChangeAspect="1"/>
+          </p:cNvPicPr>
+          <p:nvPr/>
+        </p:nvPicPr>
+        <p:blipFill>
+          <a:blip r:embed="rId2"/>
+          <a:stretch>
+            <a:fillRect/>
+          </a:stretch>
+        </p:blipFill>
+        <p:spPr>
+          <a:xfrm>
+            <a:off x="4898390" y="1837690"/>
+            <a:ext cx="4351020" cy="1181100"/>
+          </a:xfrm>
+          <a:prstGeom prst="rect">
+            <a:avLst/>
+          </a:prstGeom>
+        </p:spPr>
+      </p:pic>
+      <p:pic>
+        <p:nvPicPr>
+          <p:cNvPr id="8" name="Изображение 7"/>
+          <p:cNvPicPr>
+            <a:picLocks noChangeAspect="1"/>
+          </p:cNvPicPr>
+          <p:nvPr/>
+        </p:nvPicPr>
+        <p:blipFill>
+          <a:blip r:embed="rId3"/>
+          <a:stretch>
+            <a:fillRect/>
+          </a:stretch>
+        </p:blipFill>
+        <p:spPr>
+          <a:xfrm>
+            <a:off x="3247390" y="3530600"/>
+            <a:ext cx="4434840" cy="1181100"/>
+          </a:xfrm>
+          <a:prstGeom prst="rect">
+            <a:avLst/>
+          </a:prstGeom>
+        </p:spPr>
+      </p:pic>
+      <p:pic>
+        <p:nvPicPr>
+          <p:cNvPr id="9" name="Изображение 8"/>
+          <p:cNvPicPr>
+            <a:picLocks noChangeAspect="1"/>
+          </p:cNvPicPr>
+          <p:nvPr/>
+        </p:nvPicPr>
+        <p:blipFill>
+          <a:blip r:embed="rId4"/>
+          <a:stretch>
+            <a:fillRect/>
+          </a:stretch>
+        </p:blipFill>
+        <p:spPr>
+          <a:xfrm>
+            <a:off x="4196080" y="5508625"/>
+            <a:ext cx="2537460" cy="1181100"/>
+          </a:xfrm>
+          <a:prstGeom prst="rect">
+            <a:avLst/>
+          </a:prstGeom>
+        </p:spPr>
+      </p:pic>
+    </p:spTree>
+  </p:cSld>
+  <p:clrMapOvr>
+    <a:masterClrMapping/>
+  </p:clrMapOvr>
+</p:sld>
+</file>
+
+<file path=ppt/slides/slide11.xml><?xml version="1.0" encoding="utf-8"?>
 <p:sld xmlns:a="http://schemas.openxmlformats.org/drawingml/2006/main" xmlns:r="http://schemas.openxmlformats.org/officeDocument/2006/relationships" xmlns:p="http://schemas.openxmlformats.org/presentationml/2006/main">
   <p:cSld>
     <p:spTree>
@@ -3862,7 +4144,7 @@
 </p:sld>
 </file>
 
-<file path=ppt/slides/slide11.xml><?xml version="1.0" encoding="utf-8"?>
+<file path=ppt/slides/slide12.xml><?xml version="1.0" encoding="utf-8"?>
 <p:sld xmlns:a="http://schemas.openxmlformats.org/drawingml/2006/main" xmlns:r="http://schemas.openxmlformats.org/officeDocument/2006/relationships" xmlns:p="http://schemas.openxmlformats.org/presentationml/2006/main">
   <p:cSld>
     <p:spTree>
@@ -3911,60 +4193,69 @@
         <p:txBody>
           <a:bodyPr/>
           <a:p>
-            <a:r>
-              <a:rPr lang="ru-RU" altLang="en-US">
+            <a:pPr marL="0" indent="0">
+              <a:buNone/>
+            </a:pPr>
+            <a:r>
+              <a:rPr lang="ru-RU" altLang="en-US" sz="2800">
                 <a:sym typeface="+mn-ea"/>
               </a:rPr>
               <a:t>Тест №5</a:t>
             </a:r>
             <a:r>
-              <a:rPr lang="en-US" altLang="en-US">
+              <a:rPr lang="en-US" altLang="en-US" sz="2800">
                 <a:sym typeface="+mn-ea"/>
               </a:rPr>
               <a:t>: </a:t>
             </a:r>
             <a:r>
-              <a:rPr lang="ru-RU" altLang="en-US">
+              <a:rPr lang="ru-RU" altLang="en-US" sz="2800">
                 <a:sym typeface="+mn-ea"/>
               </a:rPr>
               <a:t>Повторно войти на предприятие и </a:t>
             </a:r>
             <a:r>
-              <a:rPr lang="ru-RU">
+              <a:rPr lang="ru-RU" sz="2800">
                 <a:sym typeface="+mn-ea"/>
               </a:rPr>
               <a:t>Попытка покинуть предприятия без предъявления идентификатора(эл.почты)</a:t>
             </a:r>
             <a:r>
-              <a:rPr lang="ru-RU" altLang="en-US">
+              <a:rPr lang="ru-RU" altLang="en-US" sz="2800">
                 <a:sym typeface="+mn-ea"/>
               </a:rPr>
               <a:t>.</a:t>
             </a:r>
-            <a:endParaRPr lang="ru-RU" altLang="en-US">
+            <a:endParaRPr lang="ru-RU" altLang="en-US" sz="2800">
               <a:sym typeface="+mn-ea"/>
             </a:endParaRPr>
           </a:p>
           <a:p>
-            <a:r>
-              <a:rPr lang="ru-RU" altLang="en-US">
+            <a:pPr marL="0" indent="0">
+              <a:buNone/>
+            </a:pPr>
+            <a:r>
+              <a:rPr lang="ru-RU" altLang="en-US" sz="2800">
                 <a:sym typeface="+mn-ea"/>
               </a:rPr>
               <a:t>Создаем гостевой профиль, осуществляем вход, и попытку выхода специально указав минимальновозможное время пребывания получаем</a:t>
             </a:r>
             <a:r>
-              <a:rPr lang="en-US" altLang="ru-RU">
+              <a:rPr lang="en-US" altLang="ru-RU" sz="2800">
                 <a:sym typeface="+mn-ea"/>
               </a:rPr>
               <a:t>:</a:t>
             </a:r>
-            <a:endParaRPr lang="ru-RU" altLang="en-US"/>
-          </a:p>
-          <a:p>
-            <a:endParaRPr lang="ru-RU" altLang="en-US"/>
-          </a:p>
-          <a:p>
-            <a:endParaRPr lang="ru-RU" altLang="en-US"/>
+            <a:endParaRPr lang="ru-RU" altLang="en-US" sz="2800"/>
+          </a:p>
+          <a:p>
+            <a:pPr marL="0" indent="0">
+              <a:buNone/>
+            </a:pPr>
+            <a:endParaRPr lang="ru-RU" altLang="en-US" sz="2800"/>
+          </a:p>
+          <a:p>
+            <a:endParaRPr lang="ru-RU" altLang="en-US" sz="2800"/>
           </a:p>
         </p:txBody>
       </p:sp>
@@ -4000,7 +4291,7 @@
 </p:sld>
 </file>
 
-<file path=ppt/slides/slide12.xml><?xml version="1.0" encoding="utf-8"?>
+<file path=ppt/slides/slide13.xml><?xml version="1.0" encoding="utf-8"?>
 <p:sld xmlns:a="http://schemas.openxmlformats.org/drawingml/2006/main" xmlns:r="http://schemas.openxmlformats.org/officeDocument/2006/relationships" xmlns:p="http://schemas.openxmlformats.org/presentationml/2006/main">
   <p:cSld>
     <p:spTree>
@@ -4047,36 +4338,52 @@
         <p:txBody>
           <a:bodyPr/>
           <a:p>
-            <a:r>
-              <a:rPr lang="ru-RU" altLang="en-US"/>
+            <a:pPr marL="0" indent="0">
+              <a:buNone/>
+            </a:pPr>
+            <a:r>
+              <a:rPr lang="ru-RU" altLang="en-US" sz="2400"/>
               <a:t>По результатам тестов можно сказать, что проект готов к дальнейшему использованию и разработке.</a:t>
             </a:r>
-            <a:endParaRPr lang="ru-RU" altLang="en-US"/>
-          </a:p>
-          <a:p>
-            <a:endParaRPr lang="ru-RU" altLang="en-US"/>
-          </a:p>
-          <a:p>
-            <a:r>
-              <a:rPr lang="ru-RU" altLang="en-US"/>
+            <a:endParaRPr lang="ru-RU" altLang="en-US" sz="2400"/>
+          </a:p>
+          <a:p>
+            <a:pPr marL="0" indent="0">
+              <a:buNone/>
+            </a:pPr>
+            <a:r>
+              <a:rPr lang="ru-RU" altLang="en-US" sz="2400"/>
               <a:t>В рамках развития данного проекта я предлагаю сделать более надежный способ подтверждения личности, например использование биометрии или </a:t>
             </a:r>
             <a:r>
-              <a:rPr lang="en-US" altLang="ru-RU"/>
+              <a:rPr lang="en-US" altLang="ru-RU" sz="2400"/>
               <a:t>NFC</a:t>
             </a:r>
             <a:r>
-              <a:rPr lang="ru-RU" altLang="en-US"/>
+              <a:rPr lang="ru-RU" altLang="en-US" sz="2400"/>
               <a:t>-ключей.</a:t>
             </a:r>
-            <a:endParaRPr lang="ru-RU" altLang="en-US"/>
-          </a:p>
-          <a:p>
-            <a:r>
-              <a:rPr lang="ru-RU" altLang="en-US"/>
+            <a:endParaRPr lang="ru-RU" altLang="en-US" sz="2400"/>
+          </a:p>
+          <a:p>
+            <a:pPr marL="0" indent="0">
+              <a:buNone/>
+            </a:pPr>
+            <a:r>
+              <a:rPr lang="ru-RU" altLang="en-US" sz="2400"/>
               <a:t>Данный проект может быть использован в реальных условиях, при условии доработки, создания более приятного визуала и расширения функционала(вывод фото сотрудника с целью более существенного подтверждения личности)</a:t>
             </a:r>
-            <a:endParaRPr lang="ru-RU" altLang="en-US"/>
+            <a:endParaRPr lang="ru-RU" altLang="en-US" sz="2400"/>
+          </a:p>
+          <a:p>
+            <a:pPr marL="0" indent="0">
+              <a:buNone/>
+            </a:pPr>
+            <a:r>
+              <a:rPr lang="ru-RU" altLang="en-US" sz="2400"/>
+              <a:t>Спасибо за предоставленную возможность поработать над проектом и визуализацией предложения по использованию продукта</a:t>
+            </a:r>
+            <a:endParaRPr lang="ru-RU" altLang="en-US" sz="2400"/>
           </a:p>
         </p:txBody>
       </p:sp>
@@ -4139,84 +4446,133 @@
         </p:spPr>
         <p:txBody>
           <a:bodyPr>
-            <a:normAutofit lnSpcReduction="10000"/>
+            <a:noAutofit/>
           </a:bodyPr>
           <a:p>
-            <a:r>
-              <a:rPr lang="ru-RU" altLang="en-US"/>
-              <a:t> Цели</a:t>
-            </a:r>
-            <a:r>
-              <a:rPr lang="en-US" altLang="en-US"/>
+            <a:pPr marL="0" indent="0">
+              <a:buNone/>
+            </a:pPr>
+            <a:r>
+              <a:rPr lang="ru-RU" altLang="en-US" sz="2800"/>
+              <a:t> </a:t>
+            </a:r>
+            <a:r>
+              <a:rPr lang="ru-RU" altLang="en-US" sz="2000"/>
+              <a:t>Цели</a:t>
+            </a:r>
+            <a:r>
+              <a:rPr lang="en-US" altLang="en-US" sz="2000"/>
               <a:t>: </a:t>
             </a:r>
-            <a:endParaRPr lang="en-US" altLang="en-US"/>
-          </a:p>
-          <a:p>
-            <a:r>
-              <a:rPr lang="ru-RU" altLang="en-US"/>
+            <a:endParaRPr lang="en-US" altLang="en-US" sz="2000"/>
+          </a:p>
+          <a:p>
+            <a:pPr marL="0" indent="0">
+              <a:buNone/>
+            </a:pPr>
+            <a:r>
+              <a:rPr lang="ru-RU" altLang="en-US" sz="2000"/>
               <a:t>1</a:t>
             </a:r>
             <a:r>
-              <a:rPr lang="en-US" altLang="en-US"/>
+              <a:rPr lang="en-US" altLang="en-US" sz="2000"/>
               <a:t>) </a:t>
             </a:r>
             <a:r>
-              <a:rPr lang="ru-RU" altLang="en-US"/>
+              <a:rPr lang="ru-RU" altLang="en-US" sz="2000"/>
               <a:t>Оптимизация процесса контроля людского трафика.</a:t>
             </a:r>
-            <a:endParaRPr lang="en-US" altLang="en-US"/>
-          </a:p>
-          <a:p>
-            <a:r>
-              <a:rPr lang="en-US" altLang="en-US"/>
+            <a:endParaRPr lang="en-US" altLang="en-US" sz="2000"/>
+          </a:p>
+          <a:p>
+            <a:pPr marL="0" indent="0">
+              <a:buNone/>
+            </a:pPr>
+            <a:r>
+              <a:rPr lang="en-US" altLang="en-US" sz="2000"/>
               <a:t>2) </a:t>
             </a:r>
             <a:r>
-              <a:rPr lang="ru-RU" altLang="en-US"/>
+              <a:rPr lang="ru-RU" altLang="en-US" sz="2000"/>
               <a:t>Ускорение и Увеличение эффективности взаимодейстивия офисной архитектуры.</a:t>
             </a:r>
-            <a:endParaRPr lang="ru-RU" altLang="en-US"/>
-          </a:p>
-          <a:p>
-            <a:r>
-              <a:rPr lang="ru-RU" altLang="en-US"/>
+            <a:endParaRPr lang="ru-RU" altLang="en-US" sz="2000"/>
+          </a:p>
+          <a:p>
+            <a:pPr marL="0" indent="0">
+              <a:buNone/>
+            </a:pPr>
+            <a:r>
+              <a:rPr lang="ru-RU" altLang="en-US" sz="2000"/>
               <a:t>3) Улучшения качества безопасности и работоспособности охранного персонала.</a:t>
             </a:r>
-            <a:endParaRPr lang="ru-RU" altLang="en-US"/>
-          </a:p>
-          <a:p>
-            <a:r>
-              <a:rPr lang="ru-RU" altLang="en-US"/>
+            <a:endParaRPr lang="ru-RU" altLang="en-US" sz="2000"/>
+          </a:p>
+          <a:p>
+            <a:pPr marL="0" indent="0">
+              <a:buNone/>
+            </a:pPr>
+            <a:endParaRPr lang="ru-RU" altLang="en-US" sz="2000"/>
+          </a:p>
+          <a:p>
+            <a:pPr marL="0" indent="0">
+              <a:buNone/>
+            </a:pPr>
+            <a:endParaRPr lang="ru-RU" altLang="en-US" sz="2000"/>
+          </a:p>
+          <a:p>
+            <a:pPr marL="0" indent="0">
+              <a:buNone/>
+            </a:pPr>
+            <a:r>
+              <a:rPr lang="ru-RU" altLang="en-US" sz="2000"/>
               <a:t>Задачи</a:t>
             </a:r>
             <a:r>
-              <a:rPr lang="en-US" altLang="en-US"/>
+              <a:rPr lang="en-US" altLang="en-US" sz="2000"/>
               <a:t>:</a:t>
             </a:r>
-            <a:endParaRPr lang="ru-RU" altLang="en-US"/>
-          </a:p>
-          <a:p>
-            <a:r>
-              <a:rPr lang="ru-RU" altLang="en-US"/>
+            <a:endParaRPr lang="ru-RU" altLang="en-US" sz="2000"/>
+          </a:p>
+          <a:p>
+            <a:pPr marL="0" indent="0">
+              <a:buNone/>
+            </a:pPr>
+            <a:r>
+              <a:rPr lang="ru-RU" altLang="en-US" sz="2000"/>
               <a:t>Разработка Приложения, позволяющего вести учет посещения предприятия, обладающего простым и понятным интерфейсом</a:t>
             </a:r>
-            <a:endParaRPr lang="ru-RU" altLang="en-US"/>
-          </a:p>
-          <a:p>
-            <a:r>
-              <a:rPr lang="ru-RU" altLang="en-US"/>
+            <a:endParaRPr lang="ru-RU" altLang="en-US" sz="2000"/>
+          </a:p>
+          <a:p>
+            <a:pPr marL="0" indent="0">
+              <a:buNone/>
+            </a:pPr>
+            <a:endParaRPr lang="ru-RU" altLang="en-US" sz="2000"/>
+          </a:p>
+          <a:p>
+            <a:pPr marL="0" indent="0">
+              <a:buNone/>
+            </a:pPr>
+            <a:endParaRPr lang="ru-RU" altLang="en-US" sz="2000"/>
+          </a:p>
+          <a:p>
+            <a:pPr marL="0" indent="0">
+              <a:buNone/>
+            </a:pPr>
+            <a:r>
+              <a:rPr lang="ru-RU" altLang="en-US" sz="2000"/>
               <a:t>Актуальность</a:t>
             </a:r>
             <a:r>
-              <a:rPr lang="en-US" altLang="en-US"/>
+              <a:rPr lang="en-US" altLang="en-US" sz="2000"/>
               <a:t>: </a:t>
             </a:r>
             <a:r>
-              <a:rPr lang="ru-RU" altLang="en-US"/>
+              <a:rPr lang="ru-RU" altLang="en-US" sz="2000"/>
               <a:t>Необходимость создания и использования данного метода контроля посещаемости, обусловлена возможностью несанкционированного вмешателльства в экосистему предприятия, а также угрозой нарушения работоспособности.</a:t>
             </a:r>
-            <a:endParaRPr lang="ru-RU" altLang="en-US"/>
+            <a:endParaRPr lang="ru-RU" altLang="en-US" sz="2000"/>
           </a:p>
         </p:txBody>
       </p:sp>
@@ -4250,8 +4606,8 @@
         </p:nvSpPr>
         <p:spPr>
           <a:xfrm>
-            <a:off x="647700" y="258445"/>
-            <a:ext cx="10515600" cy="975995"/>
+            <a:off x="647700" y="0"/>
+            <a:ext cx="10515600" cy="912495"/>
           </a:xfrm>
         </p:spPr>
         <p:txBody>
@@ -4279,82 +4635,109 @@
         <p:spPr>
           <a:xfrm>
             <a:off x="647700" y="1234440"/>
-            <a:ext cx="10515600" cy="4942840"/>
+            <a:ext cx="4672965" cy="4942840"/>
           </a:xfrm>
         </p:spPr>
         <p:txBody>
           <a:bodyPr>
-            <a:normAutofit lnSpcReduction="20000"/>
+            <a:normAutofit fontScale="50000"/>
           </a:bodyPr>
           <a:p>
-            <a:pPr algn="l"/>
-            <a:r>
-              <a:rPr lang="ru-RU" altLang="en-US"/>
+            <a:pPr marL="0" indent="0" algn="just">
+              <a:buNone/>
+            </a:pPr>
+            <a:r>
+              <a:rPr lang="ru-RU" altLang="en-US" sz="3000"/>
               <a:t>Приложение состоит из двух диалогов окон и двух Баз Данных</a:t>
             </a:r>
             <a:r>
-              <a:rPr lang="en-US" altLang="en-US"/>
+              <a:rPr lang="en-US" altLang="en-US" sz="3000"/>
               <a:t>:</a:t>
             </a:r>
-            <a:endParaRPr lang="en-US" altLang="en-US"/>
-          </a:p>
-          <a:p>
-            <a:pPr algn="l"/>
-            <a:r>
-              <a:rPr lang="ru-RU" altLang="en-US"/>
+            <a:endParaRPr lang="en-US" altLang="en-US" sz="3000"/>
+          </a:p>
+          <a:p>
+            <a:pPr marL="0" indent="0" algn="just">
+              <a:buNone/>
+            </a:pPr>
+            <a:r>
+              <a:rPr lang="ru-RU" altLang="en-US" sz="3000"/>
               <a:t>Терминал Сотрудников - Окно учета входа</a:t>
             </a:r>
             <a:r>
-              <a:rPr lang="en-US" altLang="en-US"/>
+              <a:rPr lang="en-US" altLang="en-US" sz="3000"/>
               <a:t>/</a:t>
             </a:r>
             <a:r>
-              <a:rPr lang="ru-RU" altLang="en-US"/>
+              <a:rPr lang="ru-RU" altLang="en-US" sz="3000"/>
               <a:t>выхода сотрудников</a:t>
             </a:r>
             <a:r>
-              <a:rPr lang="en-US" altLang="en-US"/>
+              <a:rPr lang="en-US" altLang="en-US" sz="3000"/>
               <a:t>: </a:t>
             </a:r>
             <a:r>
-              <a:rPr lang="ru-RU" altLang="en-US"/>
+              <a:rPr lang="ru-RU" altLang="en-US" sz="3000"/>
               <a:t>состоит из полей ввода </a:t>
             </a:r>
             <a:r>
-              <a:rPr lang="en-US" altLang="en-US"/>
+              <a:rPr lang="en-US" altLang="en-US" sz="3000"/>
               <a:t>ID </a:t>
             </a:r>
             <a:r>
-              <a:rPr lang="ru-RU" altLang="en-US"/>
+              <a:rPr lang="ru-RU" altLang="en-US" sz="3000"/>
               <a:t>сотрудника, который присваевается на входе, его имени, а также наличия транспортного средства. Алгоритм проверяет соответствие введеной почты, с данными внутри базы данных, таким образом осуществляется идентификация персонала, в случае наличия т.с, сотруднику предоставляется свободное парковочное место, если они отсутствуют, об этом будет сказано. При прохождении терминала охраны, Фиксируется время входа и выхода соответственно.</a:t>
             </a:r>
+            <a:endParaRPr lang="ru-RU" altLang="en-US" sz="3000"/>
+          </a:p>
+          <a:p>
+            <a:pPr marL="0" indent="0" algn="just">
+              <a:buNone/>
+            </a:pPr>
+            <a:r>
+              <a:rPr lang="ru-RU" altLang="en-US" sz="3000"/>
+              <a:t>База Данных с информацией о сотрудниках хранит личные данные персонала, должность, контактные данные, а также время входа</a:t>
+            </a:r>
+            <a:r>
+              <a:rPr lang="en-US" altLang="en-US" sz="3000"/>
+              <a:t>/</a:t>
+            </a:r>
+            <a:r>
+              <a:rPr lang="ru-RU" altLang="en-US" sz="3000"/>
+              <a:t>выхода с объекта. Все за исклчением времени не изменяется.</a:t>
+            </a:r>
+            <a:endParaRPr lang="ru-RU" altLang="en-US" sz="3000"/>
+          </a:p>
+          <a:p>
+            <a:pPr algn="just"/>
             <a:endParaRPr lang="ru-RU" altLang="en-US"/>
           </a:p>
-          <a:p>
-            <a:pPr algn="l"/>
-            <a:r>
-              <a:rPr lang="ru-RU" altLang="en-US"/>
-              <a:t>База Данных с информацией о сотрудниках хранит личные данные персонала, должность, контактные данные, а также время входа</a:t>
-            </a:r>
-            <a:r>
-              <a:rPr lang="en-US" altLang="en-US"/>
-              <a:t>/</a:t>
-            </a:r>
-            <a:r>
-              <a:rPr lang="ru-RU" altLang="en-US"/>
-              <a:t>выхода с объекта. Все за исклчением времени не изменяется.</a:t>
-            </a:r>
-            <a:endParaRPr lang="ru-RU" altLang="en-US"/>
-          </a:p>
-          <a:p>
-            <a:r>
-              <a:rPr lang="ru-RU" altLang="en-US"/>
-              <a:t> </a:t>
-            </a:r>
-            <a:endParaRPr lang="ru-RU" altLang="en-US"/>
-          </a:p>
-        </p:txBody>
-      </p:sp>
+        </p:txBody>
+      </p:sp>
+      <p:pic>
+        <p:nvPicPr>
+          <p:cNvPr id="4" name="Изображение 3"/>
+          <p:cNvPicPr>
+            <a:picLocks noChangeAspect="1"/>
+          </p:cNvPicPr>
+          <p:nvPr/>
+        </p:nvPicPr>
+        <p:blipFill>
+          <a:blip r:embed="rId1"/>
+          <a:stretch>
+            <a:fillRect/>
+          </a:stretch>
+        </p:blipFill>
+        <p:spPr>
+          <a:xfrm>
+            <a:off x="5650865" y="1064895"/>
+            <a:ext cx="5595620" cy="5234940"/>
+          </a:xfrm>
+          <a:prstGeom prst="rect">
+            <a:avLst/>
+          </a:prstGeom>
+        </p:spPr>
+      </p:pic>
     </p:spTree>
   </p:cSld>
   <p:clrMapOvr>
@@ -4385,18 +4768,13 @@
         </p:nvSpPr>
         <p:spPr>
           <a:xfrm>
-            <a:off x="647700" y="258445"/>
-            <a:ext cx="10515600" cy="1023620"/>
+            <a:off x="-542290" y="202565"/>
+            <a:ext cx="325120" cy="351155"/>
           </a:xfrm>
         </p:spPr>
         <p:txBody>
           <a:bodyPr/>
           <a:p>
-            <a:pPr algn="ctr"/>
-            <a:r>
-              <a:rPr lang="ru-RU" altLang="en-US"/>
-              <a:t>Функциональность</a:t>
-            </a:r>
             <a:endParaRPr lang="ru-RU" altLang="en-US"/>
           </a:p>
         </p:txBody>
@@ -4413,30 +4791,110 @@
         </p:nvSpPr>
         <p:spPr>
           <a:xfrm>
-            <a:off x="647700" y="1282700"/>
-            <a:ext cx="10515600" cy="4894580"/>
+            <a:off x="0" y="2050415"/>
+            <a:ext cx="3894455" cy="4808220"/>
           </a:xfrm>
         </p:spPr>
         <p:txBody>
-          <a:bodyPr>
-            <a:normAutofit lnSpcReduction="20000"/>
-          </a:bodyPr>
-          <a:p>
-            <a:r>
-              <a:rPr lang="ru-RU" altLang="en-US"/>
-              <a:t>Терминал Учета Гостей - в случае посещения предприятия лицом, не являющимся сотрудником, он может воспользоваться гостевым пропуском, в терминале учета сотрудников, необходимо выбрать опцию «Меню Гостя», там необходимо оставить личные данные и время,которое планируется провести на территории, после заполнения всех полей, и осуществления входа,  фиксируется время, всем гостям разрешено находится на территории предприятия фиксированное кол-во времени, в случае просрочки гостевого пропуска, будет высвечено предупреждение, и просьба обратиться к охранному руководству. Гости также обладают возможностью пользования парковочными местами, однако их число и приоритет пользования ниже чем у сотрудников.</a:t>
-            </a:r>
-            <a:endParaRPr lang="ru-RU" altLang="en-US"/>
-          </a:p>
-          <a:p>
-            <a:r>
-              <a:rPr lang="ru-RU" altLang="en-US"/>
-              <a:t>База данных гостей фиксирует полученную на пункте выдаче пропусков, а также время и время посещения.</a:t>
-            </a:r>
-            <a:endParaRPr lang="ru-RU" altLang="en-US"/>
-          </a:p>
-        </p:txBody>
-      </p:sp>
+          <a:bodyPr/>
+          <a:p>
+            <a:pPr marL="0" indent="0" algn="l">
+              <a:buNone/>
+            </a:pPr>
+            <a:r>
+              <a:rPr lang="ru-RU" altLang="en-US" sz="2000"/>
+              <a:t>парковочные места выдаются по принципу приоритета</a:t>
+            </a:r>
+            <a:r>
+              <a:rPr lang="en-US" altLang="en-US" sz="2000"/>
+              <a:t>:</a:t>
+            </a:r>
+            <a:endParaRPr lang="en-US" altLang="en-US" sz="2000"/>
+          </a:p>
+          <a:p>
+            <a:pPr marL="0" indent="0" algn="l">
+              <a:buNone/>
+            </a:pPr>
+            <a:r>
+              <a:rPr lang="ru-RU" altLang="en-US" sz="2000"/>
+              <a:t>сотрудники имеют преимущественное право на пользование транспортными средствами, в случае указания наличия т.с.</a:t>
+            </a:r>
+            <a:endParaRPr lang="ru-RU" altLang="en-US" sz="2000"/>
+          </a:p>
+        </p:txBody>
+      </p:sp>
+      <p:pic>
+        <p:nvPicPr>
+          <p:cNvPr id="4" name="Изображение 3"/>
+          <p:cNvPicPr>
+            <a:picLocks noChangeAspect="1"/>
+          </p:cNvPicPr>
+          <p:nvPr/>
+        </p:nvPicPr>
+        <p:blipFill>
+          <a:blip r:embed="rId1"/>
+          <a:stretch>
+            <a:fillRect/>
+          </a:stretch>
+        </p:blipFill>
+        <p:spPr>
+          <a:xfrm>
+            <a:off x="3894455" y="202565"/>
+            <a:ext cx="5772150" cy="2914650"/>
+          </a:xfrm>
+          <a:prstGeom prst="rect">
+            <a:avLst/>
+          </a:prstGeom>
+        </p:spPr>
+      </p:pic>
+      <p:pic>
+        <p:nvPicPr>
+          <p:cNvPr id="5" name="Изображение 4"/>
+          <p:cNvPicPr>
+            <a:picLocks noChangeAspect="1"/>
+          </p:cNvPicPr>
+          <p:nvPr/>
+        </p:nvPicPr>
+        <p:blipFill>
+          <a:blip r:embed="rId2"/>
+          <a:stretch>
+            <a:fillRect/>
+          </a:stretch>
+        </p:blipFill>
+        <p:spPr>
+          <a:xfrm>
+            <a:off x="6431280" y="3347085"/>
+            <a:ext cx="5029200" cy="1533525"/>
+          </a:xfrm>
+          <a:prstGeom prst="rect">
+            <a:avLst/>
+          </a:prstGeom>
+        </p:spPr>
+      </p:pic>
+      <p:pic>
+        <p:nvPicPr>
+          <p:cNvPr id="6" name="Изображение 5"/>
+          <p:cNvPicPr>
+            <a:picLocks noChangeAspect="1"/>
+          </p:cNvPicPr>
+          <p:nvPr/>
+        </p:nvPicPr>
+        <p:blipFill>
+          <a:blip r:embed="rId3"/>
+          <a:stretch>
+            <a:fillRect/>
+          </a:stretch>
+        </p:blipFill>
+        <p:spPr>
+          <a:xfrm>
+            <a:off x="3894455" y="4965065"/>
+            <a:ext cx="3105150" cy="1114425"/>
+          </a:xfrm>
+          <a:prstGeom prst="rect">
+            <a:avLst/>
+          </a:prstGeom>
+        </p:spPr>
+      </p:pic>
     </p:spTree>
   </p:cSld>
   <p:clrMapOvr>
@@ -4446,6 +4904,116 @@
 </file>
 
 <file path=ppt/slides/slide5.xml><?xml version="1.0" encoding="utf-8"?>
+<p:sld xmlns:a="http://schemas.openxmlformats.org/drawingml/2006/main" xmlns:r="http://schemas.openxmlformats.org/officeDocument/2006/relationships" xmlns:p="http://schemas.openxmlformats.org/presentationml/2006/main">
+  <p:cSld>
+    <p:spTree>
+      <p:nvGrpSpPr>
+        <p:cNvPr id="1" name=""/>
+        <p:cNvGrpSpPr/>
+        <p:nvPr/>
+      </p:nvGrpSpPr>
+      <p:grpSpPr/>
+      <p:sp>
+        <p:nvSpPr>
+          <p:cNvPr id="2" name="Заголовок 1"/>
+          <p:cNvSpPr>
+            <a:spLocks noGrp="1"/>
+          </p:cNvSpPr>
+          <p:nvPr>
+            <p:ph type="title"/>
+          </p:nvPr>
+        </p:nvSpPr>
+        <p:spPr>
+          <a:xfrm>
+            <a:off x="647700" y="258445"/>
+            <a:ext cx="10515600" cy="1023620"/>
+          </a:xfrm>
+        </p:spPr>
+        <p:txBody>
+          <a:bodyPr/>
+          <a:p>
+            <a:pPr algn="ctr"/>
+            <a:r>
+              <a:rPr lang="ru-RU" altLang="en-US"/>
+              <a:t>Функциональность</a:t>
+            </a:r>
+            <a:endParaRPr lang="ru-RU" altLang="en-US"/>
+          </a:p>
+        </p:txBody>
+      </p:sp>
+      <p:sp>
+        <p:nvSpPr>
+          <p:cNvPr id="3" name="Замещающее содержимое 2"/>
+          <p:cNvSpPr>
+            <a:spLocks noGrp="1"/>
+          </p:cNvSpPr>
+          <p:nvPr>
+            <p:ph idx="1"/>
+          </p:nvPr>
+        </p:nvSpPr>
+        <p:spPr>
+          <a:xfrm>
+            <a:off x="6367780" y="1282700"/>
+            <a:ext cx="4795520" cy="4894580"/>
+          </a:xfrm>
+        </p:spPr>
+        <p:txBody>
+          <a:bodyPr/>
+          <a:p>
+            <a:pPr marL="0" indent="0" algn="just">
+              <a:buNone/>
+            </a:pPr>
+            <a:r>
+              <a:rPr lang="ru-RU" altLang="en-US" sz="1600"/>
+              <a:t>Терминал Учета Гостей - в случае посещения предприятия лицом, не являющимся сотрудником, он может воспользоваться гостевым пропуском, в терминале учета сотрудников, необходимо выбрать опцию «Меню Гостя», там необходимо оставить личные данные и время,которое планируется провести на территории, после заполнения всех полей, и осуществления входа,  фиксируется время, всем гостям разрешено находится на территории предприятия фиксированное кол-во времени, в случае просрочки гостевого пропуска, будет высвечено предупреждение, и просьба обратиться к охранному руководству. Гости также обладают возможностью пользования парковочными местами, однако их число и приоритет пользования ниже чем у сотрудников.</a:t>
+            </a:r>
+            <a:endParaRPr lang="ru-RU" altLang="en-US" sz="1600"/>
+          </a:p>
+          <a:p>
+            <a:pPr marL="0" indent="0" algn="just">
+              <a:buNone/>
+            </a:pPr>
+            <a:r>
+              <a:rPr lang="ru-RU" altLang="en-US" sz="1600"/>
+              <a:t>База данных гостей фиксирует полученную на пункте выдаче пропусков, а также время и время посещения.</a:t>
+            </a:r>
+            <a:endParaRPr lang="ru-RU" altLang="en-US" sz="1600"/>
+          </a:p>
+        </p:txBody>
+      </p:sp>
+      <p:pic>
+        <p:nvPicPr>
+          <p:cNvPr id="4" name="Изображение 3"/>
+          <p:cNvPicPr>
+            <a:picLocks noChangeAspect="1"/>
+          </p:cNvPicPr>
+          <p:nvPr/>
+        </p:nvPicPr>
+        <p:blipFill>
+          <a:blip r:embed="rId1"/>
+          <a:stretch>
+            <a:fillRect/>
+          </a:stretch>
+        </p:blipFill>
+        <p:spPr>
+          <a:xfrm>
+            <a:off x="560705" y="1282700"/>
+            <a:ext cx="5123815" cy="5216525"/>
+          </a:xfrm>
+          <a:prstGeom prst="rect">
+            <a:avLst/>
+          </a:prstGeom>
+        </p:spPr>
+      </p:pic>
+    </p:spTree>
+  </p:cSld>
+  <p:clrMapOvr>
+    <a:masterClrMapping/>
+  </p:clrMapOvr>
+</p:sld>
+</file>
+
+<file path=ppt/slides/slide6.xml><?xml version="1.0" encoding="utf-8"?>
 <p:sld xmlns:a="http://schemas.openxmlformats.org/drawingml/2006/main" xmlns:r="http://schemas.openxmlformats.org/officeDocument/2006/relationships" xmlns:p="http://schemas.openxmlformats.org/presentationml/2006/main">
   <p:cSld>
     <p:spTree>
@@ -4555,139 +5123,6 @@
 </p:sld>
 </file>
 
-<file path=ppt/slides/slide6.xml><?xml version="1.0" encoding="utf-8"?>
-<p:sld xmlns:a="http://schemas.openxmlformats.org/drawingml/2006/main" xmlns:r="http://schemas.openxmlformats.org/officeDocument/2006/relationships" xmlns:p="http://schemas.openxmlformats.org/presentationml/2006/main">
-  <p:cSld>
-    <p:spTree>
-      <p:nvGrpSpPr>
-        <p:cNvPr id="1" name=""/>
-        <p:cNvGrpSpPr/>
-        <p:nvPr/>
-      </p:nvGrpSpPr>
-      <p:grpSpPr/>
-      <p:sp>
-        <p:nvSpPr>
-          <p:cNvPr id="2" name="Заголовок 1"/>
-          <p:cNvSpPr>
-            <a:spLocks noGrp="1"/>
-          </p:cNvSpPr>
-          <p:nvPr>
-            <p:ph type="title"/>
-          </p:nvPr>
-        </p:nvSpPr>
-        <p:spPr/>
-        <p:txBody>
-          <a:bodyPr/>
-          <a:p>
-            <a:pPr algn="ctr"/>
-            <a:r>
-              <a:rPr lang="ru-RU" altLang="en-US"/>
-              <a:t>Архитектура приложения</a:t>
-            </a:r>
-            <a:endParaRPr lang="ru-RU" altLang="en-US"/>
-          </a:p>
-        </p:txBody>
-      </p:sp>
-      <p:sp>
-        <p:nvSpPr>
-          <p:cNvPr id="3" name="Замещающее содержимое 2"/>
-          <p:cNvSpPr>
-            <a:spLocks noGrp="1"/>
-          </p:cNvSpPr>
-          <p:nvPr>
-            <p:ph idx="1"/>
-          </p:nvPr>
-        </p:nvSpPr>
-        <p:spPr/>
-        <p:txBody>
-          <a:bodyPr/>
-          <a:p>
-            <a:r>
-              <a:rPr lang="ru-RU" altLang="en-US" b="1"/>
-              <a:t>1</a:t>
-            </a:r>
-            <a:r>
-              <a:rPr lang="en-US" altLang="en-US" b="1"/>
-              <a:t>) </a:t>
-            </a:r>
-            <a:r>
-              <a:rPr lang="ru-RU" altLang="en-US" b="1"/>
-              <a:t>алгоритм написан на языке програмироания </a:t>
-            </a:r>
-            <a:r>
-              <a:rPr lang="en-US" altLang="en-US" b="1"/>
-              <a:t>Python</a:t>
-            </a:r>
-            <a:r>
-              <a:rPr lang="ru-RU" altLang="en-US" b="1"/>
-              <a:t> с использованием </a:t>
-            </a:r>
-            <a:r>
-              <a:rPr lang="en-US" altLang="en-US" b="1"/>
-              <a:t>API Pycharm.</a:t>
-            </a:r>
-            <a:endParaRPr lang="en-US" altLang="en-US" b="1"/>
-          </a:p>
-          <a:p>
-            <a:endParaRPr lang="en-US" altLang="en-US" b="1"/>
-          </a:p>
-          <a:p>
-            <a:endParaRPr lang="en-US" altLang="en-US" b="1"/>
-          </a:p>
-          <a:p>
-            <a:r>
-              <a:rPr lang="en-US" altLang="ru-RU" b="1"/>
-              <a:t>2) </a:t>
-            </a:r>
-            <a:r>
-              <a:rPr lang="ru-RU" altLang="ru-RU" b="1"/>
-              <a:t>для создания визуализации использовалась библиотека </a:t>
-            </a:r>
-            <a:r>
-              <a:rPr lang="en-US" altLang="ru-RU" b="1"/>
-              <a:t>PyQt6</a:t>
-            </a:r>
-            <a:r>
-              <a:rPr lang="ru-RU" altLang="ru-RU" b="1"/>
-              <a:t>.</a:t>
-            </a:r>
-            <a:endParaRPr lang="ru-RU" altLang="ru-RU" b="1"/>
-          </a:p>
-          <a:p>
-            <a:endParaRPr lang="ru-RU" altLang="ru-RU" b="1"/>
-          </a:p>
-          <a:p>
-            <a:endParaRPr lang="ru-RU" altLang="ru-RU" b="1"/>
-          </a:p>
-          <a:p>
-            <a:r>
-              <a:rPr lang="ru-RU" altLang="ru-RU" b="1"/>
-              <a:t>3) для работы с базами данных, использолвалась встроенная в </a:t>
-            </a:r>
-            <a:r>
-              <a:rPr lang="en-US" altLang="ru-RU" b="1"/>
-              <a:t>Python</a:t>
-            </a:r>
-            <a:r>
-              <a:rPr lang="ru-RU" altLang="ru-RU" b="1"/>
-              <a:t> библиотека </a:t>
-            </a:r>
-            <a:r>
-              <a:rPr lang="en-US" altLang="ru-RU" b="1"/>
-              <a:t>Sqlite3</a:t>
-            </a:r>
-            <a:endParaRPr lang="en-US" altLang="ru-RU" b="1"/>
-          </a:p>
-        </p:txBody>
-      </p:sp>
-    </p:spTree>
-  </p:cSld>
-  <p:clrMapOvr>
-    <a:masterClrMapping/>
-  </p:clrMapOvr>
-</p:sld>
-</file>
-
 <file path=ppt/slides/slide7.xml><?xml version="1.0" encoding="utf-8"?>
 <p:sld xmlns:a="http://schemas.openxmlformats.org/drawingml/2006/main" xmlns:r="http://schemas.openxmlformats.org/officeDocument/2006/relationships" xmlns:p="http://schemas.openxmlformats.org/presentationml/2006/main">
   <p:cSld>
@@ -4708,10 +5143,196 @@
             <p:ph type="title"/>
           </p:nvPr>
         </p:nvSpPr>
+        <p:spPr/>
+        <p:txBody>
+          <a:bodyPr/>
+          <a:p>
+            <a:pPr algn="ctr"/>
+            <a:r>
+              <a:rPr lang="ru-RU" altLang="en-US"/>
+              <a:t>Архитектура приложения</a:t>
+            </a:r>
+            <a:endParaRPr lang="ru-RU" altLang="en-US"/>
+          </a:p>
+        </p:txBody>
+      </p:sp>
+      <p:sp>
+        <p:nvSpPr>
+          <p:cNvPr id="3" name="Замещающее содержимое 2"/>
+          <p:cNvSpPr>
+            <a:spLocks noGrp="1"/>
+          </p:cNvSpPr>
+          <p:nvPr>
+            <p:ph idx="1"/>
+          </p:nvPr>
+        </p:nvSpPr>
+        <p:spPr/>
+        <p:txBody>
+          <a:bodyPr/>
+          <a:p>
+            <a:pPr marL="0" indent="0">
+              <a:buNone/>
+            </a:pPr>
+            <a:r>
+              <a:rPr lang="ru-RU" altLang="en-US" sz="2400"/>
+              <a:t>1</a:t>
+            </a:r>
+            <a:r>
+              <a:rPr lang="en-US" altLang="en-US" sz="2400"/>
+              <a:t>) </a:t>
+            </a:r>
+            <a:r>
+              <a:rPr lang="ru-RU" altLang="en-US" sz="2400"/>
+              <a:t>алгоритм написан на языке програмироания </a:t>
+            </a:r>
+            <a:r>
+              <a:rPr lang="en-US" altLang="en-US" sz="2400"/>
+              <a:t>Python</a:t>
+            </a:r>
+            <a:r>
+              <a:rPr lang="ru-RU" altLang="en-US" sz="2400"/>
+              <a:t> с использованием </a:t>
+            </a:r>
+            <a:r>
+              <a:rPr lang="en-US" altLang="en-US" sz="2400"/>
+              <a:t>API Pycharm</a:t>
+            </a:r>
+            <a:r>
+              <a:rPr lang="ru-RU" altLang="en-US" sz="2400"/>
+              <a:t>, и дальнейшим переходом на </a:t>
+            </a:r>
+            <a:r>
+              <a:rPr lang="en-US" altLang="en-US" sz="2400"/>
+              <a:t>VS Code, </a:t>
+            </a:r>
+            <a:r>
+              <a:rPr lang="ru-RU" altLang="en-US" sz="2400"/>
+              <a:t>поскольку удобнее проверять начичие ошибок</a:t>
+            </a:r>
+            <a:endParaRPr lang="en-US" altLang="en-US" sz="2400"/>
+          </a:p>
+          <a:p>
+            <a:pPr marL="0" indent="0">
+              <a:buNone/>
+            </a:pPr>
+            <a:endParaRPr lang="en-US" altLang="en-US" sz="2400"/>
+          </a:p>
+          <a:p>
+            <a:pPr marL="0" indent="0">
+              <a:buNone/>
+            </a:pPr>
+            <a:endParaRPr lang="en-US" altLang="en-US" sz="2400"/>
+          </a:p>
+          <a:p>
+            <a:pPr marL="0" indent="0">
+              <a:buNone/>
+            </a:pPr>
+            <a:r>
+              <a:rPr lang="en-US" altLang="ru-RU" sz="2400"/>
+              <a:t>2) </a:t>
+            </a:r>
+            <a:r>
+              <a:rPr lang="ru-RU" altLang="ru-RU" sz="2400"/>
+              <a:t>для создания визуализации использовалась библиотека </a:t>
+            </a:r>
+            <a:r>
+              <a:rPr lang="en-US" altLang="ru-RU" sz="2400"/>
+              <a:t>PyQt6</a:t>
+            </a:r>
+            <a:r>
+              <a:rPr lang="ru-RU" altLang="ru-RU" sz="2400"/>
+              <a:t>.</a:t>
+            </a:r>
+            <a:endParaRPr lang="ru-RU" altLang="ru-RU" sz="2400"/>
+          </a:p>
+          <a:p>
+            <a:pPr marL="0" indent="0">
+              <a:buNone/>
+            </a:pPr>
+            <a:endParaRPr lang="ru-RU" altLang="ru-RU" sz="2400"/>
+          </a:p>
+          <a:p>
+            <a:pPr marL="0" indent="0">
+              <a:buNone/>
+            </a:pPr>
+            <a:endParaRPr lang="ru-RU" altLang="ru-RU" sz="2400"/>
+          </a:p>
+          <a:p>
+            <a:pPr marL="0" indent="0">
+              <a:buNone/>
+            </a:pPr>
+            <a:r>
+              <a:rPr lang="ru-RU" altLang="ru-RU" sz="2400"/>
+              <a:t>3) для работы с базами данных, использолвалась встроенная в </a:t>
+            </a:r>
+            <a:r>
+              <a:rPr lang="en-US" altLang="ru-RU" sz="2400"/>
+              <a:t>Python</a:t>
+            </a:r>
+            <a:r>
+              <a:rPr lang="ru-RU" altLang="ru-RU" sz="2400"/>
+              <a:t> библиотека управления СУБД </a:t>
+            </a:r>
+            <a:r>
+              <a:rPr lang="en-US" altLang="ru-RU" sz="2400"/>
+              <a:t>Sqlite3</a:t>
+            </a:r>
+            <a:r>
+              <a:rPr lang="ru-RU" altLang="en-US" sz="2400"/>
+              <a:t> и библиотека </a:t>
+            </a:r>
+            <a:r>
+              <a:rPr lang="en-US" altLang="en-US" sz="2400"/>
+              <a:t>pandas</a:t>
+            </a:r>
+            <a:r>
+              <a:rPr lang="ru-RU" altLang="en-US" sz="2400"/>
+              <a:t> для преобразования </a:t>
+            </a:r>
+            <a:r>
+              <a:rPr lang="en-US" altLang="en-US" sz="2400"/>
+              <a:t>xlsx</a:t>
+            </a:r>
+            <a:r>
+              <a:rPr lang="ru-RU" altLang="en-US" sz="2400"/>
+              <a:t> файла в более удобный для работы формат</a:t>
+            </a:r>
+            <a:endParaRPr lang="ru-RU" altLang="en-US" sz="2400"/>
+          </a:p>
+        </p:txBody>
+      </p:sp>
+    </p:spTree>
+  </p:cSld>
+  <p:clrMapOvr>
+    <a:masterClrMapping/>
+  </p:clrMapOvr>
+</p:sld>
+</file>
+
+<file path=ppt/slides/slide8.xml><?xml version="1.0" encoding="utf-8"?>
+<p:sld xmlns:a="http://schemas.openxmlformats.org/drawingml/2006/main" xmlns:r="http://schemas.openxmlformats.org/officeDocument/2006/relationships" xmlns:p="http://schemas.openxmlformats.org/presentationml/2006/main">
+  <p:cSld>
+    <p:spTree>
+      <p:nvGrpSpPr>
+        <p:cNvPr id="1" name=""/>
+        <p:cNvGrpSpPr/>
+        <p:nvPr/>
+      </p:nvGrpSpPr>
+      <p:grpSpPr/>
+      <p:sp>
+        <p:nvSpPr>
+          <p:cNvPr id="2" name="Заголовок 1"/>
+          <p:cNvSpPr>
+            <a:spLocks noGrp="1"/>
+          </p:cNvSpPr>
+          <p:nvPr>
+            <p:ph type="title"/>
+          </p:nvPr>
+        </p:nvSpPr>
         <p:spPr>
           <a:xfrm>
-            <a:off x="647700" y="258445"/>
-            <a:ext cx="10515600" cy="876935"/>
+            <a:off x="647700" y="635"/>
+            <a:ext cx="10515600" cy="857250"/>
           </a:xfrm>
         </p:spPr>
         <p:txBody>
@@ -4738,13 +5359,16 @@
         </p:nvSpPr>
         <p:spPr>
           <a:xfrm>
-            <a:off x="647700" y="1134745"/>
-            <a:ext cx="10515600" cy="5042535"/>
+            <a:off x="647700" y="744855"/>
+            <a:ext cx="10515600" cy="5432425"/>
           </a:xfrm>
         </p:spPr>
         <p:txBody>
           <a:bodyPr/>
           <a:p>
+            <a:pPr marL="0" indent="0">
+              <a:buNone/>
+            </a:pPr>
             <a:r>
               <a:rPr lang="ru-RU" altLang="en-US" sz="2000"/>
               <a:t>Тест №1</a:t>
@@ -4760,6 +5384,9 @@
             <a:endParaRPr lang="ru-RU" altLang="en-US" sz="2000"/>
           </a:p>
           <a:p>
+            <a:pPr marL="0" indent="0">
+              <a:buNone/>
+            </a:pPr>
             <a:r>
               <a:rPr lang="ru-RU" altLang="en-US" sz="2000"/>
               <a:t>возьмем существующего сотрудника и парковкой</a:t>
@@ -4771,6 +5398,9 @@
             <a:endParaRPr lang="en-US" altLang="en-US" sz="2000"/>
           </a:p>
           <a:p>
+            <a:pPr marL="0" indent="0">
+              <a:buNone/>
+            </a:pPr>
             <a:r>
               <a:rPr lang="ru-RU" altLang="en-US" sz="2000"/>
               <a:t>после ввода данных и подтвержения входа получаем ответ о том, что сотрудник вошёл на предприятие, после повторного повторения,</a:t>
@@ -4778,6 +5408,9 @@
             <a:endParaRPr lang="ru-RU" altLang="en-US" sz="2000"/>
           </a:p>
           <a:p>
+            <a:pPr marL="0" indent="0">
+              <a:buNone/>
+            </a:pPr>
             <a:r>
               <a:rPr lang="ru-RU" altLang="en-US" sz="2000"/>
               <a:t>получаем информацию о выходе, а также строка в базе данных пополнилась данными о времени входа и выхода.</a:t>
@@ -4820,7 +5453,7 @@
         </p:blipFill>
         <p:spPr>
           <a:xfrm>
-            <a:off x="942975" y="3751580"/>
+            <a:off x="942975" y="3071495"/>
             <a:ext cx="3131820" cy="1517015"/>
           </a:xfrm>
           <a:prstGeom prst="rect">
@@ -4844,8 +5477,8 @@
         </p:blipFill>
         <p:spPr>
           <a:xfrm>
-            <a:off x="7737475" y="3702685"/>
-            <a:ext cx="3293745" cy="1565910"/>
+            <a:off x="7869555" y="3071495"/>
+            <a:ext cx="3192145" cy="1517650"/>
           </a:xfrm>
           <a:prstGeom prst="rect">
             <a:avLst/>
@@ -4908,7 +5541,7 @@
 </p:sld>
 </file>
 
-<file path=ppt/slides/slide8.xml><?xml version="1.0" encoding="utf-8"?>
+<file path=ppt/slides/slide9.xml><?xml version="1.0" encoding="utf-8"?>
 <p:sld xmlns:a="http://schemas.openxmlformats.org/drawingml/2006/main" xmlns:r="http://schemas.openxmlformats.org/officeDocument/2006/relationships" xmlns:p="http://schemas.openxmlformats.org/presentationml/2006/main">
   <p:cSld>
     <p:spTree>
@@ -4960,33 +5593,42 @@
         <p:txBody>
           <a:bodyPr/>
           <a:p>
-            <a:r>
-              <a:rPr lang="ru-RU" altLang="en-US"/>
+            <a:pPr marL="0" indent="0">
+              <a:buNone/>
+            </a:pPr>
+            <a:r>
+              <a:rPr lang="ru-RU" altLang="en-US" sz="2400"/>
               <a:t>Тест №2</a:t>
             </a:r>
             <a:r>
-              <a:rPr lang="en-US" altLang="en-US"/>
+              <a:rPr lang="en-US" altLang="en-US" sz="2400"/>
               <a:t>: </a:t>
             </a:r>
             <a:r>
-              <a:rPr lang="ru-RU" altLang="en-US"/>
+              <a:rPr lang="ru-RU" altLang="en-US" sz="2400"/>
               <a:t>попытка осуществления входа несуществующего сотрудника.</a:t>
             </a:r>
-            <a:endParaRPr lang="ru-RU" altLang="en-US"/>
-          </a:p>
-          <a:p>
-            <a:r>
-              <a:rPr lang="ru-RU" altLang="en-US"/>
+            <a:endParaRPr lang="ru-RU" altLang="en-US" sz="2400"/>
+          </a:p>
+          <a:p>
+            <a:pPr marL="0" indent="0">
+              <a:buNone/>
+            </a:pPr>
+            <a:r>
+              <a:rPr lang="ru-RU" altLang="en-US" sz="2400"/>
               <a:t>Возьмем подставное лицо и попробуем зайти под его данными.</a:t>
             </a:r>
-            <a:endParaRPr lang="ru-RU" altLang="en-US"/>
-          </a:p>
-          <a:p>
-            <a:r>
-              <a:rPr lang="ru-RU" altLang="en-US"/>
+            <a:endParaRPr lang="ru-RU" altLang="en-US" sz="2400"/>
+          </a:p>
+          <a:p>
+            <a:pPr marL="0" indent="0">
+              <a:buNone/>
+            </a:pPr>
+            <a:r>
+              <a:rPr lang="ru-RU" altLang="en-US" sz="2400"/>
               <a:t>Осуществление входа небыло, в базе данных, время не учлось.</a:t>
             </a:r>
-            <a:endParaRPr lang="ru-RU" altLang="en-US"/>
+            <a:endParaRPr lang="ru-RU" altLang="en-US" sz="2400"/>
           </a:p>
         </p:txBody>
       </p:sp>
@@ -5046,340 +5688,57 @@
 </p:sld>
 </file>
 
-<file path=ppt/slides/slide9.xml><?xml version="1.0" encoding="utf-8"?>
-<p:sld xmlns:a="http://schemas.openxmlformats.org/drawingml/2006/main" xmlns:r="http://schemas.openxmlformats.org/officeDocument/2006/relationships" xmlns:p="http://schemas.openxmlformats.org/presentationml/2006/main">
-  <p:cSld>
-    <p:spTree>
-      <p:nvGrpSpPr>
-        <p:cNvPr id="1" name=""/>
-        <p:cNvGrpSpPr/>
-        <p:nvPr/>
-      </p:nvGrpSpPr>
-      <p:grpSpPr/>
-      <p:sp>
-        <p:nvSpPr>
-          <p:cNvPr id="2" name="Заголовок 1"/>
-          <p:cNvSpPr>
-            <a:spLocks noGrp="1"/>
-          </p:cNvSpPr>
-          <p:nvPr>
-            <p:ph type="title"/>
-          </p:nvPr>
-        </p:nvSpPr>
-        <p:spPr>
-          <a:xfrm>
-            <a:off x="647700" y="0"/>
-            <a:ext cx="10515600" cy="1325563"/>
-          </a:xfrm>
-        </p:spPr>
-        <p:txBody>
-          <a:bodyPr/>
-          <a:p>
-            <a:pPr algn="ctr"/>
-            <a:r>
-              <a:rPr lang="ru-RU" altLang="en-US"/>
-              <a:t>Тестирование</a:t>
-            </a:r>
-            <a:endParaRPr lang="ru-RU" altLang="en-US"/>
-          </a:p>
-        </p:txBody>
-      </p:sp>
-      <p:sp>
-        <p:nvSpPr>
-          <p:cNvPr id="3" name="Замещающее содержимое 2"/>
-          <p:cNvSpPr>
-            <a:spLocks noGrp="1"/>
-          </p:cNvSpPr>
-          <p:nvPr>
-            <p:ph idx="1"/>
-          </p:nvPr>
-        </p:nvSpPr>
-        <p:spPr>
-          <a:xfrm>
-            <a:off x="647700" y="879475"/>
-            <a:ext cx="10515600" cy="5297805"/>
-          </a:xfrm>
-        </p:spPr>
-        <p:txBody>
-          <a:bodyPr>
-            <a:normAutofit lnSpcReduction="10000"/>
-          </a:bodyPr>
-          <a:p>
-            <a:r>
-              <a:rPr lang="ru-RU" altLang="en-US"/>
-              <a:t>Тест №3</a:t>
-            </a:r>
-            <a:r>
-              <a:rPr lang="en-US" altLang="en-US"/>
-              <a:t>: </a:t>
-            </a:r>
-            <a:r>
-              <a:rPr lang="ru-RU" altLang="en-US"/>
-              <a:t>Проверка правильности заполнения полей</a:t>
-            </a:r>
-            <a:endParaRPr lang="ru-RU" altLang="en-US"/>
-          </a:p>
-          <a:p>
-            <a:r>
-              <a:rPr lang="ru-RU" altLang="en-US"/>
-              <a:t>1) </a:t>
-            </a:r>
-            <a:r>
-              <a:rPr lang="en-US" altLang="en-US"/>
-              <a:t>ID </a:t>
-            </a:r>
-            <a:r>
-              <a:rPr lang="ru-RU" altLang="en-US"/>
-              <a:t>сотрудника - цифровая последовательность символов, короче 10 ед.</a:t>
-            </a:r>
-            <a:endParaRPr lang="ru-RU" altLang="en-US"/>
-          </a:p>
-          <a:p>
-            <a:endParaRPr lang="ru-RU" altLang="en-US"/>
-          </a:p>
-          <a:p>
-            <a:endParaRPr lang="ru-RU" altLang="en-US"/>
-          </a:p>
-          <a:p>
-            <a:r>
-              <a:rPr lang="ru-RU" altLang="en-US"/>
-              <a:t>2)персональные данные сотрудника имеют буквенную запись</a:t>
-            </a:r>
-            <a:endParaRPr lang="ru-RU" altLang="en-US"/>
-          </a:p>
-          <a:p>
-            <a:endParaRPr lang="ru-RU" altLang="en-US"/>
-          </a:p>
-          <a:p>
-            <a:endParaRPr lang="ru-RU" altLang="en-US"/>
-          </a:p>
-          <a:p>
-            <a:endParaRPr lang="ru-RU" altLang="en-US"/>
-          </a:p>
-          <a:p>
-            <a:r>
-              <a:rPr lang="ru-RU" altLang="en-US"/>
-              <a:t>3) для выполнения входа необходимо заполнение всех полей</a:t>
-            </a:r>
-            <a:endParaRPr lang="ru-RU" altLang="en-US"/>
-          </a:p>
-        </p:txBody>
-      </p:sp>
-      <p:pic>
-        <p:nvPicPr>
-          <p:cNvPr id="5" name="Изображение 4"/>
-          <p:cNvPicPr>
-            <a:picLocks noChangeAspect="1"/>
-          </p:cNvPicPr>
-          <p:nvPr/>
-        </p:nvPicPr>
-        <p:blipFill>
-          <a:blip r:embed="rId1"/>
-          <a:stretch>
-            <a:fillRect/>
-          </a:stretch>
-        </p:blipFill>
-        <p:spPr>
-          <a:xfrm>
-            <a:off x="1893570" y="1837690"/>
-            <a:ext cx="2598420" cy="1181100"/>
-          </a:xfrm>
-          <a:prstGeom prst="rect">
-            <a:avLst/>
-          </a:prstGeom>
-        </p:spPr>
-      </p:pic>
-      <p:pic>
-        <p:nvPicPr>
-          <p:cNvPr id="7" name="Изображение 6"/>
-          <p:cNvPicPr>
-            <a:picLocks noChangeAspect="1"/>
-          </p:cNvPicPr>
-          <p:nvPr/>
-        </p:nvPicPr>
-        <p:blipFill>
-          <a:blip r:embed="rId2"/>
-          <a:stretch>
-            <a:fillRect/>
-          </a:stretch>
-        </p:blipFill>
-        <p:spPr>
-          <a:xfrm>
-            <a:off x="4898390" y="1837690"/>
-            <a:ext cx="4351020" cy="1181100"/>
-          </a:xfrm>
-          <a:prstGeom prst="rect">
-            <a:avLst/>
-          </a:prstGeom>
-        </p:spPr>
-      </p:pic>
-      <p:pic>
-        <p:nvPicPr>
-          <p:cNvPr id="8" name="Изображение 7"/>
-          <p:cNvPicPr>
-            <a:picLocks noChangeAspect="1"/>
-          </p:cNvPicPr>
-          <p:nvPr/>
-        </p:nvPicPr>
-        <p:blipFill>
-          <a:blip r:embed="rId3"/>
-          <a:stretch>
-            <a:fillRect/>
-          </a:stretch>
-        </p:blipFill>
-        <p:spPr>
-          <a:xfrm>
-            <a:off x="3247390" y="3530600"/>
-            <a:ext cx="4434840" cy="1181100"/>
-          </a:xfrm>
-          <a:prstGeom prst="rect">
-            <a:avLst/>
-          </a:prstGeom>
-        </p:spPr>
-      </p:pic>
-      <p:pic>
-        <p:nvPicPr>
-          <p:cNvPr id="9" name="Изображение 8"/>
-          <p:cNvPicPr>
-            <a:picLocks noChangeAspect="1"/>
-          </p:cNvPicPr>
-          <p:nvPr/>
-        </p:nvPicPr>
-        <p:blipFill>
-          <a:blip r:embed="rId4"/>
-          <a:stretch>
-            <a:fillRect/>
-          </a:stretch>
-        </p:blipFill>
-        <p:spPr>
-          <a:xfrm>
-            <a:off x="4196080" y="5508625"/>
-            <a:ext cx="2537460" cy="1181100"/>
-          </a:xfrm>
-          <a:prstGeom prst="rect">
-            <a:avLst/>
-          </a:prstGeom>
-        </p:spPr>
-      </p:pic>
-    </p:spTree>
-  </p:cSld>
-  <p:clrMapOvr>
-    <a:masterClrMapping/>
-  </p:clrMapOvr>
-</p:sld>
-</file>
-
 <file path=ppt/theme/theme1.xml><?xml version="1.0" encoding="utf-8"?>
-<a:theme xmlns:a="http://schemas.openxmlformats.org/drawingml/2006/main" name="Office Theme">
+<a:theme xmlns:a="http://schemas.openxmlformats.org/drawingml/2006/main" name="Default Design">
   <a:themeElements>
-    <a:clrScheme name="Office">
+    <a:clrScheme name="">
       <a:dk1>
-        <a:sysClr val="windowText" lastClr="000000"/>
+        <a:srgbClr val="000000"/>
       </a:dk1>
       <a:lt1>
-        <a:sysClr val="window" lastClr="FFFFFF"/>
+        <a:srgbClr val="FFFFFF"/>
       </a:lt1>
       <a:dk2>
-        <a:srgbClr val="44546A"/>
+        <a:srgbClr val="000000"/>
       </a:dk2>
       <a:lt2>
-        <a:srgbClr val="E7E6E6"/>
+        <a:srgbClr val="808080"/>
       </a:lt2>
       <a:accent1>
-        <a:srgbClr val="5B9BD5"/>
+        <a:srgbClr val="7DB6EF"/>
       </a:accent1>
       <a:accent2>
-        <a:srgbClr val="ED7D31"/>
+        <a:srgbClr val="C0504D"/>
       </a:accent2>
       <a:accent3>
-        <a:srgbClr val="A5A5A5"/>
+        <a:srgbClr val="FFFFFF"/>
       </a:accent3>
       <a:accent4>
-        <a:srgbClr val="FFC000"/>
+        <a:srgbClr val="000000"/>
       </a:accent4>
       <a:accent5>
-        <a:srgbClr val="4472C4"/>
+        <a:srgbClr val="C0D7F5"/>
       </a:accent5>
       <a:accent6>
-        <a:srgbClr val="70AD47"/>
+        <a:srgbClr val="AC4744"/>
       </a:accent6>
       <a:hlink>
-        <a:srgbClr val="0563C1"/>
+        <a:srgbClr val="0066CC"/>
       </a:hlink>
       <a:folHlink>
-        <a:srgbClr val="954F72"/>
+        <a:srgbClr val="800080"/>
       </a:folHlink>
     </a:clrScheme>
-    <a:fontScheme name="Office">
+    <a:fontScheme name="">
       <a:majorFont>
-        <a:latin typeface="Calibri Light"/>
-        <a:ea typeface=""/>
+        <a:latin typeface="Arial"/>
+        <a:ea typeface="Arial"/>
         <a:cs typeface=""/>
-        <a:font script="Jpan" typeface="ＭＳ ゴシック"/>
-        <a:font script="Hang" typeface="굴림"/>
-        <a:font script="Hans" typeface="微软雅黑"/>
-        <a:font script="Hant" typeface="微軟正黑體"/>
-        <a:font script="Arab" typeface="Tahoma"/>
-        <a:font script="Hebr" typeface="Tahoma"/>
-        <a:font script="Thai" typeface="FreesiaUPC"/>
-        <a:font script="Ethi" typeface="Nyala"/>
-        <a:font script="Beng" typeface="Vrinda"/>
-        <a:font script="Gujr" typeface="Shruti"/>
-        <a:font script="Khmr" typeface="DaunPenh"/>
-        <a:font script="Knda" typeface="Tunga"/>
-        <a:font script="Guru" typeface="Raavi"/>
-        <a:font script="Cans" typeface="Euphemia"/>
-        <a:font script="Cher" typeface="Plantagenet Cherokee"/>
-        <a:font script="Yiii" typeface="Microsoft Yi Baiti"/>
-        <a:font script="Tibt" typeface="Microsoft Himalaya"/>
-        <a:font script="Thaa" typeface="MV Boli"/>
-        <a:font script="Deva" typeface="Mangal"/>
-        <a:font script="Telu" typeface="Gautami"/>
-        <a:font script="Taml" typeface="Latha"/>
-        <a:font script="Syrc" typeface="Estrangelo Edessa"/>
-        <a:font script="Orya" typeface="Kalinga"/>
-        <a:font script="Mlym" typeface="Kartika"/>
-        <a:font script="Laoo" typeface="DokChampa"/>
-        <a:font script="Sinh" typeface="Iskoola Pota"/>
-        <a:font script="Mong" typeface="Mongolian Baiti"/>
-        <a:font script="Viet" typeface="Verdana"/>
-        <a:font script="Uigh" typeface="Microsoft Uighur"/>
-        <a:font script="Geor" typeface="Sylfaen"/>
       </a:majorFont>
       <a:minorFont>
-        <a:latin typeface="Calibri"/>
-        <a:ea typeface=""/>
+        <a:latin typeface="Arial"/>
+        <a:ea typeface="Arial"/>
         <a:cs typeface=""/>
-        <a:font script="Jpan" typeface="ＭＳ Ｐゴシック"/>
-        <a:font script="Hang" typeface="굴림"/>
-        <a:font script="Hans" typeface="黑体"/>
-        <a:font script="Hant" typeface="微軟正黑體"/>
-        <a:font script="Arab" typeface="Arial"/>
-        <a:font script="Hebr" typeface="Arial"/>
-        <a:font script="Thai" typeface="Cordia New"/>
-        <a:font script="Ethi" typeface="Nyala"/>
-        <a:font script="Beng" typeface="Vrinda"/>
-        <a:font script="Gujr" typeface="Shruti"/>
-        <a:font script="Khmr" typeface="DaunPenh"/>
-        <a:font script="Knda" typeface="Tunga"/>
-        <a:font script="Guru" typeface="Raavi"/>
-        <a:font script="Cans" typeface="Euphemia"/>
-        <a:font script="Cher" typeface="Plantagenet Cherokee"/>
-        <a:font script="Yiii" typeface="Microsoft Yi Baiti"/>
-        <a:font script="Tibt" typeface="Microsoft Himalaya"/>
-        <a:font script="Thaa" typeface="MV Boli"/>
-        <a:font script="Deva" typeface="Mangal"/>
-        <a:font script="Telu" typeface="Gautami"/>
-        <a:font script="Taml" typeface="Latha"/>
-        <a:font script="Syrc" typeface="Estrangelo Edessa"/>
-        <a:font script="Orya" typeface="Kalinga"/>
-        <a:font script="Mlym" typeface="Kartika"/>
-        <a:font script="Laoo" typeface="DokChampa"/>
-        <a:font script="Sinh" typeface="Iskoola Pota"/>
-        <a:font script="Mong" typeface="Mongolian Baiti"/>
-        <a:font script="Viet" typeface="Arial"/>
-        <a:font script="Uigh" typeface="Microsoft Uighur"/>
-        <a:font script="Geor" typeface="Sylfaen"/>
       </a:minorFont>
     </a:fontScheme>
     <a:fmtScheme name="Office">
@@ -5520,6 +5879,500 @@
       </a:bgFillStyleLst>
     </a:fmtScheme>
   </a:themeElements>
+  <a:extraClrSchemeLst>
+    <a:extraClrScheme>
+      <a:clrScheme name="">
+        <a:dk1>
+          <a:srgbClr val="000000"/>
+        </a:dk1>
+        <a:lt1>
+          <a:srgbClr val="FFFFFF"/>
+        </a:lt1>
+        <a:dk2>
+          <a:srgbClr val="000000"/>
+        </a:dk2>
+        <a:lt2>
+          <a:srgbClr val="969696"/>
+        </a:lt2>
+        <a:accent1>
+          <a:srgbClr val="FBDF53"/>
+        </a:accent1>
+        <a:accent2>
+          <a:srgbClr val="FF9966"/>
+        </a:accent2>
+        <a:accent3>
+          <a:srgbClr val="FFFFFF"/>
+        </a:accent3>
+        <a:accent4>
+          <a:srgbClr val="000000"/>
+        </a:accent4>
+        <a:accent5>
+          <a:srgbClr val="FDECB4"/>
+        </a:accent5>
+        <a:accent6>
+          <a:srgbClr val="E5895B"/>
+        </a:accent6>
+        <a:hlink>
+          <a:srgbClr val="CC3300"/>
+        </a:hlink>
+        <a:folHlink>
+          <a:srgbClr val="996600"/>
+        </a:folHlink>
+      </a:clrScheme>
+      <a:clrMap bg1="lt1" tx1="dk1" bg2="lt2" tx2="dk2" accent1="accent1" accent2="accent2" accent3="accent3" accent4="accent4" accent5="accent5" accent6="accent6" hlink="hlink" folHlink="folHlink"/>
+    </a:extraClrScheme>
+    <a:extraClrScheme>
+      <a:clrScheme name="">
+        <a:dk1>
+          <a:srgbClr val="000000"/>
+        </a:dk1>
+        <a:lt1>
+          <a:srgbClr val="FFFFFF"/>
+        </a:lt1>
+        <a:dk2>
+          <a:srgbClr val="000000"/>
+        </a:dk2>
+        <a:lt2>
+          <a:srgbClr val="808080"/>
+        </a:lt2>
+        <a:accent1>
+          <a:srgbClr val="99CCFF"/>
+        </a:accent1>
+        <a:accent2>
+          <a:srgbClr val="CCCCFF"/>
+        </a:accent2>
+        <a:accent3>
+          <a:srgbClr val="FFFFFF"/>
+        </a:accent3>
+        <a:accent4>
+          <a:srgbClr val="000000"/>
+        </a:accent4>
+        <a:accent5>
+          <a:srgbClr val="CAE2FF"/>
+        </a:accent5>
+        <a:accent6>
+          <a:srgbClr val="B7B7E5"/>
+        </a:accent6>
+        <a:hlink>
+          <a:srgbClr val="3333CC"/>
+        </a:hlink>
+        <a:folHlink>
+          <a:srgbClr val="AF67FF"/>
+        </a:folHlink>
+      </a:clrScheme>
+      <a:clrMap bg1="lt1" tx1="dk1" bg2="lt2" tx2="dk2" accent1="accent1" accent2="accent2" accent3="accent3" accent4="accent4" accent5="accent5" accent6="accent6" hlink="hlink" folHlink="folHlink"/>
+    </a:extraClrScheme>
+    <a:extraClrScheme>
+      <a:clrScheme name="">
+        <a:dk1>
+          <a:srgbClr val="000000"/>
+        </a:dk1>
+        <a:lt1>
+          <a:srgbClr val="DEF6F1"/>
+        </a:lt1>
+        <a:dk2>
+          <a:srgbClr val="000000"/>
+        </a:dk2>
+        <a:lt2>
+          <a:srgbClr val="969696"/>
+        </a:lt2>
+        <a:accent1>
+          <a:srgbClr val="FFFFFF"/>
+        </a:accent1>
+        <a:accent2>
+          <a:srgbClr val="8DC6FF"/>
+        </a:accent2>
+        <a:accent3>
+          <a:srgbClr val="EBFAF7"/>
+        </a:accent3>
+        <a:accent4>
+          <a:srgbClr val="000000"/>
+        </a:accent4>
+        <a:accent5>
+          <a:srgbClr val="FFFFFF"/>
+        </a:accent5>
+        <a:accent6>
+          <a:srgbClr val="7EB1E5"/>
+        </a:accent6>
+        <a:hlink>
+          <a:srgbClr val="0066CC"/>
+        </a:hlink>
+        <a:folHlink>
+          <a:srgbClr val="00A800"/>
+        </a:folHlink>
+      </a:clrScheme>
+      <a:clrMap bg1="lt1" tx1="dk1" bg2="lt2" tx2="dk2" accent1="accent1" accent2="accent2" accent3="accent3" accent4="accent4" accent5="accent5" accent6="accent6" hlink="hlink" folHlink="folHlink"/>
+    </a:extraClrScheme>
+    <a:extraClrScheme>
+      <a:clrScheme name="">
+        <a:dk1>
+          <a:srgbClr val="000000"/>
+        </a:dk1>
+        <a:lt1>
+          <a:srgbClr val="FFFFD9"/>
+        </a:lt1>
+        <a:dk2>
+          <a:srgbClr val="000000"/>
+        </a:dk2>
+        <a:lt2>
+          <a:srgbClr val="777777"/>
+        </a:lt2>
+        <a:accent1>
+          <a:srgbClr val="FFFFF7"/>
+        </a:accent1>
+        <a:accent2>
+          <a:srgbClr val="33CCCC"/>
+        </a:accent2>
+        <a:accent3>
+          <a:srgbClr val="FFFFE9"/>
+        </a:accent3>
+        <a:accent4>
+          <a:srgbClr val="000000"/>
+        </a:accent4>
+        <a:accent5>
+          <a:srgbClr val="FFFFFA"/>
+        </a:accent5>
+        <a:accent6>
+          <a:srgbClr val="2DB7B7"/>
+        </a:accent6>
+        <a:hlink>
+          <a:srgbClr val="FF5050"/>
+        </a:hlink>
+        <a:folHlink>
+          <a:srgbClr val="FF9900"/>
+        </a:folHlink>
+      </a:clrScheme>
+      <a:clrMap bg1="lt1" tx1="dk1" bg2="lt2" tx2="dk2" accent1="accent1" accent2="accent2" accent3="accent3" accent4="accent4" accent5="accent5" accent6="accent6" hlink="hlink" folHlink="folHlink"/>
+    </a:extraClrScheme>
+    <a:extraClrScheme>
+      <a:clrScheme name="">
+        <a:dk1>
+          <a:srgbClr val="FFFFFF"/>
+        </a:dk1>
+        <a:lt1>
+          <a:srgbClr val="008080"/>
+        </a:lt1>
+        <a:dk2>
+          <a:srgbClr val="FFFF99"/>
+        </a:dk2>
+        <a:lt2>
+          <a:srgbClr val="005A58"/>
+        </a:lt2>
+        <a:accent1>
+          <a:srgbClr val="006462"/>
+        </a:accent1>
+        <a:accent2>
+          <a:srgbClr val="6D6FC7"/>
+        </a:accent2>
+        <a:accent3>
+          <a:srgbClr val="AAC1C1"/>
+        </a:accent3>
+        <a:accent4>
+          <a:srgbClr val="DCDCDC"/>
+        </a:accent4>
+        <a:accent5>
+          <a:srgbClr val="AAB8B8"/>
+        </a:accent5>
+        <a:accent6>
+          <a:srgbClr val="6163B2"/>
+        </a:accent6>
+        <a:hlink>
+          <a:srgbClr val="00FFFF"/>
+        </a:hlink>
+        <a:folHlink>
+          <a:srgbClr val="00FF00"/>
+        </a:folHlink>
+      </a:clrScheme>
+      <a:clrMap bg1="lt1" tx1="dk1" bg2="lt2" tx2="dk2" accent1="accent1" accent2="accent2" accent3="accent3" accent4="accent4" accent5="accent5" accent6="accent6" hlink="hlink" folHlink="folHlink"/>
+    </a:extraClrScheme>
+    <a:extraClrScheme>
+      <a:clrScheme name="">
+        <a:dk1>
+          <a:srgbClr val="FFFFFF"/>
+        </a:dk1>
+        <a:lt1>
+          <a:srgbClr val="800000"/>
+        </a:lt1>
+        <a:dk2>
+          <a:srgbClr val="DFD293"/>
+        </a:dk2>
+        <a:lt2>
+          <a:srgbClr val="5C1F00"/>
+        </a:lt2>
+        <a:accent1>
+          <a:srgbClr val="CC3300"/>
+        </a:accent1>
+        <a:accent2>
+          <a:srgbClr val="BE7960"/>
+        </a:accent2>
+        <a:accent3>
+          <a:srgbClr val="C1AAAA"/>
+        </a:accent3>
+        <a:accent4>
+          <a:srgbClr val="DCDCDC"/>
+        </a:accent4>
+        <a:accent5>
+          <a:srgbClr val="E2ADAA"/>
+        </a:accent5>
+        <a:accent6>
+          <a:srgbClr val="AA6C55"/>
+        </a:accent6>
+        <a:hlink>
+          <a:srgbClr val="FFFF99"/>
+        </a:hlink>
+        <a:folHlink>
+          <a:srgbClr val="D3A219"/>
+        </a:folHlink>
+      </a:clrScheme>
+      <a:clrMap bg1="lt1" tx1="dk1" bg2="lt2" tx2="dk2" accent1="accent1" accent2="accent2" accent3="accent3" accent4="accent4" accent5="accent5" accent6="accent6" hlink="hlink" folHlink="folHlink"/>
+    </a:extraClrScheme>
+    <a:extraClrScheme>
+      <a:clrScheme name="">
+        <a:dk1>
+          <a:srgbClr val="FFFFFF"/>
+        </a:dk1>
+        <a:lt1>
+          <a:srgbClr val="000099"/>
+        </a:lt1>
+        <a:dk2>
+          <a:srgbClr val="CCFFFF"/>
+        </a:dk2>
+        <a:lt2>
+          <a:srgbClr val="003366"/>
+        </a:lt2>
+        <a:accent1>
+          <a:srgbClr val="3366CC"/>
+        </a:accent1>
+        <a:accent2>
+          <a:srgbClr val="00B000"/>
+        </a:accent2>
+        <a:accent3>
+          <a:srgbClr val="AAAACA"/>
+        </a:accent3>
+        <a:accent4>
+          <a:srgbClr val="DCDCDC"/>
+        </a:accent4>
+        <a:accent5>
+          <a:srgbClr val="ADB9E2"/>
+        </a:accent5>
+        <a:accent6>
+          <a:srgbClr val="009D00"/>
+        </a:accent6>
+        <a:hlink>
+          <a:srgbClr val="66CCFF"/>
+        </a:hlink>
+        <a:folHlink>
+          <a:srgbClr val="FFE701"/>
+        </a:folHlink>
+      </a:clrScheme>
+      <a:clrMap bg1="lt1" tx1="dk1" bg2="lt2" tx2="dk2" accent1="accent1" accent2="accent2" accent3="accent3" accent4="accent4" accent5="accent5" accent6="accent6" hlink="hlink" folHlink="folHlink"/>
+    </a:extraClrScheme>
+    <a:extraClrScheme>
+      <a:clrScheme name="">
+        <a:dk1>
+          <a:srgbClr val="FFFFFF"/>
+        </a:dk1>
+        <a:lt1>
+          <a:srgbClr val="000000"/>
+        </a:lt1>
+        <a:dk2>
+          <a:srgbClr val="E3EBF1"/>
+        </a:dk2>
+        <a:lt2>
+          <a:srgbClr val="336699"/>
+        </a:lt2>
+        <a:accent1>
+          <a:srgbClr val="003399"/>
+        </a:accent1>
+        <a:accent2>
+          <a:srgbClr val="468A4B"/>
+        </a:accent2>
+        <a:accent3>
+          <a:srgbClr val="AAAAAA"/>
+        </a:accent3>
+        <a:accent4>
+          <a:srgbClr val="DCDCDC"/>
+        </a:accent4>
+        <a:accent5>
+          <a:srgbClr val="AAADCA"/>
+        </a:accent5>
+        <a:accent6>
+          <a:srgbClr val="3E7B43"/>
+        </a:accent6>
+        <a:hlink>
+          <a:srgbClr val="66CCFF"/>
+        </a:hlink>
+        <a:folHlink>
+          <a:srgbClr val="F0E500"/>
+        </a:folHlink>
+      </a:clrScheme>
+      <a:clrMap bg1="lt1" tx1="dk1" bg2="lt2" tx2="dk2" accent1="accent1" accent2="accent2" accent3="accent3" accent4="accent4" accent5="accent5" accent6="accent6" hlink="hlink" folHlink="folHlink"/>
+    </a:extraClrScheme>
+    <a:extraClrScheme>
+      <a:clrScheme name="">
+        <a:dk1>
+          <a:srgbClr val="FFFFFF"/>
+        </a:dk1>
+        <a:lt1>
+          <a:srgbClr val="686B5D"/>
+        </a:lt1>
+        <a:dk2>
+          <a:srgbClr val="D1D1CB"/>
+        </a:dk2>
+        <a:lt2>
+          <a:srgbClr val="777777"/>
+        </a:lt2>
+        <a:accent1>
+          <a:srgbClr val="909082"/>
+        </a:accent1>
+        <a:accent2>
+          <a:srgbClr val="809EA8"/>
+        </a:accent2>
+        <a:accent3>
+          <a:srgbClr val="B9BAB6"/>
+        </a:accent3>
+        <a:accent4>
+          <a:srgbClr val="DCDCDC"/>
+        </a:accent4>
+        <a:accent5>
+          <a:srgbClr val="C7C7C1"/>
+        </a:accent5>
+        <a:accent6>
+          <a:srgbClr val="728D96"/>
+        </a:accent6>
+        <a:hlink>
+          <a:srgbClr val="FFCC66"/>
+        </a:hlink>
+        <a:folHlink>
+          <a:srgbClr val="E9DCB9"/>
+        </a:folHlink>
+      </a:clrScheme>
+      <a:clrMap bg1="lt1" tx1="dk1" bg2="lt2" tx2="dk2" accent1="accent1" accent2="accent2" accent3="accent3" accent4="accent4" accent5="accent5" accent6="accent6" hlink="hlink" folHlink="folHlink"/>
+    </a:extraClrScheme>
+    <a:extraClrScheme>
+      <a:clrScheme name="">
+        <a:dk1>
+          <a:srgbClr val="FFFFFF"/>
+        </a:dk1>
+        <a:lt1>
+          <a:srgbClr val="666699"/>
+        </a:lt1>
+        <a:dk2>
+          <a:srgbClr val="FFFFFF"/>
+        </a:dk2>
+        <a:lt2>
+          <a:srgbClr val="3E3E5C"/>
+        </a:lt2>
+        <a:accent1>
+          <a:srgbClr val="60597B"/>
+        </a:accent1>
+        <a:accent2>
+          <a:srgbClr val="6666FF"/>
+        </a:accent2>
+        <a:accent3>
+          <a:srgbClr val="B9B9CA"/>
+        </a:accent3>
+        <a:accent4>
+          <a:srgbClr val="DCDCDC"/>
+        </a:accent4>
+        <a:accent5>
+          <a:srgbClr val="B7B5BF"/>
+        </a:accent5>
+        <a:accent6>
+          <a:srgbClr val="5B5BE5"/>
+        </a:accent6>
+        <a:hlink>
+          <a:srgbClr val="99CCFF"/>
+        </a:hlink>
+        <a:folHlink>
+          <a:srgbClr val="FFFF99"/>
+        </a:folHlink>
+      </a:clrScheme>
+      <a:clrMap bg1="lt1" tx1="dk1" bg2="lt2" tx2="dk2" accent1="accent1" accent2="accent2" accent3="accent3" accent4="accent4" accent5="accent5" accent6="accent6" hlink="hlink" folHlink="folHlink"/>
+    </a:extraClrScheme>
+    <a:extraClrScheme>
+      <a:clrScheme name="">
+        <a:dk1>
+          <a:srgbClr val="FFFFFF"/>
+        </a:dk1>
+        <a:lt1>
+          <a:srgbClr val="523E26"/>
+        </a:lt1>
+        <a:dk2>
+          <a:srgbClr val="DFC08D"/>
+        </a:dk2>
+        <a:lt2>
+          <a:srgbClr val="2D2015"/>
+        </a:lt2>
+        <a:accent1>
+          <a:srgbClr val="8C7B70"/>
+        </a:accent1>
+        <a:accent2>
+          <a:srgbClr val="8F5F2F"/>
+        </a:accent2>
+        <a:accent3>
+          <a:srgbClr val="B3AFAB"/>
+        </a:accent3>
+        <a:accent4>
+          <a:srgbClr val="DCDCDC"/>
+        </a:accent4>
+        <a:accent5>
+          <a:srgbClr val="C5BFBC"/>
+        </a:accent5>
+        <a:accent6>
+          <a:srgbClr val="805529"/>
+        </a:accent6>
+        <a:hlink>
+          <a:srgbClr val="CCB400"/>
+        </a:hlink>
+        <a:folHlink>
+          <a:srgbClr val="8C9EA0"/>
+        </a:folHlink>
+      </a:clrScheme>
+      <a:clrMap bg1="lt1" tx1="dk1" bg2="lt2" tx2="dk2" accent1="accent1" accent2="accent2" accent3="accent3" accent4="accent4" accent5="accent5" accent6="accent6" hlink="hlink" folHlink="folHlink"/>
+    </a:extraClrScheme>
+    <a:extraClrScheme>
+      <a:clrScheme name="">
+        <a:dk1>
+          <a:srgbClr val="000000"/>
+        </a:dk1>
+        <a:lt1>
+          <a:srgbClr val="FFFFFF"/>
+        </a:lt1>
+        <a:dk2>
+          <a:srgbClr val="000000"/>
+        </a:dk2>
+        <a:lt2>
+          <a:srgbClr val="808080"/>
+        </a:lt2>
+        <a:accent1>
+          <a:srgbClr val="7DB6EF"/>
+        </a:accent1>
+        <a:accent2>
+          <a:srgbClr val="C0504D"/>
+        </a:accent2>
+        <a:accent3>
+          <a:srgbClr val="FFFFFF"/>
+        </a:accent3>
+        <a:accent4>
+          <a:srgbClr val="000000"/>
+        </a:accent4>
+        <a:accent5>
+          <a:srgbClr val="C0D7F5"/>
+        </a:accent5>
+        <a:accent6>
+          <a:srgbClr val="AC4744"/>
+        </a:accent6>
+        <a:hlink>
+          <a:srgbClr val="0066CC"/>
+        </a:hlink>
+        <a:folHlink>
+          <a:srgbClr val="800080"/>
+        </a:folHlink>
+      </a:clrScheme>
+      <a:clrMap bg1="lt1" tx1="dk1" bg2="lt2" tx2="dk2" accent1="accent1" accent2="accent2" accent3="accent3" accent4="accent4" accent5="accent5" accent6="accent6" hlink="hlink" folHlink="folHlink"/>
+    </a:extraClrScheme>
+  </a:extraClrSchemeLst>
   <a:extLst>
     <a:ext uri="{05A4C25C-085E-4340-85A3-A5531E510DB2}">
       <thm15:themeFamily xmlns:thm15="http://schemas.microsoft.com/office/thememl/2012/main" name="Office Theme" id="{62F939B6-93AF-4DB8-9C6B-D6C7DFDC589F}" vid="{4A3C46E8-61CC-4603-A589-7422A47A8E4A}"/>
